--- a/정보처리기사/5. 정보시스템 구축관리.pptx
+++ b/정보처리기사/5. 정보시스템 구축관리.pptx
@@ -5,10 +5,10 @@
     <p:sldMasterId id="2147483648" r:id="rId1"/>
   </p:sldMasterIdLst>
   <p:notesMasterIdLst>
-    <p:notesMasterId r:id="rId12"/>
+    <p:notesMasterId r:id="rId16"/>
   </p:notesMasterIdLst>
   <p:handoutMasterIdLst>
-    <p:handoutMasterId r:id="rId13"/>
+    <p:handoutMasterId r:id="rId17"/>
   </p:handoutMasterIdLst>
   <p:sldIdLst>
     <p:sldId id="259" r:id="rId2"/>
@@ -21,6 +21,10 @@
     <p:sldId id="265" r:id="rId9"/>
     <p:sldId id="266" r:id="rId10"/>
     <p:sldId id="267" r:id="rId11"/>
+    <p:sldId id="268" r:id="rId12"/>
+    <p:sldId id="269" r:id="rId13"/>
+    <p:sldId id="270" r:id="rId14"/>
+    <p:sldId id="271" r:id="rId15"/>
   </p:sldIdLst>
   <p:sldSz cx="12192000" cy="6858000"/>
   <p:notesSz cx="9144000" cy="6858000"/>
@@ -146,6 +150,18 @@
             <p14:sldId id="265"/>
             <p14:sldId id="266"/>
             <p14:sldId id="267"/>
+          </p14:sldIdLst>
+        </p14:section>
+        <p14:section name="SW 개발 보안 구축 - SW 개발 보안 설계" id="{5845C68D-80CA-47F1-8B76-3A6F8190A978}">
+          <p14:sldIdLst>
+            <p14:sldId id="268"/>
+            <p14:sldId id="269"/>
+          </p14:sldIdLst>
+        </p14:section>
+        <p14:section name="SW 개발 보안 구축 - SW 개발 보안 구현" id="{92168938-0462-45A6-BBFE-7FB3586AD52F}">
+          <p14:sldIdLst>
+            <p14:sldId id="270"/>
+            <p14:sldId id="271"/>
           </p14:sldIdLst>
         </p14:section>
       </p14:sectionLst>
@@ -3506,6 +3522,1578 @@
 </p:sld>
 </file>
 
+<file path=ppt/slides/slide11.xml><?xml version="1.0" encoding="utf-8"?>
+<p:sld xmlns:a="http://schemas.openxmlformats.org/drawingml/2006/main" xmlns:r="http://schemas.openxmlformats.org/officeDocument/2006/relationships" xmlns:p="http://schemas.openxmlformats.org/presentationml/2006/main">
+  <p:cSld>
+    <p:spTree>
+      <p:nvGrpSpPr>
+        <p:cNvPr id="1" name=""/>
+        <p:cNvGrpSpPr/>
+        <p:nvPr/>
+      </p:nvGrpSpPr>
+      <p:grpSpPr>
+        <a:xfrm>
+          <a:off x="0" y="0"/>
+          <a:ext cx="0" cy="0"/>
+          <a:chOff x="0" y="0"/>
+          <a:chExt cx="0" cy="0"/>
+        </a:xfrm>
+      </p:grpSpPr>
+      <p:sp>
+        <p:nvSpPr>
+          <p:cNvPr id="2" name="내용 개체 틀 1">
+            <a:extLst>
+              <a:ext uri="{FF2B5EF4-FFF2-40B4-BE49-F238E27FC236}">
+                <a16:creationId xmlns:a16="http://schemas.microsoft.com/office/drawing/2014/main" id="{90C024CA-323C-472B-90CA-FA3D7E31F990}"/>
+              </a:ext>
+            </a:extLst>
+          </p:cNvPr>
+          <p:cNvSpPr>
+            <a:spLocks noGrp="1"/>
+          </p:cNvSpPr>
+          <p:nvPr>
+            <p:ph sz="half" idx="14"/>
+          </p:nvPr>
+        </p:nvSpPr>
+        <p:spPr/>
+        <p:txBody>
+          <a:bodyPr/>
+          <a:lstStyle/>
+          <a:p>
+            <a:r>
+              <a:rPr lang="en-US" altLang="ko-KR" dirty="0"/>
+              <a:t>SW </a:t>
+            </a:r>
+            <a:r>
+              <a:rPr lang="ko-KR" altLang="en-US" dirty="0"/>
+              <a:t>개발 보안</a:t>
+            </a:r>
+            <a:endParaRPr lang="en-US" altLang="ko-KR" dirty="0"/>
+          </a:p>
+          <a:p>
+            <a:pPr lvl="1"/>
+            <a:r>
+              <a:rPr lang="ko-KR" altLang="en-US" dirty="0"/>
+              <a:t>정의</a:t>
+            </a:r>
+            <a:r>
+              <a:rPr lang="en-US" altLang="ko-KR" dirty="0"/>
+              <a:t>: </a:t>
+            </a:r>
+            <a:r>
+              <a:rPr lang="ko-KR" altLang="en-US" dirty="0"/>
+              <a:t>코드의</a:t>
+            </a:r>
+            <a:r>
+              <a:rPr lang="en-US" altLang="ko-KR" dirty="0"/>
+              <a:t> </a:t>
+            </a:r>
+            <a:r>
+              <a:rPr lang="ko-KR" altLang="en-US" dirty="0"/>
+              <a:t>보안 취약점 제거</a:t>
+            </a:r>
+            <a:endParaRPr lang="en-US" altLang="ko-KR" dirty="0"/>
+          </a:p>
+          <a:p>
+            <a:pPr lvl="1"/>
+            <a:r>
+              <a:rPr lang="ko-KR" altLang="en-US" dirty="0"/>
+              <a:t>정보 보안 </a:t>
+            </a:r>
+            <a:r>
+              <a:rPr lang="en-US" altLang="ko-KR" dirty="0"/>
+              <a:t>3</a:t>
+            </a:r>
+            <a:r>
+              <a:rPr lang="ko-KR" altLang="en-US" dirty="0"/>
+              <a:t>요소</a:t>
+            </a:r>
+            <a:endParaRPr lang="en-US" altLang="ko-KR" dirty="0"/>
+          </a:p>
+          <a:p>
+            <a:pPr lvl="2"/>
+            <a:r>
+              <a:rPr lang="ko-KR" altLang="en-US" dirty="0"/>
+              <a:t>기밀성</a:t>
+            </a:r>
+            <a:r>
+              <a:rPr lang="en-US" altLang="ko-KR" dirty="0"/>
+              <a:t>: </a:t>
+            </a:r>
+            <a:r>
+              <a:rPr lang="ko-KR" altLang="en-US" dirty="0"/>
+              <a:t>인가되지 않은 정보 노출 차단</a:t>
+            </a:r>
+            <a:endParaRPr lang="en-US" altLang="ko-KR" dirty="0"/>
+          </a:p>
+          <a:p>
+            <a:pPr lvl="2"/>
+            <a:r>
+              <a:rPr lang="ko-KR" altLang="en-US" dirty="0"/>
+              <a:t>무결성</a:t>
+            </a:r>
+            <a:r>
+              <a:rPr lang="en-US" altLang="ko-KR" dirty="0"/>
+              <a:t>: </a:t>
+            </a:r>
+            <a:r>
+              <a:rPr lang="ko-KR" altLang="en-US" dirty="0"/>
+              <a:t>부당한 방법으로는 데이터 변경 불가</a:t>
+            </a:r>
+            <a:endParaRPr lang="en-US" altLang="ko-KR" dirty="0"/>
+          </a:p>
+          <a:p>
+            <a:pPr lvl="2"/>
+            <a:r>
+              <a:rPr lang="ko-KR" altLang="en-US" dirty="0"/>
+              <a:t>가용성</a:t>
+            </a:r>
+            <a:r>
+              <a:rPr lang="en-US" altLang="ko-KR" dirty="0"/>
+              <a:t>: </a:t>
+            </a:r>
+            <a:r>
+              <a:rPr lang="ko-KR" altLang="en-US" dirty="0"/>
+              <a:t>권한을 가진 사용자는 원하는 서비스 사용</a:t>
+            </a:r>
+            <a:endParaRPr lang="en-US" altLang="ko-KR" dirty="0"/>
+          </a:p>
+          <a:p>
+            <a:pPr lvl="1"/>
+            <a:r>
+              <a:rPr lang="ko-KR" altLang="en-US" dirty="0"/>
+              <a:t>용어</a:t>
+            </a:r>
+            <a:endParaRPr lang="en-US" altLang="ko-KR" dirty="0"/>
+          </a:p>
+          <a:p>
+            <a:pPr lvl="2"/>
+            <a:r>
+              <a:rPr lang="en-US" altLang="ko-KR" dirty="0"/>
+              <a:t>Assets: </a:t>
+            </a:r>
+            <a:r>
+              <a:rPr lang="ko-KR" altLang="en-US" dirty="0"/>
+              <a:t>조직에서 가치를 부여한 대상</a:t>
+            </a:r>
+            <a:endParaRPr lang="en-US" altLang="ko-KR" dirty="0"/>
+          </a:p>
+          <a:p>
+            <a:pPr lvl="2"/>
+            <a:r>
+              <a:rPr lang="en-US" altLang="ko-KR" dirty="0"/>
+              <a:t>Threat: </a:t>
+            </a:r>
+            <a:r>
+              <a:rPr lang="ko-KR" altLang="en-US" dirty="0"/>
+              <a:t>조직</a:t>
+            </a:r>
+            <a:r>
+              <a:rPr lang="en-US" altLang="ko-KR" dirty="0"/>
+              <a:t>,</a:t>
+            </a:r>
+            <a:r>
+              <a:rPr lang="ko-KR" altLang="en-US" dirty="0"/>
+              <a:t> 자산에 악영향을 끼칠 수 있는 행동</a:t>
+            </a:r>
+            <a:endParaRPr lang="en-US" altLang="ko-KR" dirty="0"/>
+          </a:p>
+          <a:p>
+            <a:pPr lvl="2"/>
+            <a:r>
+              <a:rPr lang="en-US" altLang="ko-KR" dirty="0"/>
+              <a:t>Vulnerability: </a:t>
+            </a:r>
+            <a:r>
+              <a:rPr lang="ko-KR" altLang="en-US" dirty="0"/>
+              <a:t>약점</a:t>
+            </a:r>
+            <a:endParaRPr lang="en-US" altLang="ko-KR" dirty="0"/>
+          </a:p>
+          <a:p>
+            <a:pPr lvl="2"/>
+            <a:r>
+              <a:rPr lang="en-US" altLang="ko-KR" dirty="0"/>
+              <a:t>Risk(</a:t>
+            </a:r>
+            <a:r>
+              <a:rPr lang="ko-KR" altLang="en-US" dirty="0"/>
+              <a:t>위험</a:t>
+            </a:r>
+            <a:r>
+              <a:rPr lang="en-US" altLang="ko-KR" dirty="0"/>
+              <a:t>): Threat(</a:t>
+            </a:r>
+            <a:r>
+              <a:rPr lang="ko-KR" altLang="en-US" dirty="0"/>
+              <a:t>위협</a:t>
+            </a:r>
+            <a:r>
+              <a:rPr lang="en-US" altLang="ko-KR" dirty="0"/>
+              <a:t>)</a:t>
+            </a:r>
+            <a:r>
+              <a:rPr lang="ko-KR" altLang="en-US" dirty="0"/>
+              <a:t>이 피해를 가져올 가능성</a:t>
+            </a:r>
+            <a:endParaRPr lang="en-US" altLang="ko-KR" dirty="0"/>
+          </a:p>
+          <a:p>
+            <a:pPr lvl="1"/>
+            <a:endParaRPr lang="en-US" altLang="ko-KR" dirty="0"/>
+          </a:p>
+        </p:txBody>
+      </p:sp>
+      <p:sp>
+        <p:nvSpPr>
+          <p:cNvPr id="3" name="제목 2">
+            <a:extLst>
+              <a:ext uri="{FF2B5EF4-FFF2-40B4-BE49-F238E27FC236}">
+                <a16:creationId xmlns:a16="http://schemas.microsoft.com/office/drawing/2014/main" id="{47BC7E5E-38A3-4B1E-8A51-0A1A93AD866F}"/>
+              </a:ext>
+            </a:extLst>
+          </p:cNvPr>
+          <p:cNvSpPr>
+            <a:spLocks noGrp="1"/>
+          </p:cNvSpPr>
+          <p:nvPr>
+            <p:ph type="title"/>
+          </p:nvPr>
+        </p:nvSpPr>
+        <p:spPr/>
+        <p:txBody>
+          <a:bodyPr/>
+          <a:lstStyle/>
+          <a:p>
+            <a:r>
+              <a:rPr lang="en-US" altLang="ko-KR" dirty="0"/>
+              <a:t>SW </a:t>
+            </a:r>
+            <a:r>
+              <a:rPr lang="ko-KR" altLang="en-US" dirty="0"/>
+              <a:t>개발 보안</a:t>
+            </a:r>
+          </a:p>
+        </p:txBody>
+      </p:sp>
+      <p:sp>
+        <p:nvSpPr>
+          <p:cNvPr id="4" name="내용 개체 틀 3">
+            <a:extLst>
+              <a:ext uri="{FF2B5EF4-FFF2-40B4-BE49-F238E27FC236}">
+                <a16:creationId xmlns:a16="http://schemas.microsoft.com/office/drawing/2014/main" id="{B46F7B3C-4DBD-442B-8E63-157FE3056C71}"/>
+              </a:ext>
+            </a:extLst>
+          </p:cNvPr>
+          <p:cNvSpPr>
+            <a:spLocks noGrp="1"/>
+          </p:cNvSpPr>
+          <p:nvPr>
+            <p:ph sz="half" idx="2"/>
+          </p:nvPr>
+        </p:nvSpPr>
+        <p:spPr/>
+        <p:txBody>
+          <a:bodyPr/>
+          <a:lstStyle/>
+          <a:p>
+            <a:r>
+              <a:rPr lang="en-US" altLang="ko-KR" dirty="0"/>
+              <a:t>Secure SDLC</a:t>
+            </a:r>
+          </a:p>
+          <a:p>
+            <a:pPr lvl="1"/>
+            <a:r>
+              <a:rPr lang="ko-KR" altLang="en-US" dirty="0"/>
+              <a:t>정의</a:t>
+            </a:r>
+            <a:r>
+              <a:rPr lang="en-US" altLang="ko-KR" dirty="0"/>
+              <a:t>: SDLC</a:t>
+            </a:r>
+            <a:r>
+              <a:rPr lang="ko-KR" altLang="en-US" dirty="0"/>
+              <a:t> </a:t>
+            </a:r>
+            <a:r>
+              <a:rPr lang="en-US" altLang="ko-KR" dirty="0"/>
+              <a:t>+</a:t>
+            </a:r>
+            <a:r>
+              <a:rPr lang="ko-KR" altLang="en-US" dirty="0"/>
+              <a:t> 보안</a:t>
+            </a:r>
+            <a:endParaRPr lang="en-US" altLang="ko-KR" dirty="0"/>
+          </a:p>
+          <a:p>
+            <a:pPr lvl="1"/>
+            <a:r>
+              <a:rPr lang="en-US" altLang="ko-KR" dirty="0"/>
+              <a:t>Process</a:t>
+            </a:r>
+          </a:p>
+          <a:p>
+            <a:pPr lvl="2"/>
+            <a:r>
+              <a:rPr lang="ko-KR" altLang="en-US" dirty="0"/>
+              <a:t>계획</a:t>
+            </a:r>
+            <a:r>
+              <a:rPr lang="en-US" altLang="ko-KR" dirty="0">
+                <a:sym typeface="Wingdings" panose="05000000000000000000" pitchFamily="2" charset="2"/>
+              </a:rPr>
+              <a:t></a:t>
+            </a:r>
+            <a:r>
+              <a:rPr lang="ko-KR" altLang="en-US" dirty="0">
+                <a:sym typeface="Wingdings" panose="05000000000000000000" pitchFamily="2" charset="2"/>
+              </a:rPr>
+              <a:t>분석</a:t>
+            </a:r>
+            <a:r>
+              <a:rPr lang="en-US" altLang="ko-KR" dirty="0">
+                <a:sym typeface="Wingdings" panose="05000000000000000000" pitchFamily="2" charset="2"/>
+              </a:rPr>
+              <a:t></a:t>
+            </a:r>
+            <a:r>
+              <a:rPr lang="ko-KR" altLang="en-US" dirty="0">
+                <a:sym typeface="Wingdings" panose="05000000000000000000" pitchFamily="2" charset="2"/>
+              </a:rPr>
+              <a:t>설계</a:t>
+            </a:r>
+            <a:r>
+              <a:rPr lang="en-US" altLang="ko-KR" dirty="0">
+                <a:sym typeface="Wingdings" panose="05000000000000000000" pitchFamily="2" charset="2"/>
+              </a:rPr>
+              <a:t></a:t>
+            </a:r>
+            <a:r>
+              <a:rPr lang="ko-KR" altLang="en-US" dirty="0">
+                <a:sym typeface="Wingdings" panose="05000000000000000000" pitchFamily="2" charset="2"/>
+              </a:rPr>
+              <a:t>구현</a:t>
+            </a:r>
+            <a:r>
+              <a:rPr lang="en-US" altLang="ko-KR" dirty="0">
+                <a:sym typeface="Wingdings" panose="05000000000000000000" pitchFamily="2" charset="2"/>
+              </a:rPr>
+              <a:t></a:t>
+            </a:r>
+            <a:r>
+              <a:rPr lang="ko-KR" altLang="en-US" dirty="0">
+                <a:sym typeface="Wingdings" panose="05000000000000000000" pitchFamily="2" charset="2"/>
+              </a:rPr>
+              <a:t>테스트</a:t>
+            </a:r>
+            <a:endParaRPr lang="en-US" altLang="ko-KR" dirty="0">
+              <a:sym typeface="Wingdings" panose="05000000000000000000" pitchFamily="2" charset="2"/>
+            </a:endParaRPr>
+          </a:p>
+          <a:p>
+            <a:pPr lvl="1"/>
+            <a:endParaRPr lang="ko-KR" altLang="en-US" dirty="0"/>
+          </a:p>
+          <a:p>
+            <a:endParaRPr lang="ko-KR" altLang="en-US" dirty="0"/>
+          </a:p>
+        </p:txBody>
+      </p:sp>
+      <p:sp>
+        <p:nvSpPr>
+          <p:cNvPr id="5" name="슬라이드 번호 개체 틀 4">
+            <a:extLst>
+              <a:ext uri="{FF2B5EF4-FFF2-40B4-BE49-F238E27FC236}">
+                <a16:creationId xmlns:a16="http://schemas.microsoft.com/office/drawing/2014/main" id="{68E2391C-F180-4B93-BA4C-B90603EE8898}"/>
+              </a:ext>
+            </a:extLst>
+          </p:cNvPr>
+          <p:cNvSpPr>
+            <a:spLocks noGrp="1"/>
+          </p:cNvSpPr>
+          <p:nvPr>
+            <p:ph type="sldNum" sz="quarter" idx="12"/>
+          </p:nvPr>
+        </p:nvSpPr>
+        <p:spPr/>
+        <p:txBody>
+          <a:bodyPr/>
+          <a:lstStyle/>
+          <a:p>
+            <a:fld id="{89BED30C-66D9-4104-96BC-081A506F0CF0}" type="slidenum">
+              <a:rPr lang="ko-KR" altLang="en-US" smtClean="0"/>
+              <a:t>11</a:t>
+            </a:fld>
+            <a:endParaRPr lang="ko-KR" altLang="en-US"/>
+          </a:p>
+        </p:txBody>
+      </p:sp>
+      <p:sp>
+        <p:nvSpPr>
+          <p:cNvPr id="6" name="바닥글 개체 틀 5">
+            <a:extLst>
+              <a:ext uri="{FF2B5EF4-FFF2-40B4-BE49-F238E27FC236}">
+                <a16:creationId xmlns:a16="http://schemas.microsoft.com/office/drawing/2014/main" id="{29FDE0A3-9F13-485E-8603-EDB2BBBE0CD8}"/>
+              </a:ext>
+            </a:extLst>
+          </p:cNvPr>
+          <p:cNvSpPr>
+            <a:spLocks noGrp="1"/>
+          </p:cNvSpPr>
+          <p:nvPr>
+            <p:ph type="ftr" sz="quarter" idx="3"/>
+          </p:nvPr>
+        </p:nvSpPr>
+        <p:spPr/>
+        <p:txBody>
+          <a:bodyPr/>
+          <a:lstStyle/>
+          <a:p>
+            <a:pPr algn="l"/>
+            <a:r>
+              <a:rPr lang="en-US" altLang="ko-KR"/>
+              <a:t>Nibble</a:t>
+            </a:r>
+            <a:endParaRPr lang="ko-KR" altLang="en-US" dirty="0"/>
+          </a:p>
+        </p:txBody>
+      </p:sp>
+      <p:sp>
+        <p:nvSpPr>
+          <p:cNvPr id="7" name="날짜 개체 틀 6">
+            <a:extLst>
+              <a:ext uri="{FF2B5EF4-FFF2-40B4-BE49-F238E27FC236}">
+                <a16:creationId xmlns:a16="http://schemas.microsoft.com/office/drawing/2014/main" id="{635D3515-C9CA-4219-91AB-CADF513DA255}"/>
+              </a:ext>
+            </a:extLst>
+          </p:cNvPr>
+          <p:cNvSpPr>
+            <a:spLocks noGrp="1"/>
+          </p:cNvSpPr>
+          <p:nvPr>
+            <p:ph type="dt" sz="half" idx="13"/>
+          </p:nvPr>
+        </p:nvSpPr>
+        <p:spPr/>
+        <p:txBody>
+          <a:bodyPr/>
+          <a:lstStyle/>
+          <a:p>
+            <a:fld id="{B226B4E6-2447-4D67-A511-B13A2182F919}" type="datetime5">
+              <a:rPr lang="ko-KR" altLang="en-US" smtClean="0"/>
+              <a:t>2021/8/10</a:t>
+            </a:fld>
+            <a:endParaRPr lang="ko-KR" altLang="en-US" dirty="0"/>
+          </a:p>
+        </p:txBody>
+      </p:sp>
+    </p:spTree>
+    <p:extLst>
+      <p:ext uri="{BB962C8B-B14F-4D97-AF65-F5344CB8AC3E}">
+        <p14:creationId xmlns:p14="http://schemas.microsoft.com/office/powerpoint/2010/main" val="2727485634"/>
+      </p:ext>
+    </p:extLst>
+  </p:cSld>
+  <p:clrMapOvr>
+    <a:masterClrMapping/>
+  </p:clrMapOvr>
+</p:sld>
+</file>
+
+<file path=ppt/slides/slide12.xml><?xml version="1.0" encoding="utf-8"?>
+<p:sld xmlns:a="http://schemas.openxmlformats.org/drawingml/2006/main" xmlns:r="http://schemas.openxmlformats.org/officeDocument/2006/relationships" xmlns:p="http://schemas.openxmlformats.org/presentationml/2006/main">
+  <p:cSld>
+    <p:spTree>
+      <p:nvGrpSpPr>
+        <p:cNvPr id="1" name=""/>
+        <p:cNvGrpSpPr/>
+        <p:nvPr/>
+      </p:nvGrpSpPr>
+      <p:grpSpPr>
+        <a:xfrm>
+          <a:off x="0" y="0"/>
+          <a:ext cx="0" cy="0"/>
+          <a:chOff x="0" y="0"/>
+          <a:chExt cx="0" cy="0"/>
+        </a:xfrm>
+      </p:grpSpPr>
+      <p:sp>
+        <p:nvSpPr>
+          <p:cNvPr id="2" name="내용 개체 틀 1">
+            <a:extLst>
+              <a:ext uri="{FF2B5EF4-FFF2-40B4-BE49-F238E27FC236}">
+                <a16:creationId xmlns:a16="http://schemas.microsoft.com/office/drawing/2014/main" id="{0B7C39BD-95EC-444A-9844-59D3F14DB84D}"/>
+              </a:ext>
+            </a:extLst>
+          </p:cNvPr>
+          <p:cNvSpPr>
+            <a:spLocks noGrp="1"/>
+          </p:cNvSpPr>
+          <p:nvPr>
+            <p:ph sz="half" idx="14"/>
+          </p:nvPr>
+        </p:nvSpPr>
+        <p:spPr/>
+        <p:txBody>
+          <a:bodyPr/>
+          <a:lstStyle/>
+          <a:p>
+            <a:r>
+              <a:rPr lang="ko-KR" altLang="en-US" dirty="0"/>
+              <a:t>입력 데이터 검증 및 표현</a:t>
+            </a:r>
+            <a:endParaRPr lang="en-US" altLang="ko-KR" dirty="0"/>
+          </a:p>
+          <a:p>
+            <a:pPr lvl="1"/>
+            <a:r>
+              <a:rPr lang="ko-KR" altLang="en-US" dirty="0"/>
+              <a:t>정의</a:t>
+            </a:r>
+            <a:r>
+              <a:rPr lang="en-US" altLang="ko-KR" dirty="0"/>
+              <a:t>: </a:t>
+            </a:r>
+            <a:r>
+              <a:rPr lang="ko-KR" altLang="en-US" dirty="0"/>
+              <a:t>데이터로 인해 발생하는 문제를 예방</a:t>
+            </a:r>
+            <a:endParaRPr lang="en-US" altLang="ko-KR" dirty="0"/>
+          </a:p>
+          <a:p>
+            <a:pPr lvl="1"/>
+            <a:r>
+              <a:rPr lang="ko-KR" altLang="en-US" dirty="0"/>
+              <a:t>취약점</a:t>
+            </a:r>
+            <a:endParaRPr lang="en-US" altLang="ko-KR" dirty="0"/>
+          </a:p>
+          <a:p>
+            <a:pPr lvl="2"/>
+            <a:r>
+              <a:rPr lang="en-US" altLang="ko-KR" dirty="0"/>
+              <a:t>XSS (Cross Site Script)</a:t>
+            </a:r>
+          </a:p>
+          <a:p>
+            <a:pPr lvl="3"/>
+            <a:r>
+              <a:rPr lang="ko-KR" altLang="en-US" dirty="0"/>
+              <a:t>코드가</a:t>
+            </a:r>
+            <a:r>
+              <a:rPr lang="en-US" altLang="ko-KR" dirty="0"/>
+              <a:t> </a:t>
+            </a:r>
+            <a:r>
+              <a:rPr lang="ko-KR" altLang="en-US" dirty="0"/>
+              <a:t>포함된 페이지가 전송되면</a:t>
+            </a:r>
+            <a:endParaRPr lang="en-US" altLang="ko-KR" dirty="0"/>
+          </a:p>
+          <a:p>
+            <a:pPr lvl="3"/>
+            <a:r>
+              <a:rPr lang="ko-KR" altLang="en-US" dirty="0"/>
+              <a:t>부적절한 코드가 실행되는 것</a:t>
+            </a:r>
+            <a:endParaRPr lang="en-US" altLang="ko-KR" dirty="0"/>
+          </a:p>
+          <a:p>
+            <a:pPr lvl="2"/>
+            <a:r>
+              <a:rPr lang="en-US" altLang="ko-KR" dirty="0"/>
+              <a:t>CSRF (Cross-Site Request Forgery)</a:t>
+            </a:r>
+          </a:p>
+          <a:p>
+            <a:pPr lvl="3"/>
+            <a:r>
+              <a:rPr lang="ko-KR" altLang="en-US" dirty="0"/>
+              <a:t>사용자가 공격자가 의도한 행위를 하게 함</a:t>
+            </a:r>
+            <a:endParaRPr lang="en-US" altLang="ko-KR" dirty="0"/>
+          </a:p>
+          <a:p>
+            <a:pPr lvl="2"/>
+            <a:r>
+              <a:rPr lang="en-US" altLang="ko-KR" dirty="0"/>
+              <a:t>SQL </a:t>
+            </a:r>
+            <a:r>
+              <a:rPr lang="ko-KR" altLang="en-US" dirty="0"/>
+              <a:t>삽입</a:t>
+            </a:r>
+            <a:endParaRPr lang="en-US" altLang="ko-KR" dirty="0"/>
+          </a:p>
+          <a:p>
+            <a:pPr lvl="3"/>
+            <a:r>
+              <a:rPr lang="ko-KR" altLang="en-US" dirty="0"/>
+              <a:t>의도하지 않은 </a:t>
+            </a:r>
+            <a:r>
+              <a:rPr lang="en-US" altLang="ko-KR" dirty="0"/>
+              <a:t>SQL</a:t>
+            </a:r>
+            <a:r>
+              <a:rPr lang="ko-KR" altLang="en-US" dirty="0"/>
+              <a:t>문을 실행하게 함</a:t>
+            </a:r>
+          </a:p>
+        </p:txBody>
+      </p:sp>
+      <p:sp>
+        <p:nvSpPr>
+          <p:cNvPr id="3" name="제목 2">
+            <a:extLst>
+              <a:ext uri="{FF2B5EF4-FFF2-40B4-BE49-F238E27FC236}">
+                <a16:creationId xmlns:a16="http://schemas.microsoft.com/office/drawing/2014/main" id="{37FB5C62-A93E-4029-A045-C18C5D5E41BB}"/>
+              </a:ext>
+            </a:extLst>
+          </p:cNvPr>
+          <p:cNvSpPr>
+            <a:spLocks noGrp="1"/>
+          </p:cNvSpPr>
+          <p:nvPr>
+            <p:ph type="title"/>
+          </p:nvPr>
+        </p:nvSpPr>
+        <p:spPr/>
+        <p:txBody>
+          <a:bodyPr/>
+          <a:lstStyle/>
+          <a:p>
+            <a:r>
+              <a:rPr lang="ko-KR" altLang="en-US" dirty="0"/>
+              <a:t>입력 데이터 검증 및 표현</a:t>
+            </a:r>
+          </a:p>
+        </p:txBody>
+      </p:sp>
+      <p:sp>
+        <p:nvSpPr>
+          <p:cNvPr id="4" name="내용 개체 틀 3">
+            <a:extLst>
+              <a:ext uri="{FF2B5EF4-FFF2-40B4-BE49-F238E27FC236}">
+                <a16:creationId xmlns:a16="http://schemas.microsoft.com/office/drawing/2014/main" id="{0B9CC0F8-E4D2-45A7-8697-3B762AF2C1C0}"/>
+              </a:ext>
+            </a:extLst>
+          </p:cNvPr>
+          <p:cNvSpPr>
+            <a:spLocks noGrp="1"/>
+          </p:cNvSpPr>
+          <p:nvPr>
+            <p:ph sz="half" idx="2"/>
+          </p:nvPr>
+        </p:nvSpPr>
+        <p:spPr/>
+        <p:txBody>
+          <a:bodyPr/>
+          <a:lstStyle/>
+          <a:p>
+            <a:endParaRPr lang="ko-KR" altLang="en-US"/>
+          </a:p>
+        </p:txBody>
+      </p:sp>
+      <p:sp>
+        <p:nvSpPr>
+          <p:cNvPr id="5" name="슬라이드 번호 개체 틀 4">
+            <a:extLst>
+              <a:ext uri="{FF2B5EF4-FFF2-40B4-BE49-F238E27FC236}">
+                <a16:creationId xmlns:a16="http://schemas.microsoft.com/office/drawing/2014/main" id="{6C9F8D86-7DA2-4E8A-BEE3-3660561B0E66}"/>
+              </a:ext>
+            </a:extLst>
+          </p:cNvPr>
+          <p:cNvSpPr>
+            <a:spLocks noGrp="1"/>
+          </p:cNvSpPr>
+          <p:nvPr>
+            <p:ph type="sldNum" sz="quarter" idx="12"/>
+          </p:nvPr>
+        </p:nvSpPr>
+        <p:spPr/>
+        <p:txBody>
+          <a:bodyPr/>
+          <a:lstStyle/>
+          <a:p>
+            <a:fld id="{89BED30C-66D9-4104-96BC-081A506F0CF0}" type="slidenum">
+              <a:rPr lang="ko-KR" altLang="en-US" smtClean="0"/>
+              <a:t>12</a:t>
+            </a:fld>
+            <a:endParaRPr lang="ko-KR" altLang="en-US"/>
+          </a:p>
+        </p:txBody>
+      </p:sp>
+      <p:sp>
+        <p:nvSpPr>
+          <p:cNvPr id="6" name="바닥글 개체 틀 5">
+            <a:extLst>
+              <a:ext uri="{FF2B5EF4-FFF2-40B4-BE49-F238E27FC236}">
+                <a16:creationId xmlns:a16="http://schemas.microsoft.com/office/drawing/2014/main" id="{0079B949-42D3-474B-9983-10A542F37D6E}"/>
+              </a:ext>
+            </a:extLst>
+          </p:cNvPr>
+          <p:cNvSpPr>
+            <a:spLocks noGrp="1"/>
+          </p:cNvSpPr>
+          <p:nvPr>
+            <p:ph type="ftr" sz="quarter" idx="3"/>
+          </p:nvPr>
+        </p:nvSpPr>
+        <p:spPr/>
+        <p:txBody>
+          <a:bodyPr/>
+          <a:lstStyle/>
+          <a:p>
+            <a:pPr algn="l"/>
+            <a:r>
+              <a:rPr lang="en-US" altLang="ko-KR"/>
+              <a:t>Nibble</a:t>
+            </a:r>
+            <a:endParaRPr lang="ko-KR" altLang="en-US" dirty="0"/>
+          </a:p>
+        </p:txBody>
+      </p:sp>
+      <p:sp>
+        <p:nvSpPr>
+          <p:cNvPr id="7" name="날짜 개체 틀 6">
+            <a:extLst>
+              <a:ext uri="{FF2B5EF4-FFF2-40B4-BE49-F238E27FC236}">
+                <a16:creationId xmlns:a16="http://schemas.microsoft.com/office/drawing/2014/main" id="{B0EB1004-C7D9-4DE5-910A-9E0DDCC9C58A}"/>
+              </a:ext>
+            </a:extLst>
+          </p:cNvPr>
+          <p:cNvSpPr>
+            <a:spLocks noGrp="1"/>
+          </p:cNvSpPr>
+          <p:nvPr>
+            <p:ph type="dt" sz="half" idx="13"/>
+          </p:nvPr>
+        </p:nvSpPr>
+        <p:spPr/>
+        <p:txBody>
+          <a:bodyPr/>
+          <a:lstStyle/>
+          <a:p>
+            <a:fld id="{B226B4E6-2447-4D67-A511-B13A2182F919}" type="datetime5">
+              <a:rPr lang="ko-KR" altLang="en-US" smtClean="0"/>
+              <a:t>2021/8/10</a:t>
+            </a:fld>
+            <a:endParaRPr lang="ko-KR" altLang="en-US" dirty="0"/>
+          </a:p>
+        </p:txBody>
+      </p:sp>
+    </p:spTree>
+    <p:extLst>
+      <p:ext uri="{BB962C8B-B14F-4D97-AF65-F5344CB8AC3E}">
+        <p14:creationId xmlns:p14="http://schemas.microsoft.com/office/powerpoint/2010/main" val="3769500993"/>
+      </p:ext>
+    </p:extLst>
+  </p:cSld>
+  <p:clrMapOvr>
+    <a:masterClrMapping/>
+  </p:clrMapOvr>
+</p:sld>
+</file>
+
+<file path=ppt/slides/slide13.xml><?xml version="1.0" encoding="utf-8"?>
+<p:sld xmlns:a="http://schemas.openxmlformats.org/drawingml/2006/main" xmlns:r="http://schemas.openxmlformats.org/officeDocument/2006/relationships" xmlns:p="http://schemas.openxmlformats.org/presentationml/2006/main">
+  <p:cSld>
+    <p:spTree>
+      <p:nvGrpSpPr>
+        <p:cNvPr id="1" name=""/>
+        <p:cNvGrpSpPr/>
+        <p:nvPr/>
+      </p:nvGrpSpPr>
+      <p:grpSpPr>
+        <a:xfrm>
+          <a:off x="0" y="0"/>
+          <a:ext cx="0" cy="0"/>
+          <a:chOff x="0" y="0"/>
+          <a:chExt cx="0" cy="0"/>
+        </a:xfrm>
+      </p:grpSpPr>
+      <p:sp>
+        <p:nvSpPr>
+          <p:cNvPr id="2" name="내용 개체 틀 1">
+            <a:extLst>
+              <a:ext uri="{FF2B5EF4-FFF2-40B4-BE49-F238E27FC236}">
+                <a16:creationId xmlns:a16="http://schemas.microsoft.com/office/drawing/2014/main" id="{8C30D814-FE72-42D4-A88C-6455F313A265}"/>
+              </a:ext>
+            </a:extLst>
+          </p:cNvPr>
+          <p:cNvSpPr>
+            <a:spLocks noGrp="1"/>
+          </p:cNvSpPr>
+          <p:nvPr>
+            <p:ph sz="half" idx="14"/>
+          </p:nvPr>
+        </p:nvSpPr>
+        <p:spPr/>
+        <p:txBody>
+          <a:bodyPr/>
+          <a:lstStyle/>
+          <a:p>
+            <a:r>
+              <a:rPr lang="ko-KR" altLang="en-US" dirty="0"/>
+              <a:t>암호 알고리즘</a:t>
+            </a:r>
+            <a:endParaRPr lang="en-US" altLang="ko-KR" dirty="0"/>
+          </a:p>
+          <a:p>
+            <a:pPr lvl="1"/>
+            <a:r>
+              <a:rPr lang="ko-KR" altLang="en-US" dirty="0"/>
+              <a:t>정의</a:t>
+            </a:r>
+            <a:r>
+              <a:rPr lang="en-US" altLang="ko-KR" dirty="0"/>
+              <a:t>: </a:t>
+            </a:r>
+            <a:r>
+              <a:rPr lang="ko-KR" altLang="en-US" dirty="0"/>
+              <a:t>정보를 암호화 하는 기법</a:t>
+            </a:r>
+            <a:endParaRPr lang="en-US" altLang="ko-KR" dirty="0"/>
+          </a:p>
+          <a:p>
+            <a:pPr lvl="1"/>
+            <a:r>
+              <a:rPr lang="ko-KR" altLang="en-US" dirty="0"/>
+              <a:t>방식</a:t>
+            </a:r>
+            <a:endParaRPr lang="en-US" altLang="ko-KR" dirty="0"/>
+          </a:p>
+          <a:p>
+            <a:pPr lvl="2"/>
+            <a:r>
+              <a:rPr lang="ko-KR" altLang="en-US" dirty="0"/>
+              <a:t>양방향 방식</a:t>
+            </a:r>
+            <a:endParaRPr lang="en-US" altLang="ko-KR" dirty="0"/>
+          </a:p>
+          <a:p>
+            <a:pPr lvl="3"/>
+            <a:r>
+              <a:rPr lang="ko-KR" altLang="en-US" dirty="0"/>
+              <a:t>정의</a:t>
+            </a:r>
+            <a:r>
+              <a:rPr lang="en-US" altLang="ko-KR" dirty="0"/>
+              <a:t>: </a:t>
+            </a:r>
+            <a:r>
+              <a:rPr lang="ko-KR" altLang="en-US" dirty="0"/>
+              <a:t>암호화</a:t>
+            </a:r>
+            <a:r>
+              <a:rPr lang="en-US" altLang="ko-KR" dirty="0"/>
+              <a:t>, </a:t>
+            </a:r>
+            <a:r>
+              <a:rPr lang="ko-KR" altLang="en-US" dirty="0"/>
+              <a:t>복호화 가능</a:t>
+            </a:r>
+            <a:endParaRPr lang="en-US" altLang="ko-KR" dirty="0"/>
+          </a:p>
+          <a:p>
+            <a:pPr lvl="3"/>
+            <a:r>
+              <a:rPr lang="ko-KR" altLang="en-US" dirty="0"/>
+              <a:t>대칭 키</a:t>
+            </a:r>
+            <a:r>
+              <a:rPr lang="en-US" altLang="ko-KR" dirty="0"/>
+              <a:t>: </a:t>
+            </a:r>
+            <a:r>
+              <a:rPr lang="ko-KR" altLang="en-US" dirty="0"/>
+              <a:t>암호화와 복호화에 같은 암호 키 사용</a:t>
+            </a:r>
+            <a:endParaRPr lang="en-US" altLang="ko-KR" dirty="0"/>
+          </a:p>
+          <a:p>
+            <a:pPr lvl="4"/>
+            <a:r>
+              <a:rPr lang="ko-KR" altLang="en-US" dirty="0"/>
+              <a:t>블록 암호화</a:t>
+            </a:r>
+            <a:r>
+              <a:rPr lang="en-US" altLang="ko-KR" dirty="0"/>
+              <a:t>, </a:t>
+            </a:r>
+            <a:r>
+              <a:rPr lang="ko-KR" altLang="en-US" dirty="0"/>
+              <a:t>스트림 암호화</a:t>
+            </a:r>
+            <a:r>
+              <a:rPr lang="en-US" altLang="ko-KR" dirty="0"/>
+              <a:t>…</a:t>
+            </a:r>
+          </a:p>
+          <a:p>
+            <a:pPr lvl="3"/>
+            <a:r>
+              <a:rPr lang="ko-KR" altLang="en-US" dirty="0"/>
+              <a:t>비대칭 키</a:t>
+            </a:r>
+            <a:r>
+              <a:rPr lang="en-US" altLang="ko-KR" dirty="0"/>
+              <a:t>: </a:t>
+            </a:r>
+            <a:r>
+              <a:rPr lang="ko-KR" altLang="en-US" dirty="0"/>
+              <a:t>암호화와 복호화에 다른 키 사용</a:t>
+            </a:r>
+            <a:endParaRPr lang="en-US" altLang="ko-KR" dirty="0"/>
+          </a:p>
+          <a:p>
+            <a:pPr lvl="4"/>
+            <a:r>
+              <a:rPr lang="ko-KR" altLang="en-US"/>
+              <a:t>공개키 암호 방식 이라고도 함</a:t>
+            </a:r>
+            <a:endParaRPr lang="en-US" altLang="ko-KR" dirty="0"/>
+          </a:p>
+          <a:p>
+            <a:pPr lvl="4"/>
+            <a:r>
+              <a:rPr lang="en-US" altLang="ko-KR" dirty="0"/>
+              <a:t>RSA, ECC, </a:t>
+            </a:r>
+            <a:r>
+              <a:rPr lang="ko-KR" altLang="en-US" dirty="0"/>
+              <a:t>디피</a:t>
+            </a:r>
+            <a:r>
+              <a:rPr lang="en-US" altLang="ko-KR" dirty="0"/>
+              <a:t>-</a:t>
+            </a:r>
+            <a:r>
+              <a:rPr lang="ko-KR" altLang="en-US" dirty="0"/>
+              <a:t>헬만</a:t>
+            </a:r>
+            <a:r>
+              <a:rPr lang="en-US" altLang="ko-KR" dirty="0"/>
+              <a:t>…</a:t>
+            </a:r>
+          </a:p>
+          <a:p>
+            <a:pPr lvl="4"/>
+            <a:r>
+              <a:rPr lang="en-US" altLang="ko-KR" dirty="0"/>
+              <a:t>RSA: </a:t>
+            </a:r>
+            <a:r>
+              <a:rPr lang="ko-KR" altLang="en-US" dirty="0"/>
+              <a:t>소인수분해 어려움에서 제안됨</a:t>
+            </a:r>
+            <a:endParaRPr lang="en-US" altLang="ko-KR" dirty="0"/>
+          </a:p>
+          <a:p>
+            <a:pPr lvl="2"/>
+            <a:r>
+              <a:rPr lang="ko-KR" altLang="en-US" dirty="0"/>
+              <a:t>일방향 방식</a:t>
+            </a:r>
+            <a:endParaRPr lang="en-US" altLang="ko-KR" dirty="0"/>
+          </a:p>
+          <a:p>
+            <a:pPr lvl="3"/>
+            <a:r>
+              <a:rPr lang="ko-KR" altLang="en-US" dirty="0"/>
+              <a:t>정의</a:t>
+            </a:r>
+            <a:r>
+              <a:rPr lang="en-US" altLang="ko-KR" dirty="0"/>
+              <a:t>: </a:t>
+            </a:r>
+            <a:r>
+              <a:rPr lang="ko-KR" altLang="en-US" dirty="0"/>
+              <a:t>암호화 가능</a:t>
+            </a:r>
+            <a:r>
+              <a:rPr lang="en-US" altLang="ko-KR" dirty="0"/>
+              <a:t>, </a:t>
+            </a:r>
+            <a:r>
+              <a:rPr lang="ko-KR" altLang="en-US" dirty="0"/>
+              <a:t>복호화 불가능</a:t>
+            </a:r>
+            <a:endParaRPr lang="en-US" altLang="ko-KR" dirty="0"/>
+          </a:p>
+          <a:p>
+            <a:pPr lvl="3"/>
+            <a:r>
+              <a:rPr lang="en-US" altLang="ko-KR" dirty="0"/>
+              <a:t>MAC, MDC…</a:t>
+            </a:r>
+            <a:endParaRPr lang="ko-KR" altLang="en-US" dirty="0"/>
+          </a:p>
+        </p:txBody>
+      </p:sp>
+      <p:sp>
+        <p:nvSpPr>
+          <p:cNvPr id="3" name="제목 2">
+            <a:extLst>
+              <a:ext uri="{FF2B5EF4-FFF2-40B4-BE49-F238E27FC236}">
+                <a16:creationId xmlns:a16="http://schemas.microsoft.com/office/drawing/2014/main" id="{507E47DE-17C9-4ACF-9C20-E1EDF7BC70A0}"/>
+              </a:ext>
+            </a:extLst>
+          </p:cNvPr>
+          <p:cNvSpPr>
+            <a:spLocks noGrp="1"/>
+          </p:cNvSpPr>
+          <p:nvPr>
+            <p:ph type="title"/>
+          </p:nvPr>
+        </p:nvSpPr>
+        <p:spPr/>
+        <p:txBody>
+          <a:bodyPr/>
+          <a:lstStyle/>
+          <a:p>
+            <a:r>
+              <a:rPr lang="ko-KR" altLang="en-US" dirty="0"/>
+              <a:t>암호 알고리즘</a:t>
+            </a:r>
+          </a:p>
+        </p:txBody>
+      </p:sp>
+      <p:sp>
+        <p:nvSpPr>
+          <p:cNvPr id="4" name="내용 개체 틀 3">
+            <a:extLst>
+              <a:ext uri="{FF2B5EF4-FFF2-40B4-BE49-F238E27FC236}">
+                <a16:creationId xmlns:a16="http://schemas.microsoft.com/office/drawing/2014/main" id="{1B47DFFE-0CE3-41C9-8E2D-8232F65F7CD8}"/>
+              </a:ext>
+            </a:extLst>
+          </p:cNvPr>
+          <p:cNvSpPr>
+            <a:spLocks noGrp="1"/>
+          </p:cNvSpPr>
+          <p:nvPr>
+            <p:ph sz="half" idx="2"/>
+          </p:nvPr>
+        </p:nvSpPr>
+        <p:spPr/>
+        <p:txBody>
+          <a:bodyPr/>
+          <a:lstStyle/>
+          <a:p>
+            <a:endParaRPr lang="ko-KR" altLang="en-US"/>
+          </a:p>
+        </p:txBody>
+      </p:sp>
+      <p:sp>
+        <p:nvSpPr>
+          <p:cNvPr id="5" name="슬라이드 번호 개체 틀 4">
+            <a:extLst>
+              <a:ext uri="{FF2B5EF4-FFF2-40B4-BE49-F238E27FC236}">
+                <a16:creationId xmlns:a16="http://schemas.microsoft.com/office/drawing/2014/main" id="{D128578A-4E24-4D37-9FCC-1277E917E103}"/>
+              </a:ext>
+            </a:extLst>
+          </p:cNvPr>
+          <p:cNvSpPr>
+            <a:spLocks noGrp="1"/>
+          </p:cNvSpPr>
+          <p:nvPr>
+            <p:ph type="sldNum" sz="quarter" idx="12"/>
+          </p:nvPr>
+        </p:nvSpPr>
+        <p:spPr/>
+        <p:txBody>
+          <a:bodyPr/>
+          <a:lstStyle/>
+          <a:p>
+            <a:fld id="{89BED30C-66D9-4104-96BC-081A506F0CF0}" type="slidenum">
+              <a:rPr lang="ko-KR" altLang="en-US" smtClean="0"/>
+              <a:t>13</a:t>
+            </a:fld>
+            <a:endParaRPr lang="ko-KR" altLang="en-US"/>
+          </a:p>
+        </p:txBody>
+      </p:sp>
+      <p:sp>
+        <p:nvSpPr>
+          <p:cNvPr id="6" name="바닥글 개체 틀 5">
+            <a:extLst>
+              <a:ext uri="{FF2B5EF4-FFF2-40B4-BE49-F238E27FC236}">
+                <a16:creationId xmlns:a16="http://schemas.microsoft.com/office/drawing/2014/main" id="{CF954676-A9FF-4F07-BFD7-2F3397B96202}"/>
+              </a:ext>
+            </a:extLst>
+          </p:cNvPr>
+          <p:cNvSpPr>
+            <a:spLocks noGrp="1"/>
+          </p:cNvSpPr>
+          <p:nvPr>
+            <p:ph type="ftr" sz="quarter" idx="3"/>
+          </p:nvPr>
+        </p:nvSpPr>
+        <p:spPr/>
+        <p:txBody>
+          <a:bodyPr/>
+          <a:lstStyle/>
+          <a:p>
+            <a:pPr algn="l"/>
+            <a:r>
+              <a:rPr lang="en-US" altLang="ko-KR"/>
+              <a:t>Nibble</a:t>
+            </a:r>
+            <a:endParaRPr lang="ko-KR" altLang="en-US" dirty="0"/>
+          </a:p>
+        </p:txBody>
+      </p:sp>
+      <p:sp>
+        <p:nvSpPr>
+          <p:cNvPr id="7" name="날짜 개체 틀 6">
+            <a:extLst>
+              <a:ext uri="{FF2B5EF4-FFF2-40B4-BE49-F238E27FC236}">
+                <a16:creationId xmlns:a16="http://schemas.microsoft.com/office/drawing/2014/main" id="{AF2BD91B-02F6-4208-9439-4C799B6564BB}"/>
+              </a:ext>
+            </a:extLst>
+          </p:cNvPr>
+          <p:cNvSpPr>
+            <a:spLocks noGrp="1"/>
+          </p:cNvSpPr>
+          <p:nvPr>
+            <p:ph type="dt" sz="half" idx="13"/>
+          </p:nvPr>
+        </p:nvSpPr>
+        <p:spPr/>
+        <p:txBody>
+          <a:bodyPr/>
+          <a:lstStyle/>
+          <a:p>
+            <a:fld id="{B226B4E6-2447-4D67-A511-B13A2182F919}" type="datetime5">
+              <a:rPr lang="ko-KR" altLang="en-US" smtClean="0"/>
+              <a:t>2021/8/10</a:t>
+            </a:fld>
+            <a:endParaRPr lang="ko-KR" altLang="en-US" dirty="0"/>
+          </a:p>
+        </p:txBody>
+      </p:sp>
+    </p:spTree>
+    <p:extLst>
+      <p:ext uri="{BB962C8B-B14F-4D97-AF65-F5344CB8AC3E}">
+        <p14:creationId xmlns:p14="http://schemas.microsoft.com/office/powerpoint/2010/main" val="2300388595"/>
+      </p:ext>
+    </p:extLst>
+  </p:cSld>
+  <p:clrMapOvr>
+    <a:masterClrMapping/>
+  </p:clrMapOvr>
+</p:sld>
+</file>
+
+<file path=ppt/slides/slide14.xml><?xml version="1.0" encoding="utf-8"?>
+<p:sld xmlns:a="http://schemas.openxmlformats.org/drawingml/2006/main" xmlns:r="http://schemas.openxmlformats.org/officeDocument/2006/relationships" xmlns:p="http://schemas.openxmlformats.org/presentationml/2006/main">
+  <p:cSld>
+    <p:spTree>
+      <p:nvGrpSpPr>
+        <p:cNvPr id="1" name=""/>
+        <p:cNvGrpSpPr/>
+        <p:nvPr/>
+      </p:nvGrpSpPr>
+      <p:grpSpPr>
+        <a:xfrm>
+          <a:off x="0" y="0"/>
+          <a:ext cx="0" cy="0"/>
+          <a:chOff x="0" y="0"/>
+          <a:chExt cx="0" cy="0"/>
+        </a:xfrm>
+      </p:grpSpPr>
+      <p:sp>
+        <p:nvSpPr>
+          <p:cNvPr id="2" name="내용 개체 틀 1">
+            <a:extLst>
+              <a:ext uri="{FF2B5EF4-FFF2-40B4-BE49-F238E27FC236}">
+                <a16:creationId xmlns:a16="http://schemas.microsoft.com/office/drawing/2014/main" id="{DF185C62-A61D-48F3-AEDF-45261B8BA156}"/>
+              </a:ext>
+            </a:extLst>
+          </p:cNvPr>
+          <p:cNvSpPr>
+            <a:spLocks noGrp="1"/>
+          </p:cNvSpPr>
+          <p:nvPr>
+            <p:ph sz="half" idx="14"/>
+          </p:nvPr>
+        </p:nvSpPr>
+        <p:spPr/>
+        <p:txBody>
+          <a:bodyPr/>
+          <a:lstStyle/>
+          <a:p>
+            <a:r>
+              <a:rPr lang="ko-KR" altLang="en-US" dirty="0"/>
+              <a:t>코드</a:t>
+            </a:r>
+            <a:r>
+              <a:rPr lang="en-US" altLang="ko-KR" dirty="0"/>
+              <a:t> </a:t>
+            </a:r>
+            <a:r>
+              <a:rPr lang="ko-KR" altLang="en-US" dirty="0"/>
+              <a:t>오류</a:t>
+            </a:r>
+            <a:endParaRPr lang="en-US" altLang="ko-KR" dirty="0"/>
+          </a:p>
+          <a:p>
+            <a:pPr lvl="1"/>
+            <a:r>
+              <a:rPr lang="ko-KR" altLang="en-US" dirty="0"/>
+              <a:t>정의</a:t>
+            </a:r>
+            <a:r>
+              <a:rPr lang="en-US" altLang="ko-KR" dirty="0"/>
+              <a:t>: </a:t>
+            </a:r>
+            <a:r>
+              <a:rPr lang="ko-KR" altLang="en-US" dirty="0"/>
+              <a:t>코드 오류를 예방하기 위한 점검 항목</a:t>
+            </a:r>
+            <a:endParaRPr lang="en-US" altLang="ko-KR" dirty="0"/>
+          </a:p>
+          <a:p>
+            <a:pPr lvl="1"/>
+            <a:r>
+              <a:rPr lang="ko-KR" altLang="en-US" dirty="0"/>
+              <a:t>취약점</a:t>
+            </a:r>
+            <a:endParaRPr lang="en-US" altLang="ko-KR" dirty="0"/>
+          </a:p>
+          <a:p>
+            <a:pPr lvl="2"/>
+            <a:r>
+              <a:rPr lang="en-US" altLang="ko-KR" dirty="0"/>
+              <a:t>Null </a:t>
+            </a:r>
+            <a:r>
+              <a:rPr lang="ko-KR" altLang="en-US" dirty="0"/>
+              <a:t>포인터 역 참조</a:t>
+            </a:r>
+            <a:endParaRPr lang="en-US" altLang="ko-KR" dirty="0"/>
+          </a:p>
+          <a:p>
+            <a:pPr lvl="2"/>
+            <a:r>
+              <a:rPr lang="ko-KR" altLang="en-US" dirty="0"/>
+              <a:t>정수를 문자로 변환</a:t>
+            </a:r>
+            <a:endParaRPr lang="en-US" altLang="ko-KR" dirty="0"/>
+          </a:p>
+          <a:p>
+            <a:pPr lvl="2"/>
+            <a:r>
+              <a:rPr lang="ko-KR" altLang="en-US" dirty="0"/>
+              <a:t>부적절한 자원 해제</a:t>
+            </a:r>
+            <a:endParaRPr lang="en-US" altLang="ko-KR" dirty="0"/>
+          </a:p>
+          <a:p>
+            <a:pPr lvl="2"/>
+            <a:r>
+              <a:rPr lang="ko-KR" altLang="en-US" dirty="0"/>
+              <a:t>초기화 되지 않은 변수 사용</a:t>
+            </a:r>
+            <a:endParaRPr lang="en-US" altLang="ko-KR" dirty="0"/>
+          </a:p>
+          <a:p>
+            <a:r>
+              <a:rPr lang="ko-KR" altLang="en-US" dirty="0"/>
+              <a:t>캡슐화</a:t>
+            </a:r>
+            <a:endParaRPr lang="en-US" altLang="ko-KR" dirty="0"/>
+          </a:p>
+          <a:p>
+            <a:pPr lvl="1"/>
+            <a:r>
+              <a:rPr lang="ko-KR" altLang="en-US" dirty="0"/>
+              <a:t>정의</a:t>
+            </a:r>
+            <a:r>
+              <a:rPr lang="en-US" altLang="ko-KR" dirty="0"/>
+              <a:t>: </a:t>
+            </a:r>
+            <a:r>
+              <a:rPr lang="ko-KR" altLang="en-US" dirty="0"/>
+              <a:t>은닉에 필요한 데이터를 확인하는 점검 항목</a:t>
+            </a:r>
+            <a:endParaRPr lang="en-US" altLang="ko-KR" dirty="0"/>
+          </a:p>
+          <a:p>
+            <a:pPr lvl="1"/>
+            <a:r>
+              <a:rPr lang="ko-KR" altLang="en-US" dirty="0"/>
+              <a:t>취약점</a:t>
+            </a:r>
+            <a:endParaRPr lang="en-US" altLang="ko-KR" dirty="0"/>
+          </a:p>
+          <a:p>
+            <a:pPr lvl="2"/>
+            <a:r>
+              <a:rPr lang="ko-KR" altLang="en-US" dirty="0"/>
+              <a:t>잘못된 세션에 의한 데이터 노출</a:t>
+            </a:r>
+            <a:endParaRPr lang="en-US" altLang="ko-KR" dirty="0"/>
+          </a:p>
+          <a:p>
+            <a:pPr lvl="2"/>
+            <a:r>
+              <a:rPr lang="ko-KR" altLang="en-US" dirty="0"/>
+              <a:t>제거되지 않은 디버그 코드</a:t>
+            </a:r>
+            <a:endParaRPr lang="en-US" altLang="ko-KR" dirty="0"/>
+          </a:p>
+          <a:p>
+            <a:pPr lvl="2"/>
+            <a:r>
+              <a:rPr lang="ko-KR" altLang="en-US" dirty="0"/>
+              <a:t>민감한 데이터를 가진 내부 클래스 사용</a:t>
+            </a:r>
+            <a:endParaRPr lang="en-US" altLang="ko-KR" dirty="0"/>
+          </a:p>
+          <a:p>
+            <a:pPr lvl="2"/>
+            <a:r>
+              <a:rPr lang="ko-KR" altLang="en-US" dirty="0"/>
+              <a:t>시스템 데이터 정보 노출</a:t>
+            </a:r>
+            <a:endParaRPr lang="en-US" altLang="ko-KR" dirty="0"/>
+          </a:p>
+          <a:p>
+            <a:endParaRPr lang="ko-KR" altLang="en-US" dirty="0"/>
+          </a:p>
+        </p:txBody>
+      </p:sp>
+      <p:sp>
+        <p:nvSpPr>
+          <p:cNvPr id="3" name="제목 2">
+            <a:extLst>
+              <a:ext uri="{FF2B5EF4-FFF2-40B4-BE49-F238E27FC236}">
+                <a16:creationId xmlns:a16="http://schemas.microsoft.com/office/drawing/2014/main" id="{19CC1C66-6C06-4574-8A74-D2BB5C17C5D5}"/>
+              </a:ext>
+            </a:extLst>
+          </p:cNvPr>
+          <p:cNvSpPr>
+            <a:spLocks noGrp="1"/>
+          </p:cNvSpPr>
+          <p:nvPr>
+            <p:ph type="title"/>
+          </p:nvPr>
+        </p:nvSpPr>
+        <p:spPr/>
+        <p:txBody>
+          <a:bodyPr/>
+          <a:lstStyle/>
+          <a:p>
+            <a:r>
+              <a:rPr lang="ko-KR" altLang="en-US" dirty="0"/>
+              <a:t>코드</a:t>
+            </a:r>
+            <a:r>
+              <a:rPr lang="en-US" altLang="ko-KR" dirty="0"/>
+              <a:t> </a:t>
+            </a:r>
+            <a:r>
+              <a:rPr lang="ko-KR" altLang="en-US" dirty="0"/>
+              <a:t>오류</a:t>
+            </a:r>
+          </a:p>
+        </p:txBody>
+      </p:sp>
+      <p:sp>
+        <p:nvSpPr>
+          <p:cNvPr id="4" name="내용 개체 틀 3">
+            <a:extLst>
+              <a:ext uri="{FF2B5EF4-FFF2-40B4-BE49-F238E27FC236}">
+                <a16:creationId xmlns:a16="http://schemas.microsoft.com/office/drawing/2014/main" id="{88896CD2-285B-468F-8879-41F85D87677B}"/>
+              </a:ext>
+            </a:extLst>
+          </p:cNvPr>
+          <p:cNvSpPr>
+            <a:spLocks noGrp="1"/>
+          </p:cNvSpPr>
+          <p:nvPr>
+            <p:ph sz="half" idx="2"/>
+          </p:nvPr>
+        </p:nvSpPr>
+        <p:spPr/>
+        <p:txBody>
+          <a:bodyPr/>
+          <a:lstStyle/>
+          <a:p>
+            <a:r>
+              <a:rPr lang="en-US" altLang="ko-KR" dirty="0"/>
+              <a:t>API </a:t>
+            </a:r>
+            <a:r>
+              <a:rPr lang="ko-KR" altLang="en-US" dirty="0"/>
+              <a:t>오용</a:t>
+            </a:r>
+            <a:endParaRPr lang="en-US" altLang="ko-KR" dirty="0"/>
+          </a:p>
+          <a:p>
+            <a:pPr lvl="1"/>
+            <a:r>
+              <a:rPr lang="ko-KR" altLang="en-US" dirty="0"/>
+              <a:t>정의</a:t>
+            </a:r>
+            <a:r>
+              <a:rPr lang="en-US" altLang="ko-KR" dirty="0"/>
+              <a:t>: API </a:t>
+            </a:r>
+            <a:r>
+              <a:rPr lang="ko-KR" altLang="en-US" dirty="0"/>
+              <a:t>취약점을 점검하는 항목</a:t>
+            </a:r>
+            <a:endParaRPr lang="en-US" altLang="ko-KR" dirty="0"/>
+          </a:p>
+          <a:p>
+            <a:pPr lvl="1"/>
+            <a:r>
+              <a:rPr lang="ko-KR" altLang="en-US" dirty="0"/>
+              <a:t>취약점</a:t>
+            </a:r>
+            <a:endParaRPr lang="en-US" altLang="ko-KR" dirty="0"/>
+          </a:p>
+          <a:p>
+            <a:pPr lvl="2"/>
+            <a:r>
+              <a:rPr lang="en-US" altLang="ko-KR" dirty="0"/>
+              <a:t>DNS Lookup</a:t>
+            </a:r>
+            <a:r>
+              <a:rPr lang="ko-KR" altLang="en-US" dirty="0"/>
+              <a:t>에 의존하는 보안</a:t>
+            </a:r>
+            <a:endParaRPr lang="en-US" altLang="ko-KR" dirty="0"/>
+          </a:p>
+          <a:p>
+            <a:pPr lvl="2"/>
+            <a:r>
+              <a:rPr lang="ko-KR" altLang="en-US" dirty="0"/>
+              <a:t>위험한 함수 사용</a:t>
+            </a:r>
+            <a:endParaRPr lang="en-US" altLang="ko-KR" dirty="0"/>
+          </a:p>
+          <a:p>
+            <a:pPr lvl="2"/>
+            <a:r>
+              <a:rPr lang="en-US" altLang="ko-KR" dirty="0"/>
+              <a:t>Null </a:t>
+            </a:r>
+            <a:r>
+              <a:rPr lang="ko-KR" altLang="en-US" dirty="0" err="1"/>
+              <a:t>미검사</a:t>
+            </a:r>
+            <a:endParaRPr lang="ko-KR" altLang="en-US" dirty="0"/>
+          </a:p>
+        </p:txBody>
+      </p:sp>
+      <p:sp>
+        <p:nvSpPr>
+          <p:cNvPr id="5" name="슬라이드 번호 개체 틀 4">
+            <a:extLst>
+              <a:ext uri="{FF2B5EF4-FFF2-40B4-BE49-F238E27FC236}">
+                <a16:creationId xmlns:a16="http://schemas.microsoft.com/office/drawing/2014/main" id="{9CB8038F-2104-4E0F-900A-07DC8E776312}"/>
+              </a:ext>
+            </a:extLst>
+          </p:cNvPr>
+          <p:cNvSpPr>
+            <a:spLocks noGrp="1"/>
+          </p:cNvSpPr>
+          <p:nvPr>
+            <p:ph type="sldNum" sz="quarter" idx="12"/>
+          </p:nvPr>
+        </p:nvSpPr>
+        <p:spPr/>
+        <p:txBody>
+          <a:bodyPr/>
+          <a:lstStyle/>
+          <a:p>
+            <a:fld id="{89BED30C-66D9-4104-96BC-081A506F0CF0}" type="slidenum">
+              <a:rPr lang="ko-KR" altLang="en-US" smtClean="0"/>
+              <a:t>14</a:t>
+            </a:fld>
+            <a:endParaRPr lang="ko-KR" altLang="en-US"/>
+          </a:p>
+        </p:txBody>
+      </p:sp>
+      <p:sp>
+        <p:nvSpPr>
+          <p:cNvPr id="6" name="바닥글 개체 틀 5">
+            <a:extLst>
+              <a:ext uri="{FF2B5EF4-FFF2-40B4-BE49-F238E27FC236}">
+                <a16:creationId xmlns:a16="http://schemas.microsoft.com/office/drawing/2014/main" id="{B34BC0AC-1A54-408C-99A5-5F27B491F6AB}"/>
+              </a:ext>
+            </a:extLst>
+          </p:cNvPr>
+          <p:cNvSpPr>
+            <a:spLocks noGrp="1"/>
+          </p:cNvSpPr>
+          <p:nvPr>
+            <p:ph type="ftr" sz="quarter" idx="3"/>
+          </p:nvPr>
+        </p:nvSpPr>
+        <p:spPr/>
+        <p:txBody>
+          <a:bodyPr/>
+          <a:lstStyle/>
+          <a:p>
+            <a:pPr algn="l"/>
+            <a:r>
+              <a:rPr lang="en-US" altLang="ko-KR"/>
+              <a:t>Nibble</a:t>
+            </a:r>
+            <a:endParaRPr lang="ko-KR" altLang="en-US" dirty="0"/>
+          </a:p>
+        </p:txBody>
+      </p:sp>
+      <p:sp>
+        <p:nvSpPr>
+          <p:cNvPr id="7" name="날짜 개체 틀 6">
+            <a:extLst>
+              <a:ext uri="{FF2B5EF4-FFF2-40B4-BE49-F238E27FC236}">
+                <a16:creationId xmlns:a16="http://schemas.microsoft.com/office/drawing/2014/main" id="{4C9EBDC7-C5FF-4A8F-A8B1-DAAF2FEABACF}"/>
+              </a:ext>
+            </a:extLst>
+          </p:cNvPr>
+          <p:cNvSpPr>
+            <a:spLocks noGrp="1"/>
+          </p:cNvSpPr>
+          <p:nvPr>
+            <p:ph type="dt" sz="half" idx="13"/>
+          </p:nvPr>
+        </p:nvSpPr>
+        <p:spPr/>
+        <p:txBody>
+          <a:bodyPr/>
+          <a:lstStyle/>
+          <a:p>
+            <a:fld id="{B226B4E6-2447-4D67-A511-B13A2182F919}" type="datetime5">
+              <a:rPr lang="ko-KR" altLang="en-US" smtClean="0"/>
+              <a:t>2021/8/10</a:t>
+            </a:fld>
+            <a:endParaRPr lang="ko-KR" altLang="en-US" dirty="0"/>
+          </a:p>
+        </p:txBody>
+      </p:sp>
+    </p:spTree>
+    <p:extLst>
+      <p:ext uri="{BB962C8B-B14F-4D97-AF65-F5344CB8AC3E}">
+        <p14:creationId xmlns:p14="http://schemas.microsoft.com/office/powerpoint/2010/main" val="2065534271"/>
+      </p:ext>
+    </p:extLst>
+  </p:cSld>
+  <p:clrMapOvr>
+    <a:masterClrMapping/>
+  </p:clrMapOvr>
+</p:sld>
+</file>
+
 <file path=ppt/slides/slide2.xml><?xml version="1.0" encoding="utf-8"?>
 <p:sld xmlns:a="http://schemas.openxmlformats.org/drawingml/2006/main" xmlns:r="http://schemas.openxmlformats.org/officeDocument/2006/relationships" xmlns:p="http://schemas.openxmlformats.org/presentationml/2006/main">
   <p:cSld>
@@ -3593,6 +5181,52 @@
             <a:r>
               <a:rPr lang="ko-KR" altLang="en-US" dirty="0"/>
               <a:t>개발 방법론 테일러링</a:t>
+            </a:r>
+            <a:endParaRPr lang="en-US" altLang="ko-KR" dirty="0"/>
+          </a:p>
+          <a:p>
+            <a:r>
+              <a:rPr lang="en-US" altLang="ko-KR" dirty="0"/>
+              <a:t>?</a:t>
+            </a:r>
+          </a:p>
+          <a:p>
+            <a:pPr lvl="1"/>
+            <a:r>
+              <a:rPr lang="en-US" altLang="ko-KR" dirty="0"/>
+              <a:t>?</a:t>
+            </a:r>
+          </a:p>
+          <a:p>
+            <a:r>
+              <a:rPr lang="en-US" altLang="ko-KR" dirty="0"/>
+              <a:t>SW </a:t>
+            </a:r>
+            <a:r>
+              <a:rPr lang="ko-KR" altLang="en-US" dirty="0"/>
+              <a:t>개발 보안 구축</a:t>
+            </a:r>
+          </a:p>
+          <a:p>
+            <a:pPr lvl="1"/>
+            <a:r>
+              <a:rPr lang="en-US" altLang="ko-KR" dirty="0"/>
+              <a:t>SW</a:t>
+            </a:r>
+            <a:r>
+              <a:rPr lang="ko-KR" altLang="en-US" dirty="0"/>
+              <a:t> 개발 보안 설계</a:t>
+            </a:r>
+          </a:p>
+          <a:p>
+            <a:pPr lvl="1"/>
+            <a:r>
+              <a:rPr lang="en-US" altLang="ko-KR" dirty="0"/>
+              <a:t>SW </a:t>
+            </a:r>
+            <a:r>
+              <a:rPr lang="ko-KR" altLang="en-US" dirty="0"/>
+              <a:t>개발 보안 구현</a:t>
             </a:r>
           </a:p>
         </p:txBody>

--- a/정보처리기사/5. 정보시스템 구축관리.pptx
+++ b/정보처리기사/5. 정보시스템 구축관리.pptx
@@ -5,10 +5,10 @@
     <p:sldMasterId id="2147483648" r:id="rId1"/>
   </p:sldMasterIdLst>
   <p:notesMasterIdLst>
-    <p:notesMasterId r:id="rId16"/>
+    <p:notesMasterId r:id="rId18"/>
   </p:notesMasterIdLst>
   <p:handoutMasterIdLst>
-    <p:handoutMasterId r:id="rId17"/>
+    <p:handoutMasterId r:id="rId19"/>
   </p:handoutMasterIdLst>
   <p:sldIdLst>
     <p:sldId id="259" r:id="rId2"/>
@@ -21,10 +21,12 @@
     <p:sldId id="265" r:id="rId9"/>
     <p:sldId id="266" r:id="rId10"/>
     <p:sldId id="267" r:id="rId11"/>
-    <p:sldId id="268" r:id="rId12"/>
-    <p:sldId id="269" r:id="rId13"/>
-    <p:sldId id="270" r:id="rId14"/>
-    <p:sldId id="271" r:id="rId15"/>
+    <p:sldId id="272" r:id="rId12"/>
+    <p:sldId id="273" r:id="rId13"/>
+    <p:sldId id="268" r:id="rId14"/>
+    <p:sldId id="269" r:id="rId15"/>
+    <p:sldId id="270" r:id="rId16"/>
+    <p:sldId id="271" r:id="rId17"/>
   </p:sldIdLst>
   <p:sldSz cx="12192000" cy="6858000"/>
   <p:notesSz cx="9144000" cy="6858000"/>
@@ -152,6 +154,12 @@
             <p14:sldId id="267"/>
           </p14:sldIdLst>
         </p14:section>
+        <p14:section name="IT 프로젝트 정보시스템 구축 관리 - 네트워크 구축관리" id="{9B76CD9D-C8A9-412D-835E-444253EC8058}">
+          <p14:sldIdLst>
+            <p14:sldId id="272"/>
+            <p14:sldId id="273"/>
+          </p14:sldIdLst>
+        </p14:section>
         <p14:section name="SW 개발 보안 구축 - SW 개발 보안 설계" id="{5845C68D-80CA-47F1-8B76-3A6F8190A978}">
           <p14:sldIdLst>
             <p14:sldId id="268"/>
@@ -270,7 +278,7 @@
           <a:p>
             <a:fld id="{A4D0E862-B602-4F19-9CCB-DBEF680D281A}" type="datetimeFigureOut">
               <a:rPr lang="ko-KR" altLang="en-US" smtClean="0"/>
-              <a:t>2021-08-10</a:t>
+              <a:t>2021-08-11</a:t>
             </a:fld>
             <a:endParaRPr lang="ko-KR" altLang="en-US"/>
           </a:p>
@@ -447,7 +455,7 @@
           <a:p>
             <a:fld id="{44272663-55A4-40A7-950D-2D273278BFB3}" type="datetimeFigureOut">
               <a:rPr lang="ko-KR" altLang="en-US" smtClean="0"/>
-              <a:t>2021-08-10</a:t>
+              <a:t>2021-08-11</a:t>
             </a:fld>
             <a:endParaRPr lang="ko-KR" altLang="en-US"/>
           </a:p>
@@ -1554,7 +1562,7 @@
           <a:p>
             <a:fld id="{B226B4E6-2447-4D67-A511-B13A2182F919}" type="datetime5">
               <a:rPr lang="ko-KR" altLang="en-US" smtClean="0"/>
-              <a:t>2021/8/10</a:t>
+              <a:t>2021/8/11</a:t>
             </a:fld>
             <a:endParaRPr lang="ko-KR" altLang="en-US" dirty="0"/>
           </a:p>
@@ -1925,7 +1933,7 @@
           <a:p>
             <a:fld id="{B226B4E6-2447-4D67-A511-B13A2182F919}" type="datetime5">
               <a:rPr lang="ko-KR" altLang="en-US" smtClean="0"/>
-              <a:t>2021/8/10</a:t>
+              <a:t>2021/8/11</a:t>
             </a:fld>
             <a:endParaRPr lang="ko-KR" altLang="en-US" dirty="0"/>
           </a:p>
@@ -2219,7 +2227,7 @@
           <a:p>
             <a:fld id="{B226B4E6-2447-4D67-A511-B13A2182F919}" type="datetime5">
               <a:rPr lang="ko-KR" altLang="en-US" smtClean="0"/>
-              <a:t>2021/8/10</a:t>
+              <a:t>2021/8/11</a:t>
             </a:fld>
             <a:endParaRPr lang="ko-KR" altLang="en-US" dirty="0"/>
           </a:p>
@@ -2521,7 +2529,7 @@
           <a:p>
             <a:fld id="{B226B4E6-2447-4D67-A511-B13A2182F919}" type="datetime5">
               <a:rPr lang="ko-KR" altLang="en-US" smtClean="0"/>
-              <a:t>2021/8/10</a:t>
+              <a:t>2021/8/11</a:t>
             </a:fld>
             <a:endParaRPr lang="ko-KR" altLang="en-US" dirty="0"/>
           </a:p>
@@ -3503,7 +3511,7 @@
           <a:p>
             <a:fld id="{B226B4E6-2447-4D67-A511-B13A2182F919}" type="datetime5">
               <a:rPr lang="ko-KR" altLang="en-US" smtClean="0"/>
-              <a:t>2021/8/10</a:t>
+              <a:t>2021/8/11</a:t>
             </a:fld>
             <a:endParaRPr lang="ko-KR" altLang="en-US" dirty="0"/>
           </a:p>
@@ -3544,7 +3552,7 @@
           <p:cNvPr id="2" name="내용 개체 틀 1">
             <a:extLst>
               <a:ext uri="{FF2B5EF4-FFF2-40B4-BE49-F238E27FC236}">
-                <a16:creationId xmlns:a16="http://schemas.microsoft.com/office/drawing/2014/main" id="{90C024CA-323C-472B-90CA-FA3D7E31F990}"/>
+                <a16:creationId xmlns:a16="http://schemas.microsoft.com/office/drawing/2014/main" id="{5570C152-C41B-4FDC-A266-160C3FFA40E0}"/>
               </a:ext>
             </a:extLst>
           </p:cNvPr>
@@ -3562,13 +3570,8 @@
           <a:p>
             <a:r>
               <a:rPr lang="en-US" altLang="ko-KR" dirty="0"/>
-              <a:t>SW </a:t>
-            </a:r>
-            <a:r>
-              <a:rPr lang="ko-KR" altLang="en-US" dirty="0"/>
-              <a:t>개발 보안</a:t>
-            </a:r>
-            <a:endParaRPr lang="en-US" altLang="ko-KR" dirty="0"/>
+              <a:t>SDN (SW Defined Network)</a:t>
+            </a:r>
           </a:p>
           <a:p>
             <a:pPr lvl="1"/>
@@ -3578,19 +3581,11 @@
             </a:r>
             <a:r>
               <a:rPr lang="en-US" altLang="ko-KR" dirty="0"/>
-              <a:t>: </a:t>
-            </a:r>
-            <a:r>
-              <a:rPr lang="ko-KR" altLang="en-US" dirty="0"/>
-              <a:t>코드의</a:t>
-            </a:r>
-            <a:r>
-              <a:rPr lang="en-US" altLang="ko-KR" dirty="0"/>
-              <a:t> </a:t>
-            </a:r>
-            <a:r>
-              <a:rPr lang="ko-KR" altLang="en-US" dirty="0"/>
-              <a:t>보안 취약점 제거</a:t>
+              <a:t>: SW</a:t>
+            </a:r>
+            <a:r>
+              <a:rPr lang="ko-KR" altLang="en-US" dirty="0"/>
+              <a:t>로 기능하는 네트워크</a:t>
             </a:r>
             <a:endParaRPr lang="en-US" altLang="ko-KR" dirty="0"/>
           </a:p>
@@ -3598,149 +3593,71 @@
             <a:pPr lvl="1"/>
             <a:r>
               <a:rPr lang="ko-KR" altLang="en-US" dirty="0"/>
-              <a:t>정보 보안 </a:t>
-            </a:r>
-            <a:r>
-              <a:rPr lang="en-US" altLang="ko-KR" dirty="0"/>
-              <a:t>3</a:t>
-            </a:r>
-            <a:r>
-              <a:rPr lang="ko-KR" altLang="en-US" dirty="0"/>
-              <a:t>요소</a:t>
+              <a:t>구성요소</a:t>
             </a:r>
             <a:endParaRPr lang="en-US" altLang="ko-KR" dirty="0"/>
           </a:p>
           <a:p>
             <a:pPr lvl="2"/>
             <a:r>
-              <a:rPr lang="ko-KR" altLang="en-US" dirty="0"/>
-              <a:t>기밀성</a:t>
-            </a:r>
-            <a:r>
-              <a:rPr lang="en-US" altLang="ko-KR" dirty="0"/>
-              <a:t>: </a:t>
-            </a:r>
-            <a:r>
-              <a:rPr lang="ko-KR" altLang="en-US" dirty="0"/>
-              <a:t>인가되지 않은 정보 노출 차단</a:t>
-            </a:r>
-            <a:endParaRPr lang="en-US" altLang="ko-KR" dirty="0"/>
+              <a:rPr lang="en-US" altLang="ko-KR" dirty="0"/>
+              <a:t>Application</a:t>
+            </a:r>
           </a:p>
           <a:p>
             <a:pPr lvl="2"/>
             <a:r>
-              <a:rPr lang="ko-KR" altLang="en-US" dirty="0"/>
-              <a:t>무결성</a:t>
-            </a:r>
-            <a:r>
-              <a:rPr lang="en-US" altLang="ko-KR" dirty="0"/>
-              <a:t>: </a:t>
-            </a:r>
-            <a:r>
-              <a:rPr lang="ko-KR" altLang="en-US" dirty="0"/>
-              <a:t>부당한 방법으로는 데이터 변경 불가</a:t>
+              <a:rPr lang="en-US" altLang="ko-KR" dirty="0"/>
+              <a:t>Network OS: </a:t>
+            </a:r>
+            <a:r>
+              <a:rPr lang="ko-KR" altLang="en-US" dirty="0"/>
+              <a:t>네트워크 제어 기능</a:t>
+            </a:r>
+            <a:endParaRPr lang="en-US" altLang="ko-KR" dirty="0"/>
+          </a:p>
+          <a:p>
+            <a:pPr lvl="3"/>
+            <a:r>
+              <a:rPr lang="ko-KR" altLang="en-US" dirty="0"/>
+              <a:t>기존 라우팅</a:t>
+            </a:r>
+            <a:r>
+              <a:rPr lang="en-US" altLang="ko-KR" dirty="0"/>
+              <a:t>, </a:t>
+            </a:r>
+            <a:r>
+              <a:rPr lang="ko-KR" altLang="en-US" dirty="0"/>
+              <a:t>인증 등</a:t>
             </a:r>
             <a:endParaRPr lang="en-US" altLang="ko-KR" dirty="0"/>
           </a:p>
           <a:p>
             <a:pPr lvl="2"/>
             <a:r>
-              <a:rPr lang="ko-KR" altLang="en-US" dirty="0"/>
-              <a:t>가용성</a:t>
-            </a:r>
-            <a:r>
-              <a:rPr lang="en-US" altLang="ko-KR" dirty="0"/>
-              <a:t>: </a:t>
-            </a:r>
-            <a:r>
-              <a:rPr lang="ko-KR" altLang="en-US" dirty="0"/>
-              <a:t>권한을 가진 사용자는 원하는 서비스 사용</a:t>
-            </a:r>
-            <a:endParaRPr lang="en-US" altLang="ko-KR" dirty="0"/>
-          </a:p>
-          <a:p>
-            <a:pPr lvl="1"/>
-            <a:r>
-              <a:rPr lang="ko-KR" altLang="en-US" dirty="0"/>
-              <a:t>용어</a:t>
-            </a:r>
-            <a:endParaRPr lang="en-US" altLang="ko-KR" dirty="0"/>
-          </a:p>
-          <a:p>
-            <a:pPr lvl="2"/>
-            <a:r>
-              <a:rPr lang="en-US" altLang="ko-KR" dirty="0"/>
-              <a:t>Assets: </a:t>
-            </a:r>
-            <a:r>
-              <a:rPr lang="ko-KR" altLang="en-US" dirty="0"/>
-              <a:t>조직에서 가치를 부여한 대상</a:t>
-            </a:r>
-            <a:endParaRPr lang="en-US" altLang="ko-KR" dirty="0"/>
-          </a:p>
-          <a:p>
-            <a:pPr lvl="2"/>
-            <a:r>
-              <a:rPr lang="en-US" altLang="ko-KR" dirty="0"/>
-              <a:t>Threat: </a:t>
-            </a:r>
-            <a:r>
-              <a:rPr lang="ko-KR" altLang="en-US" dirty="0"/>
-              <a:t>조직</a:t>
-            </a:r>
-            <a:r>
-              <a:rPr lang="en-US" altLang="ko-KR" dirty="0"/>
-              <a:t>,</a:t>
-            </a:r>
-            <a:r>
-              <a:rPr lang="ko-KR" altLang="en-US" dirty="0"/>
-              <a:t> 자산에 악영향을 끼칠 수 있는 행동</a:t>
-            </a:r>
-            <a:endParaRPr lang="en-US" altLang="ko-KR" dirty="0"/>
-          </a:p>
-          <a:p>
-            <a:pPr lvl="2"/>
-            <a:r>
-              <a:rPr lang="en-US" altLang="ko-KR" dirty="0"/>
-              <a:t>Vulnerability: </a:t>
-            </a:r>
-            <a:r>
-              <a:rPr lang="ko-KR" altLang="en-US" dirty="0"/>
-              <a:t>약점</a:t>
-            </a:r>
-            <a:endParaRPr lang="en-US" altLang="ko-KR" dirty="0"/>
-          </a:p>
-          <a:p>
-            <a:pPr lvl="2"/>
-            <a:r>
-              <a:rPr lang="en-US" altLang="ko-KR" dirty="0"/>
-              <a:t>Risk(</a:t>
-            </a:r>
-            <a:r>
-              <a:rPr lang="ko-KR" altLang="en-US" dirty="0"/>
-              <a:t>위험</a:t>
-            </a:r>
-            <a:r>
-              <a:rPr lang="en-US" altLang="ko-KR" dirty="0"/>
-              <a:t>): Threat(</a:t>
-            </a:r>
-            <a:r>
-              <a:rPr lang="ko-KR" altLang="en-US" dirty="0"/>
-              <a:t>위협</a:t>
-            </a:r>
-            <a:r>
-              <a:rPr lang="en-US" altLang="ko-KR" dirty="0"/>
-              <a:t>)</a:t>
-            </a:r>
-            <a:r>
-              <a:rPr lang="ko-KR" altLang="en-US" dirty="0"/>
-              <a:t>이 피해를 가져올 가능성</a:t>
-            </a:r>
-            <a:endParaRPr lang="en-US" altLang="ko-KR" dirty="0"/>
-          </a:p>
-          <a:p>
-            <a:pPr lvl="1"/>
-            <a:endParaRPr lang="en-US" altLang="ko-KR" dirty="0"/>
+              <a:rPr lang="en-US" altLang="ko-KR" dirty="0"/>
+              <a:t>Data Plane: </a:t>
+            </a:r>
+            <a:r>
+              <a:rPr lang="ko-KR" altLang="en-US" dirty="0"/>
+              <a:t>데이터 전송 기능</a:t>
+            </a:r>
+            <a:endParaRPr lang="en-US" altLang="ko-KR" dirty="0"/>
+          </a:p>
+          <a:p>
+            <a:pPr lvl="3"/>
+            <a:r>
+              <a:rPr lang="ko-KR" altLang="en-US" dirty="0"/>
+              <a:t>기존 패킷 포워딩</a:t>
+            </a:r>
+            <a:r>
+              <a:rPr lang="en-US" altLang="ko-KR" dirty="0"/>
+              <a:t>, </a:t>
+            </a:r>
+            <a:r>
+              <a:rPr lang="ko-KR" altLang="en-US" dirty="0"/>
+              <a:t>스위칭 등</a:t>
+            </a:r>
           </a:p>
         </p:txBody>
       </p:sp>
@@ -3749,7 +3666,7 @@
           <p:cNvPr id="3" name="제목 2">
             <a:extLst>
               <a:ext uri="{FF2B5EF4-FFF2-40B4-BE49-F238E27FC236}">
-                <a16:creationId xmlns:a16="http://schemas.microsoft.com/office/drawing/2014/main" id="{47BC7E5E-38A3-4B1E-8A51-0A1A93AD866F}"/>
+                <a16:creationId xmlns:a16="http://schemas.microsoft.com/office/drawing/2014/main" id="{363A3A48-3E5C-4223-8D37-EF1FA45048C1}"/>
               </a:ext>
             </a:extLst>
           </p:cNvPr>
@@ -3767,11 +3684,11 @@
           <a:p>
             <a:r>
               <a:rPr lang="en-US" altLang="ko-KR" dirty="0"/>
-              <a:t>SW </a:t>
-            </a:r>
-            <a:r>
-              <a:rPr lang="ko-KR" altLang="en-US" dirty="0"/>
-              <a:t>개발 보안</a:t>
+              <a:t>IT </a:t>
+            </a:r>
+            <a:r>
+              <a:rPr lang="ko-KR" altLang="en-US" dirty="0"/>
+              <a:t>신기술</a:t>
             </a:r>
           </a:p>
         </p:txBody>
@@ -3781,7 +3698,7 @@
           <p:cNvPr id="4" name="내용 개체 틀 3">
             <a:extLst>
               <a:ext uri="{FF2B5EF4-FFF2-40B4-BE49-F238E27FC236}">
-                <a16:creationId xmlns:a16="http://schemas.microsoft.com/office/drawing/2014/main" id="{B46F7B3C-4DBD-442B-8E63-157FE3056C71}"/>
+                <a16:creationId xmlns:a16="http://schemas.microsoft.com/office/drawing/2014/main" id="{697F2F26-8DD9-4EE3-B6D8-3603BF3D6EC2}"/>
               </a:ext>
             </a:extLst>
           </p:cNvPr>
@@ -3797,106 +3714,7 @@
           <a:bodyPr/>
           <a:lstStyle/>
           <a:p>
-            <a:r>
-              <a:rPr lang="en-US" altLang="ko-KR" dirty="0"/>
-              <a:t>Secure SDLC</a:t>
-            </a:r>
-          </a:p>
-          <a:p>
-            <a:pPr lvl="1"/>
-            <a:r>
-              <a:rPr lang="ko-KR" altLang="en-US" dirty="0"/>
-              <a:t>정의</a:t>
-            </a:r>
-            <a:r>
-              <a:rPr lang="en-US" altLang="ko-KR" dirty="0"/>
-              <a:t>: SDLC</a:t>
-            </a:r>
-            <a:r>
-              <a:rPr lang="ko-KR" altLang="en-US" dirty="0"/>
-              <a:t> </a:t>
-            </a:r>
-            <a:r>
-              <a:rPr lang="en-US" altLang="ko-KR" dirty="0"/>
-              <a:t>+</a:t>
-            </a:r>
-            <a:r>
-              <a:rPr lang="ko-KR" altLang="en-US" dirty="0"/>
-              <a:t> 보안</a:t>
-            </a:r>
-            <a:endParaRPr lang="en-US" altLang="ko-KR" dirty="0"/>
-          </a:p>
-          <a:p>
-            <a:pPr lvl="1"/>
-            <a:r>
-              <a:rPr lang="en-US" altLang="ko-KR" dirty="0"/>
-              <a:t>Process</a:t>
-            </a:r>
-          </a:p>
-          <a:p>
-            <a:pPr lvl="2"/>
-            <a:r>
-              <a:rPr lang="ko-KR" altLang="en-US" dirty="0"/>
-              <a:t>계획</a:t>
-            </a:r>
-            <a:r>
-              <a:rPr lang="en-US" altLang="ko-KR" dirty="0">
-                <a:sym typeface="Wingdings" panose="05000000000000000000" pitchFamily="2" charset="2"/>
-              </a:rPr>
-              <a:t></a:t>
-            </a:r>
-            <a:r>
-              <a:rPr lang="ko-KR" altLang="en-US" dirty="0">
-                <a:sym typeface="Wingdings" panose="05000000000000000000" pitchFamily="2" charset="2"/>
-              </a:rPr>
-              <a:t>분석</a:t>
-            </a:r>
-            <a:r>
-              <a:rPr lang="en-US" altLang="ko-KR" dirty="0">
-                <a:sym typeface="Wingdings" panose="05000000000000000000" pitchFamily="2" charset="2"/>
-              </a:rPr>
-              <a:t></a:t>
-            </a:r>
-            <a:r>
-              <a:rPr lang="ko-KR" altLang="en-US" dirty="0">
-                <a:sym typeface="Wingdings" panose="05000000000000000000" pitchFamily="2" charset="2"/>
-              </a:rPr>
-              <a:t>설계</a:t>
-            </a:r>
-            <a:r>
-              <a:rPr lang="en-US" altLang="ko-KR" dirty="0">
-                <a:sym typeface="Wingdings" panose="05000000000000000000" pitchFamily="2" charset="2"/>
-              </a:rPr>
-              <a:t></a:t>
-            </a:r>
-            <a:r>
-              <a:rPr lang="ko-KR" altLang="en-US" dirty="0">
-                <a:sym typeface="Wingdings" panose="05000000000000000000" pitchFamily="2" charset="2"/>
-              </a:rPr>
-              <a:t>구현</a:t>
-            </a:r>
-            <a:r>
-              <a:rPr lang="en-US" altLang="ko-KR" dirty="0">
-                <a:sym typeface="Wingdings" panose="05000000000000000000" pitchFamily="2" charset="2"/>
-              </a:rPr>
-              <a:t></a:t>
-            </a:r>
-            <a:r>
-              <a:rPr lang="ko-KR" altLang="en-US" dirty="0">
-                <a:sym typeface="Wingdings" panose="05000000000000000000" pitchFamily="2" charset="2"/>
-              </a:rPr>
-              <a:t>테스트</a:t>
-            </a:r>
-            <a:endParaRPr lang="en-US" altLang="ko-KR" dirty="0">
-              <a:sym typeface="Wingdings" panose="05000000000000000000" pitchFamily="2" charset="2"/>
-            </a:endParaRPr>
-          </a:p>
-          <a:p>
-            <a:pPr lvl="1"/>
-            <a:endParaRPr lang="ko-KR" altLang="en-US" dirty="0"/>
-          </a:p>
-          <a:p>
-            <a:endParaRPr lang="ko-KR" altLang="en-US" dirty="0"/>
+            <a:endParaRPr lang="ko-KR" altLang="en-US"/>
           </a:p>
         </p:txBody>
       </p:sp>
@@ -3905,7 +3723,7 @@
           <p:cNvPr id="5" name="슬라이드 번호 개체 틀 4">
             <a:extLst>
               <a:ext uri="{FF2B5EF4-FFF2-40B4-BE49-F238E27FC236}">
-                <a16:creationId xmlns:a16="http://schemas.microsoft.com/office/drawing/2014/main" id="{68E2391C-F180-4B93-BA4C-B90603EE8898}"/>
+                <a16:creationId xmlns:a16="http://schemas.microsoft.com/office/drawing/2014/main" id="{81823940-D39C-465F-A726-BB37AC3922EF}"/>
               </a:ext>
             </a:extLst>
           </p:cNvPr>
@@ -3934,7 +3752,7 @@
           <p:cNvPr id="6" name="바닥글 개체 틀 5">
             <a:extLst>
               <a:ext uri="{FF2B5EF4-FFF2-40B4-BE49-F238E27FC236}">
-                <a16:creationId xmlns:a16="http://schemas.microsoft.com/office/drawing/2014/main" id="{29FDE0A3-9F13-485E-8603-EDB2BBBE0CD8}"/>
+                <a16:creationId xmlns:a16="http://schemas.microsoft.com/office/drawing/2014/main" id="{AAF0D6D7-1C9B-43F0-84A1-EF0BB50A0C85}"/>
               </a:ext>
             </a:extLst>
           </p:cNvPr>
@@ -3964,7 +3782,7 @@
           <p:cNvPr id="7" name="날짜 개체 틀 6">
             <a:extLst>
               <a:ext uri="{FF2B5EF4-FFF2-40B4-BE49-F238E27FC236}">
-                <a16:creationId xmlns:a16="http://schemas.microsoft.com/office/drawing/2014/main" id="{635D3515-C9CA-4219-91AB-CADF513DA255}"/>
+                <a16:creationId xmlns:a16="http://schemas.microsoft.com/office/drawing/2014/main" id="{0D91339B-B94F-44C2-8591-FDBA9A594B98}"/>
               </a:ext>
             </a:extLst>
           </p:cNvPr>
@@ -3982,7 +3800,7 @@
           <a:p>
             <a:fld id="{B226B4E6-2447-4D67-A511-B13A2182F919}" type="datetime5">
               <a:rPr lang="ko-KR" altLang="en-US" smtClean="0"/>
-              <a:t>2021/8/10</a:t>
+              <a:t>2021/8/11</a:t>
             </a:fld>
             <a:endParaRPr lang="ko-KR" altLang="en-US" dirty="0"/>
           </a:p>
@@ -3991,7 +3809,7 @@
     </p:spTree>
     <p:extLst>
       <p:ext uri="{BB962C8B-B14F-4D97-AF65-F5344CB8AC3E}">
-        <p14:creationId xmlns:p14="http://schemas.microsoft.com/office/powerpoint/2010/main" val="2727485634"/>
+        <p14:creationId xmlns:p14="http://schemas.microsoft.com/office/powerpoint/2010/main" val="2480747270"/>
       </p:ext>
     </p:extLst>
   </p:cSld>
@@ -4023,7 +3841,7 @@
           <p:cNvPr id="2" name="내용 개체 틀 1">
             <a:extLst>
               <a:ext uri="{FF2B5EF4-FFF2-40B4-BE49-F238E27FC236}">
-                <a16:creationId xmlns:a16="http://schemas.microsoft.com/office/drawing/2014/main" id="{0B7C39BD-95EC-444A-9844-59D3F14DB84D}"/>
+                <a16:creationId xmlns:a16="http://schemas.microsoft.com/office/drawing/2014/main" id="{9163062D-CF94-40C2-B20C-88E9E92E55F0}"/>
               </a:ext>
             </a:extLst>
           </p:cNvPr>
@@ -4041,7 +3859,7 @@
           <a:p>
             <a:r>
               <a:rPr lang="ko-KR" altLang="en-US" dirty="0"/>
-              <a:t>입력 데이터 검증 및 표현</a:t>
+              <a:t>네트워크 설치 구조</a:t>
             </a:r>
             <a:endParaRPr lang="en-US" altLang="ko-KR" dirty="0"/>
           </a:p>
@@ -4049,15 +3867,7 @@
             <a:pPr lvl="1"/>
             <a:r>
               <a:rPr lang="ko-KR" altLang="en-US" dirty="0"/>
-              <a:t>정의</a:t>
-            </a:r>
-            <a:r>
-              <a:rPr lang="en-US" altLang="ko-KR" dirty="0"/>
-              <a:t>: </a:t>
-            </a:r>
-            <a:r>
-              <a:rPr lang="ko-KR" altLang="en-US" dirty="0"/>
-              <a:t>데이터로 인해 발생하는 문제를 예방</a:t>
+              <a:t>버스형</a:t>
             </a:r>
             <a:endParaRPr lang="en-US" altLang="ko-KR" dirty="0"/>
           </a:p>
@@ -4065,82 +3875,41 @@
             <a:pPr lvl="1"/>
             <a:r>
               <a:rPr lang="ko-KR" altLang="en-US" dirty="0"/>
-              <a:t>취약점</a:t>
-            </a:r>
-            <a:endParaRPr lang="en-US" altLang="ko-KR" dirty="0"/>
-          </a:p>
-          <a:p>
-            <a:pPr lvl="2"/>
-            <a:r>
-              <a:rPr lang="en-US" altLang="ko-KR" dirty="0"/>
-              <a:t>XSS (Cross Site Script)</a:t>
-            </a:r>
-          </a:p>
-          <a:p>
-            <a:pPr lvl="3"/>
-            <a:r>
-              <a:rPr lang="ko-KR" altLang="en-US" dirty="0"/>
-              <a:t>코드가</a:t>
-            </a:r>
-            <a:r>
-              <a:rPr lang="en-US" altLang="ko-KR" dirty="0"/>
-              <a:t> </a:t>
-            </a:r>
-            <a:r>
-              <a:rPr lang="ko-KR" altLang="en-US" dirty="0"/>
-              <a:t>포함된 페이지가 전송되면</a:t>
-            </a:r>
-            <a:endParaRPr lang="en-US" altLang="ko-KR" dirty="0"/>
-          </a:p>
-          <a:p>
-            <a:pPr lvl="3"/>
-            <a:r>
-              <a:rPr lang="ko-KR" altLang="en-US" dirty="0"/>
-              <a:t>부적절한 코드가 실행되는 것</a:t>
-            </a:r>
-            <a:endParaRPr lang="en-US" altLang="ko-KR" dirty="0"/>
-          </a:p>
-          <a:p>
-            <a:pPr lvl="2"/>
-            <a:r>
-              <a:rPr lang="en-US" altLang="ko-KR" dirty="0"/>
-              <a:t>CSRF (Cross-Site Request Forgery)</a:t>
-            </a:r>
-          </a:p>
-          <a:p>
-            <a:pPr lvl="3"/>
-            <a:r>
-              <a:rPr lang="ko-KR" altLang="en-US" dirty="0"/>
-              <a:t>사용자가 공격자가 의도한 행위를 하게 함</a:t>
-            </a:r>
-            <a:endParaRPr lang="en-US" altLang="ko-KR" dirty="0"/>
-          </a:p>
-          <a:p>
-            <a:pPr lvl="2"/>
-            <a:r>
-              <a:rPr lang="en-US" altLang="ko-KR" dirty="0"/>
-              <a:t>SQL </a:t>
-            </a:r>
-            <a:r>
-              <a:rPr lang="ko-KR" altLang="en-US" dirty="0"/>
-              <a:t>삽입</a:t>
-            </a:r>
-            <a:endParaRPr lang="en-US" altLang="ko-KR" dirty="0"/>
-          </a:p>
-          <a:p>
-            <a:pPr lvl="3"/>
-            <a:r>
-              <a:rPr lang="ko-KR" altLang="en-US" dirty="0"/>
-              <a:t>의도하지 않은 </a:t>
-            </a:r>
-            <a:r>
-              <a:rPr lang="en-US" altLang="ko-KR" dirty="0"/>
-              <a:t>SQL</a:t>
-            </a:r>
-            <a:r>
-              <a:rPr lang="ko-KR" altLang="en-US" dirty="0"/>
-              <a:t>문을 실행하게 함</a:t>
-            </a:r>
+              <a:t>트리형</a:t>
+            </a:r>
+            <a:endParaRPr lang="en-US" altLang="ko-KR" dirty="0"/>
+          </a:p>
+          <a:p>
+            <a:pPr lvl="1"/>
+            <a:r>
+              <a:rPr lang="ko-KR" altLang="en-US" dirty="0"/>
+              <a:t>링형</a:t>
+            </a:r>
+            <a:endParaRPr lang="en-US" altLang="ko-KR" dirty="0"/>
+          </a:p>
+          <a:p>
+            <a:pPr lvl="1"/>
+            <a:r>
+              <a:rPr lang="ko-KR" altLang="en-US" dirty="0"/>
+              <a:t>성</a:t>
+            </a:r>
+            <a:r>
+              <a:rPr lang="en-US" altLang="ko-KR" dirty="0"/>
+              <a:t>(</a:t>
+            </a:r>
+            <a:r>
+              <a:rPr lang="ko-KR" altLang="en-US" dirty="0"/>
+              <a:t>별 성</a:t>
+            </a:r>
+            <a:r>
+              <a:rPr lang="en-US" altLang="ko-KR" dirty="0"/>
+              <a:t>)</a:t>
+            </a:r>
+            <a:r>
+              <a:rPr lang="ko-KR" altLang="en-US"/>
+              <a:t>형</a:t>
+            </a:r>
+            <a:endParaRPr lang="en-US" altLang="ko-KR" dirty="0"/>
           </a:p>
         </p:txBody>
       </p:sp>
@@ -4149,7 +3918,7 @@
           <p:cNvPr id="3" name="제목 2">
             <a:extLst>
               <a:ext uri="{FF2B5EF4-FFF2-40B4-BE49-F238E27FC236}">
-                <a16:creationId xmlns:a16="http://schemas.microsoft.com/office/drawing/2014/main" id="{37FB5C62-A93E-4029-A045-C18C5D5E41BB}"/>
+                <a16:creationId xmlns:a16="http://schemas.microsoft.com/office/drawing/2014/main" id="{0D8BAE99-00F6-4F0B-8945-3167E5C0FC35}"/>
               </a:ext>
             </a:extLst>
           </p:cNvPr>
@@ -4167,7 +3936,7 @@
           <a:p>
             <a:r>
               <a:rPr lang="ko-KR" altLang="en-US" dirty="0"/>
-              <a:t>입력 데이터 검증 및 표현</a:t>
+              <a:t>네트워크 장비</a:t>
             </a:r>
           </a:p>
         </p:txBody>
@@ -4177,7 +3946,7 @@
           <p:cNvPr id="4" name="내용 개체 틀 3">
             <a:extLst>
               <a:ext uri="{FF2B5EF4-FFF2-40B4-BE49-F238E27FC236}">
-                <a16:creationId xmlns:a16="http://schemas.microsoft.com/office/drawing/2014/main" id="{0B9CC0F8-E4D2-45A7-8697-3B762AF2C1C0}"/>
+                <a16:creationId xmlns:a16="http://schemas.microsoft.com/office/drawing/2014/main" id="{D7D5B394-09E1-4021-BE42-B1243659ECDB}"/>
               </a:ext>
             </a:extLst>
           </p:cNvPr>
@@ -4202,7 +3971,7 @@
           <p:cNvPr id="5" name="슬라이드 번호 개체 틀 4">
             <a:extLst>
               <a:ext uri="{FF2B5EF4-FFF2-40B4-BE49-F238E27FC236}">
-                <a16:creationId xmlns:a16="http://schemas.microsoft.com/office/drawing/2014/main" id="{6C9F8D86-7DA2-4E8A-BEE3-3660561B0E66}"/>
+                <a16:creationId xmlns:a16="http://schemas.microsoft.com/office/drawing/2014/main" id="{CB77746B-865A-4DCF-94A7-F619F15A2549}"/>
               </a:ext>
             </a:extLst>
           </p:cNvPr>
@@ -4231,7 +4000,7 @@
           <p:cNvPr id="6" name="바닥글 개체 틀 5">
             <a:extLst>
               <a:ext uri="{FF2B5EF4-FFF2-40B4-BE49-F238E27FC236}">
-                <a16:creationId xmlns:a16="http://schemas.microsoft.com/office/drawing/2014/main" id="{0079B949-42D3-474B-9983-10A542F37D6E}"/>
+                <a16:creationId xmlns:a16="http://schemas.microsoft.com/office/drawing/2014/main" id="{07497DC1-1673-4582-AC3D-B9B1BDCDDDFF}"/>
               </a:ext>
             </a:extLst>
           </p:cNvPr>
@@ -4261,7 +4030,7 @@
           <p:cNvPr id="7" name="날짜 개체 틀 6">
             <a:extLst>
               <a:ext uri="{FF2B5EF4-FFF2-40B4-BE49-F238E27FC236}">
-                <a16:creationId xmlns:a16="http://schemas.microsoft.com/office/drawing/2014/main" id="{B0EB1004-C7D9-4DE5-910A-9E0DDCC9C58A}"/>
+                <a16:creationId xmlns:a16="http://schemas.microsoft.com/office/drawing/2014/main" id="{E907AA3B-9CC8-4201-B1AA-44409A816D15}"/>
               </a:ext>
             </a:extLst>
           </p:cNvPr>
@@ -4279,7 +4048,7 @@
           <a:p>
             <a:fld id="{B226B4E6-2447-4D67-A511-B13A2182F919}" type="datetime5">
               <a:rPr lang="ko-KR" altLang="en-US" smtClean="0"/>
-              <a:t>2021/8/10</a:t>
+              <a:t>2021/8/11</a:t>
             </a:fld>
             <a:endParaRPr lang="ko-KR" altLang="en-US" dirty="0"/>
           </a:p>
@@ -4288,7 +4057,7 @@
     </p:spTree>
     <p:extLst>
       <p:ext uri="{BB962C8B-B14F-4D97-AF65-F5344CB8AC3E}">
-        <p14:creationId xmlns:p14="http://schemas.microsoft.com/office/powerpoint/2010/main" val="3769500993"/>
+        <p14:creationId xmlns:p14="http://schemas.microsoft.com/office/powerpoint/2010/main" val="415855966"/>
       </p:ext>
     </p:extLst>
   </p:cSld>
@@ -4320,7 +4089,7 @@
           <p:cNvPr id="2" name="내용 개체 틀 1">
             <a:extLst>
               <a:ext uri="{FF2B5EF4-FFF2-40B4-BE49-F238E27FC236}">
-                <a16:creationId xmlns:a16="http://schemas.microsoft.com/office/drawing/2014/main" id="{8C30D814-FE72-42D4-A88C-6455F313A265}"/>
+                <a16:creationId xmlns:a16="http://schemas.microsoft.com/office/drawing/2014/main" id="{90C024CA-323C-472B-90CA-FA3D7E31F990}"/>
               </a:ext>
             </a:extLst>
           </p:cNvPr>
@@ -4337,8 +4106,12 @@
           <a:lstStyle/>
           <a:p>
             <a:r>
-              <a:rPr lang="ko-KR" altLang="en-US" dirty="0"/>
-              <a:t>암호 알고리즘</a:t>
+              <a:rPr lang="en-US" altLang="ko-KR" dirty="0"/>
+              <a:t>SW </a:t>
+            </a:r>
+            <a:r>
+              <a:rPr lang="ko-KR" altLang="en-US" dirty="0"/>
+              <a:t>개발 보안</a:t>
             </a:r>
             <a:endParaRPr lang="en-US" altLang="ko-KR" dirty="0"/>
           </a:p>
@@ -4354,7 +4127,15 @@
             </a:r>
             <a:r>
               <a:rPr lang="ko-KR" altLang="en-US" dirty="0"/>
-              <a:t>정보를 암호화 하는 기법</a:t>
+              <a:t>코드의</a:t>
+            </a:r>
+            <a:r>
+              <a:rPr lang="en-US" altLang="ko-KR" dirty="0"/>
+              <a:t> </a:t>
+            </a:r>
+            <a:r>
+              <a:rPr lang="ko-KR" altLang="en-US" dirty="0"/>
+              <a:t>보안 취약점 제거</a:t>
             </a:r>
             <a:endParaRPr lang="en-US" altLang="ko-KR" dirty="0"/>
           </a:p>
@@ -4362,7 +4143,15 @@
             <a:pPr lvl="1"/>
             <a:r>
               <a:rPr lang="ko-KR" altLang="en-US" dirty="0"/>
-              <a:t>방식</a:t>
+              <a:t>정보 보안 </a:t>
+            </a:r>
+            <a:r>
+              <a:rPr lang="en-US" altLang="ko-KR" dirty="0"/>
+              <a:t>3</a:t>
+            </a:r>
+            <a:r>
+              <a:rPr lang="ko-KR" altLang="en-US" dirty="0"/>
+              <a:t>요소</a:t>
             </a:r>
             <a:endParaRPr lang="en-US" altLang="ko-KR" dirty="0"/>
           </a:p>
@@ -4370,220 +4159,289 @@
             <a:pPr lvl="2"/>
             <a:r>
               <a:rPr lang="ko-KR" altLang="en-US" dirty="0"/>
-              <a:t>양방향 방식</a:t>
-            </a:r>
-            <a:endParaRPr lang="en-US" altLang="ko-KR" dirty="0"/>
-          </a:p>
-          <a:p>
-            <a:pPr lvl="3"/>
+              <a:t>기밀성</a:t>
+            </a:r>
+            <a:r>
+              <a:rPr lang="en-US" altLang="ko-KR" dirty="0"/>
+              <a:t>: </a:t>
+            </a:r>
+            <a:r>
+              <a:rPr lang="ko-KR" altLang="en-US" dirty="0"/>
+              <a:t>인가되지 않은 정보 노출 차단</a:t>
+            </a:r>
+            <a:endParaRPr lang="en-US" altLang="ko-KR" dirty="0"/>
+          </a:p>
+          <a:p>
+            <a:pPr lvl="2"/>
+            <a:r>
+              <a:rPr lang="ko-KR" altLang="en-US" dirty="0"/>
+              <a:t>무결성</a:t>
+            </a:r>
+            <a:r>
+              <a:rPr lang="en-US" altLang="ko-KR" dirty="0"/>
+              <a:t>: </a:t>
+            </a:r>
+            <a:r>
+              <a:rPr lang="ko-KR" altLang="en-US" dirty="0"/>
+              <a:t>부당한 방법으로는 데이터 변경 불가</a:t>
+            </a:r>
+            <a:endParaRPr lang="en-US" altLang="ko-KR" dirty="0"/>
+          </a:p>
+          <a:p>
+            <a:pPr lvl="2"/>
+            <a:r>
+              <a:rPr lang="ko-KR" altLang="en-US" dirty="0"/>
+              <a:t>가용성</a:t>
+            </a:r>
+            <a:r>
+              <a:rPr lang="en-US" altLang="ko-KR" dirty="0"/>
+              <a:t>: </a:t>
+            </a:r>
+            <a:r>
+              <a:rPr lang="ko-KR" altLang="en-US" dirty="0"/>
+              <a:t>권한을 가진 사용자는 원하는 서비스 사용</a:t>
+            </a:r>
+            <a:endParaRPr lang="en-US" altLang="ko-KR" dirty="0"/>
+          </a:p>
+          <a:p>
+            <a:pPr lvl="1"/>
+            <a:r>
+              <a:rPr lang="ko-KR" altLang="en-US" dirty="0"/>
+              <a:t>용어</a:t>
+            </a:r>
+            <a:endParaRPr lang="en-US" altLang="ko-KR" dirty="0"/>
+          </a:p>
+          <a:p>
+            <a:pPr lvl="2"/>
+            <a:r>
+              <a:rPr lang="en-US" altLang="ko-KR" dirty="0"/>
+              <a:t>Assets: </a:t>
+            </a:r>
+            <a:r>
+              <a:rPr lang="ko-KR" altLang="en-US" dirty="0"/>
+              <a:t>조직에서 가치를 부여한 대상</a:t>
+            </a:r>
+            <a:endParaRPr lang="en-US" altLang="ko-KR" dirty="0"/>
+          </a:p>
+          <a:p>
+            <a:pPr lvl="2"/>
+            <a:r>
+              <a:rPr lang="en-US" altLang="ko-KR" dirty="0"/>
+              <a:t>Threat: </a:t>
+            </a:r>
+            <a:r>
+              <a:rPr lang="ko-KR" altLang="en-US" dirty="0"/>
+              <a:t>조직</a:t>
+            </a:r>
+            <a:r>
+              <a:rPr lang="en-US" altLang="ko-KR" dirty="0"/>
+              <a:t>,</a:t>
+            </a:r>
+            <a:r>
+              <a:rPr lang="ko-KR" altLang="en-US" dirty="0"/>
+              <a:t> 자산에 악영향을 끼칠 수 있는 행동</a:t>
+            </a:r>
+            <a:endParaRPr lang="en-US" altLang="ko-KR" dirty="0"/>
+          </a:p>
+          <a:p>
+            <a:pPr lvl="2"/>
+            <a:r>
+              <a:rPr lang="en-US" altLang="ko-KR" dirty="0"/>
+              <a:t>Vulnerability: </a:t>
+            </a:r>
+            <a:r>
+              <a:rPr lang="ko-KR" altLang="en-US" dirty="0"/>
+              <a:t>약점</a:t>
+            </a:r>
+            <a:endParaRPr lang="en-US" altLang="ko-KR" dirty="0"/>
+          </a:p>
+          <a:p>
+            <a:pPr lvl="2"/>
+            <a:r>
+              <a:rPr lang="en-US" altLang="ko-KR" dirty="0"/>
+              <a:t>Risk(</a:t>
+            </a:r>
+            <a:r>
+              <a:rPr lang="ko-KR" altLang="en-US" dirty="0"/>
+              <a:t>위험</a:t>
+            </a:r>
+            <a:r>
+              <a:rPr lang="en-US" altLang="ko-KR" dirty="0"/>
+              <a:t>): Threat(</a:t>
+            </a:r>
+            <a:r>
+              <a:rPr lang="ko-KR" altLang="en-US" dirty="0"/>
+              <a:t>위협</a:t>
+            </a:r>
+            <a:r>
+              <a:rPr lang="en-US" altLang="ko-KR" dirty="0"/>
+              <a:t>)</a:t>
+            </a:r>
+            <a:r>
+              <a:rPr lang="ko-KR" altLang="en-US" dirty="0"/>
+              <a:t>이 피해를 가져올 가능성</a:t>
+            </a:r>
+            <a:endParaRPr lang="en-US" altLang="ko-KR" dirty="0"/>
+          </a:p>
+          <a:p>
+            <a:pPr lvl="1"/>
+            <a:endParaRPr lang="en-US" altLang="ko-KR" dirty="0"/>
+          </a:p>
+        </p:txBody>
+      </p:sp>
+      <p:sp>
+        <p:nvSpPr>
+          <p:cNvPr id="3" name="제목 2">
+            <a:extLst>
+              <a:ext uri="{FF2B5EF4-FFF2-40B4-BE49-F238E27FC236}">
+                <a16:creationId xmlns:a16="http://schemas.microsoft.com/office/drawing/2014/main" id="{47BC7E5E-38A3-4B1E-8A51-0A1A93AD866F}"/>
+              </a:ext>
+            </a:extLst>
+          </p:cNvPr>
+          <p:cNvSpPr>
+            <a:spLocks noGrp="1"/>
+          </p:cNvSpPr>
+          <p:nvPr>
+            <p:ph type="title"/>
+          </p:nvPr>
+        </p:nvSpPr>
+        <p:spPr/>
+        <p:txBody>
+          <a:bodyPr/>
+          <a:lstStyle/>
+          <a:p>
+            <a:r>
+              <a:rPr lang="en-US" altLang="ko-KR" dirty="0"/>
+              <a:t>SW </a:t>
+            </a:r>
+            <a:r>
+              <a:rPr lang="ko-KR" altLang="en-US" dirty="0"/>
+              <a:t>개발 보안</a:t>
+            </a:r>
+          </a:p>
+        </p:txBody>
+      </p:sp>
+      <p:sp>
+        <p:nvSpPr>
+          <p:cNvPr id="4" name="내용 개체 틀 3">
+            <a:extLst>
+              <a:ext uri="{FF2B5EF4-FFF2-40B4-BE49-F238E27FC236}">
+                <a16:creationId xmlns:a16="http://schemas.microsoft.com/office/drawing/2014/main" id="{B46F7B3C-4DBD-442B-8E63-157FE3056C71}"/>
+              </a:ext>
+            </a:extLst>
+          </p:cNvPr>
+          <p:cNvSpPr>
+            <a:spLocks noGrp="1"/>
+          </p:cNvSpPr>
+          <p:nvPr>
+            <p:ph sz="half" idx="2"/>
+          </p:nvPr>
+        </p:nvSpPr>
+        <p:spPr/>
+        <p:txBody>
+          <a:bodyPr/>
+          <a:lstStyle/>
+          <a:p>
+            <a:r>
+              <a:rPr lang="en-US" altLang="ko-KR" dirty="0"/>
+              <a:t>Secure SDLC</a:t>
+            </a:r>
+          </a:p>
+          <a:p>
+            <a:pPr lvl="1"/>
             <a:r>
               <a:rPr lang="ko-KR" altLang="en-US" dirty="0"/>
               <a:t>정의</a:t>
             </a:r>
             <a:r>
               <a:rPr lang="en-US" altLang="ko-KR" dirty="0"/>
-              <a:t>: </a:t>
-            </a:r>
-            <a:r>
-              <a:rPr lang="ko-KR" altLang="en-US" dirty="0"/>
-              <a:t>암호화</a:t>
-            </a:r>
-            <a:r>
-              <a:rPr lang="en-US" altLang="ko-KR" dirty="0"/>
-              <a:t>, </a:t>
-            </a:r>
-            <a:r>
-              <a:rPr lang="ko-KR" altLang="en-US" dirty="0"/>
-              <a:t>복호화 가능</a:t>
-            </a:r>
-            <a:endParaRPr lang="en-US" altLang="ko-KR" dirty="0"/>
-          </a:p>
-          <a:p>
-            <a:pPr lvl="3"/>
-            <a:r>
-              <a:rPr lang="ko-KR" altLang="en-US" dirty="0"/>
-              <a:t>대칭 키</a:t>
-            </a:r>
-            <a:r>
-              <a:rPr lang="en-US" altLang="ko-KR" dirty="0"/>
-              <a:t>: </a:t>
-            </a:r>
-            <a:r>
-              <a:rPr lang="ko-KR" altLang="en-US" dirty="0"/>
-              <a:t>암호화와 복호화에 같은 암호 키 사용</a:t>
-            </a:r>
-            <a:endParaRPr lang="en-US" altLang="ko-KR" dirty="0"/>
-          </a:p>
-          <a:p>
-            <a:pPr lvl="4"/>
-            <a:r>
-              <a:rPr lang="ko-KR" altLang="en-US" dirty="0"/>
-              <a:t>블록 암호화</a:t>
-            </a:r>
-            <a:r>
-              <a:rPr lang="en-US" altLang="ko-KR" dirty="0"/>
-              <a:t>, </a:t>
-            </a:r>
-            <a:r>
-              <a:rPr lang="ko-KR" altLang="en-US" dirty="0"/>
-              <a:t>스트림 암호화</a:t>
-            </a:r>
-            <a:r>
-              <a:rPr lang="en-US" altLang="ko-KR" dirty="0"/>
-              <a:t>…</a:t>
-            </a:r>
-          </a:p>
-          <a:p>
-            <a:pPr lvl="3"/>
-            <a:r>
-              <a:rPr lang="ko-KR" altLang="en-US" dirty="0"/>
-              <a:t>비대칭 키</a:t>
-            </a:r>
-            <a:r>
-              <a:rPr lang="en-US" altLang="ko-KR" dirty="0"/>
-              <a:t>: </a:t>
-            </a:r>
-            <a:r>
-              <a:rPr lang="ko-KR" altLang="en-US" dirty="0"/>
-              <a:t>암호화와 복호화에 다른 키 사용</a:t>
-            </a:r>
-            <a:endParaRPr lang="en-US" altLang="ko-KR" dirty="0"/>
-          </a:p>
-          <a:p>
-            <a:pPr lvl="4"/>
-            <a:r>
-              <a:rPr lang="ko-KR" altLang="en-US"/>
-              <a:t>공개키 암호 방식 이라고도 함</a:t>
-            </a:r>
-            <a:endParaRPr lang="en-US" altLang="ko-KR" dirty="0"/>
-          </a:p>
-          <a:p>
-            <a:pPr lvl="4"/>
-            <a:r>
-              <a:rPr lang="en-US" altLang="ko-KR" dirty="0"/>
-              <a:t>RSA, ECC, </a:t>
-            </a:r>
-            <a:r>
-              <a:rPr lang="ko-KR" altLang="en-US" dirty="0"/>
-              <a:t>디피</a:t>
-            </a:r>
-            <a:r>
-              <a:rPr lang="en-US" altLang="ko-KR" dirty="0"/>
-              <a:t>-</a:t>
-            </a:r>
-            <a:r>
-              <a:rPr lang="ko-KR" altLang="en-US" dirty="0"/>
-              <a:t>헬만</a:t>
-            </a:r>
-            <a:r>
-              <a:rPr lang="en-US" altLang="ko-KR" dirty="0"/>
-              <a:t>…</a:t>
-            </a:r>
-          </a:p>
-          <a:p>
-            <a:pPr lvl="4"/>
-            <a:r>
-              <a:rPr lang="en-US" altLang="ko-KR" dirty="0"/>
-              <a:t>RSA: </a:t>
-            </a:r>
-            <a:r>
-              <a:rPr lang="ko-KR" altLang="en-US" dirty="0"/>
-              <a:t>소인수분해 어려움에서 제안됨</a:t>
-            </a:r>
-            <a:endParaRPr lang="en-US" altLang="ko-KR" dirty="0"/>
+              <a:t>: SDLC</a:t>
+            </a:r>
+            <a:r>
+              <a:rPr lang="ko-KR" altLang="en-US" dirty="0"/>
+              <a:t> </a:t>
+            </a:r>
+            <a:r>
+              <a:rPr lang="en-US" altLang="ko-KR" dirty="0"/>
+              <a:t>+</a:t>
+            </a:r>
+            <a:r>
+              <a:rPr lang="ko-KR" altLang="en-US" dirty="0"/>
+              <a:t> 보안</a:t>
+            </a:r>
+            <a:endParaRPr lang="en-US" altLang="ko-KR" dirty="0"/>
+          </a:p>
+          <a:p>
+            <a:pPr lvl="1"/>
+            <a:r>
+              <a:rPr lang="en-US" altLang="ko-KR" dirty="0"/>
+              <a:t>Process</a:t>
+            </a:r>
           </a:p>
           <a:p>
             <a:pPr lvl="2"/>
             <a:r>
               <a:rPr lang="ko-KR" altLang="en-US" dirty="0"/>
-              <a:t>일방향 방식</a:t>
-            </a:r>
-            <a:endParaRPr lang="en-US" altLang="ko-KR" dirty="0"/>
-          </a:p>
-          <a:p>
-            <a:pPr lvl="3"/>
-            <a:r>
-              <a:rPr lang="ko-KR" altLang="en-US" dirty="0"/>
-              <a:t>정의</a:t>
-            </a:r>
-            <a:r>
-              <a:rPr lang="en-US" altLang="ko-KR" dirty="0"/>
-              <a:t>: </a:t>
-            </a:r>
-            <a:r>
-              <a:rPr lang="ko-KR" altLang="en-US" dirty="0"/>
-              <a:t>암호화 가능</a:t>
-            </a:r>
-            <a:r>
-              <a:rPr lang="en-US" altLang="ko-KR" dirty="0"/>
-              <a:t>, </a:t>
-            </a:r>
-            <a:r>
-              <a:rPr lang="ko-KR" altLang="en-US" dirty="0"/>
-              <a:t>복호화 불가능</a:t>
-            </a:r>
-            <a:endParaRPr lang="en-US" altLang="ko-KR" dirty="0"/>
-          </a:p>
-          <a:p>
-            <a:pPr lvl="3"/>
-            <a:r>
-              <a:rPr lang="en-US" altLang="ko-KR" dirty="0"/>
-              <a:t>MAC, MDC…</a:t>
-            </a:r>
+              <a:t>계획</a:t>
+            </a:r>
+            <a:r>
+              <a:rPr lang="en-US" altLang="ko-KR" dirty="0">
+                <a:sym typeface="Wingdings" panose="05000000000000000000" pitchFamily="2" charset="2"/>
+              </a:rPr>
+              <a:t></a:t>
+            </a:r>
+            <a:r>
+              <a:rPr lang="ko-KR" altLang="en-US" dirty="0">
+                <a:sym typeface="Wingdings" panose="05000000000000000000" pitchFamily="2" charset="2"/>
+              </a:rPr>
+              <a:t>분석</a:t>
+            </a:r>
+            <a:r>
+              <a:rPr lang="en-US" altLang="ko-KR" dirty="0">
+                <a:sym typeface="Wingdings" panose="05000000000000000000" pitchFamily="2" charset="2"/>
+              </a:rPr>
+              <a:t></a:t>
+            </a:r>
+            <a:r>
+              <a:rPr lang="ko-KR" altLang="en-US" dirty="0">
+                <a:sym typeface="Wingdings" panose="05000000000000000000" pitchFamily="2" charset="2"/>
+              </a:rPr>
+              <a:t>설계</a:t>
+            </a:r>
+            <a:r>
+              <a:rPr lang="en-US" altLang="ko-KR" dirty="0">
+                <a:sym typeface="Wingdings" panose="05000000000000000000" pitchFamily="2" charset="2"/>
+              </a:rPr>
+              <a:t></a:t>
+            </a:r>
+            <a:r>
+              <a:rPr lang="ko-KR" altLang="en-US" dirty="0">
+                <a:sym typeface="Wingdings" panose="05000000000000000000" pitchFamily="2" charset="2"/>
+              </a:rPr>
+              <a:t>구현</a:t>
+            </a:r>
+            <a:r>
+              <a:rPr lang="en-US" altLang="ko-KR" dirty="0">
+                <a:sym typeface="Wingdings" panose="05000000000000000000" pitchFamily="2" charset="2"/>
+              </a:rPr>
+              <a:t></a:t>
+            </a:r>
+            <a:r>
+              <a:rPr lang="ko-KR" altLang="en-US" dirty="0">
+                <a:sym typeface="Wingdings" panose="05000000000000000000" pitchFamily="2" charset="2"/>
+              </a:rPr>
+              <a:t>테스트</a:t>
+            </a:r>
+            <a:endParaRPr lang="en-US" altLang="ko-KR" dirty="0">
+              <a:sym typeface="Wingdings" panose="05000000000000000000" pitchFamily="2" charset="2"/>
+            </a:endParaRPr>
+          </a:p>
+          <a:p>
+            <a:pPr lvl="1"/>
             <a:endParaRPr lang="ko-KR" altLang="en-US" dirty="0"/>
           </a:p>
-        </p:txBody>
-      </p:sp>
-      <p:sp>
-        <p:nvSpPr>
-          <p:cNvPr id="3" name="제목 2">
-            <a:extLst>
-              <a:ext uri="{FF2B5EF4-FFF2-40B4-BE49-F238E27FC236}">
-                <a16:creationId xmlns:a16="http://schemas.microsoft.com/office/drawing/2014/main" id="{507E47DE-17C9-4ACF-9C20-E1EDF7BC70A0}"/>
-              </a:ext>
-            </a:extLst>
-          </p:cNvPr>
-          <p:cNvSpPr>
-            <a:spLocks noGrp="1"/>
-          </p:cNvSpPr>
-          <p:nvPr>
-            <p:ph type="title"/>
-          </p:nvPr>
-        </p:nvSpPr>
-        <p:spPr/>
-        <p:txBody>
-          <a:bodyPr/>
-          <a:lstStyle/>
-          <a:p>
-            <a:r>
-              <a:rPr lang="ko-KR" altLang="en-US" dirty="0"/>
-              <a:t>암호 알고리즘</a:t>
-            </a:r>
-          </a:p>
-        </p:txBody>
-      </p:sp>
-      <p:sp>
-        <p:nvSpPr>
-          <p:cNvPr id="4" name="내용 개체 틀 3">
-            <a:extLst>
-              <a:ext uri="{FF2B5EF4-FFF2-40B4-BE49-F238E27FC236}">
-                <a16:creationId xmlns:a16="http://schemas.microsoft.com/office/drawing/2014/main" id="{1B47DFFE-0CE3-41C9-8E2D-8232F65F7CD8}"/>
-              </a:ext>
-            </a:extLst>
-          </p:cNvPr>
-          <p:cNvSpPr>
-            <a:spLocks noGrp="1"/>
-          </p:cNvSpPr>
-          <p:nvPr>
-            <p:ph sz="half" idx="2"/>
-          </p:nvPr>
-        </p:nvSpPr>
-        <p:spPr/>
-        <p:txBody>
-          <a:bodyPr/>
-          <a:lstStyle/>
-          <a:p>
-            <a:endParaRPr lang="ko-KR" altLang="en-US"/>
+          <a:p>
+            <a:endParaRPr lang="ko-KR" altLang="en-US" dirty="0"/>
           </a:p>
         </p:txBody>
       </p:sp>
@@ -4592,7 +4450,7 @@
           <p:cNvPr id="5" name="슬라이드 번호 개체 틀 4">
             <a:extLst>
               <a:ext uri="{FF2B5EF4-FFF2-40B4-BE49-F238E27FC236}">
-                <a16:creationId xmlns:a16="http://schemas.microsoft.com/office/drawing/2014/main" id="{D128578A-4E24-4D37-9FCC-1277E917E103}"/>
+                <a16:creationId xmlns:a16="http://schemas.microsoft.com/office/drawing/2014/main" id="{68E2391C-F180-4B93-BA4C-B90603EE8898}"/>
               </a:ext>
             </a:extLst>
           </p:cNvPr>
@@ -4621,7 +4479,7 @@
           <p:cNvPr id="6" name="바닥글 개체 틀 5">
             <a:extLst>
               <a:ext uri="{FF2B5EF4-FFF2-40B4-BE49-F238E27FC236}">
-                <a16:creationId xmlns:a16="http://schemas.microsoft.com/office/drawing/2014/main" id="{CF954676-A9FF-4F07-BFD7-2F3397B96202}"/>
+                <a16:creationId xmlns:a16="http://schemas.microsoft.com/office/drawing/2014/main" id="{29FDE0A3-9F13-485E-8603-EDB2BBBE0CD8}"/>
               </a:ext>
             </a:extLst>
           </p:cNvPr>
@@ -4651,7 +4509,7 @@
           <p:cNvPr id="7" name="날짜 개체 틀 6">
             <a:extLst>
               <a:ext uri="{FF2B5EF4-FFF2-40B4-BE49-F238E27FC236}">
-                <a16:creationId xmlns:a16="http://schemas.microsoft.com/office/drawing/2014/main" id="{AF2BD91B-02F6-4208-9439-4C799B6564BB}"/>
+                <a16:creationId xmlns:a16="http://schemas.microsoft.com/office/drawing/2014/main" id="{635D3515-C9CA-4219-91AB-CADF513DA255}"/>
               </a:ext>
             </a:extLst>
           </p:cNvPr>
@@ -4669,7 +4527,7 @@
           <a:p>
             <a:fld id="{B226B4E6-2447-4D67-A511-B13A2182F919}" type="datetime5">
               <a:rPr lang="ko-KR" altLang="en-US" smtClean="0"/>
-              <a:t>2021/8/10</a:t>
+              <a:t>2021/8/11</a:t>
             </a:fld>
             <a:endParaRPr lang="ko-KR" altLang="en-US" dirty="0"/>
           </a:p>
@@ -4678,7 +4536,7 @@
     </p:spTree>
     <p:extLst>
       <p:ext uri="{BB962C8B-B14F-4D97-AF65-F5344CB8AC3E}">
-        <p14:creationId xmlns:p14="http://schemas.microsoft.com/office/powerpoint/2010/main" val="2300388595"/>
+        <p14:creationId xmlns:p14="http://schemas.microsoft.com/office/powerpoint/2010/main" val="2727485634"/>
       </p:ext>
     </p:extLst>
   </p:cSld>
@@ -4710,7 +4568,7 @@
           <p:cNvPr id="2" name="내용 개체 틀 1">
             <a:extLst>
               <a:ext uri="{FF2B5EF4-FFF2-40B4-BE49-F238E27FC236}">
-                <a16:creationId xmlns:a16="http://schemas.microsoft.com/office/drawing/2014/main" id="{DF185C62-A61D-48F3-AEDF-45261B8BA156}"/>
+                <a16:creationId xmlns:a16="http://schemas.microsoft.com/office/drawing/2014/main" id="{0B7C39BD-95EC-444A-9844-59D3F14DB84D}"/>
               </a:ext>
             </a:extLst>
           </p:cNvPr>
@@ -4728,7 +4586,46 @@
           <a:p>
             <a:r>
               <a:rPr lang="ko-KR" altLang="en-US" dirty="0"/>
-              <a:t>코드</a:t>
+              <a:t>입력 데이터 검증 및 표현</a:t>
+            </a:r>
+            <a:endParaRPr lang="en-US" altLang="ko-KR" dirty="0"/>
+          </a:p>
+          <a:p>
+            <a:pPr lvl="1"/>
+            <a:r>
+              <a:rPr lang="ko-KR" altLang="en-US" dirty="0"/>
+              <a:t>정의</a:t>
+            </a:r>
+            <a:r>
+              <a:rPr lang="en-US" altLang="ko-KR" dirty="0"/>
+              <a:t>: </a:t>
+            </a:r>
+            <a:r>
+              <a:rPr lang="ko-KR" altLang="en-US" dirty="0"/>
+              <a:t>데이터로 인해 발생하는 문제를 예방</a:t>
+            </a:r>
+            <a:endParaRPr lang="en-US" altLang="ko-KR" dirty="0"/>
+          </a:p>
+          <a:p>
+            <a:pPr lvl="1"/>
+            <a:r>
+              <a:rPr lang="ko-KR" altLang="en-US" dirty="0"/>
+              <a:t>취약점</a:t>
+            </a:r>
+            <a:endParaRPr lang="en-US" altLang="ko-KR" dirty="0"/>
+          </a:p>
+          <a:p>
+            <a:pPr lvl="2"/>
+            <a:r>
+              <a:rPr lang="en-US" altLang="ko-KR" dirty="0"/>
+              <a:t>XSS (Cross Site Script)</a:t>
+            </a:r>
+          </a:p>
+          <a:p>
+            <a:pPr lvl="3"/>
+            <a:r>
+              <a:rPr lang="ko-KR" altLang="en-US" dirty="0"/>
+              <a:t>코드가</a:t>
             </a:r>
             <a:r>
               <a:rPr lang="en-US" altLang="ko-KR" dirty="0"/>
@@ -4736,31 +4633,15 @@
             </a:r>
             <a:r>
               <a:rPr lang="ko-KR" altLang="en-US" dirty="0"/>
-              <a:t>오류</a:t>
-            </a:r>
-            <a:endParaRPr lang="en-US" altLang="ko-KR" dirty="0"/>
-          </a:p>
-          <a:p>
-            <a:pPr lvl="1"/>
-            <a:r>
-              <a:rPr lang="ko-KR" altLang="en-US" dirty="0"/>
-              <a:t>정의</a:t>
-            </a:r>
-            <a:r>
-              <a:rPr lang="en-US" altLang="ko-KR" dirty="0"/>
-              <a:t>: </a:t>
-            </a:r>
-            <a:r>
-              <a:rPr lang="ko-KR" altLang="en-US" dirty="0"/>
-              <a:t>코드 오류를 예방하기 위한 점검 항목</a:t>
-            </a:r>
-            <a:endParaRPr lang="en-US" altLang="ko-KR" dirty="0"/>
-          </a:p>
-          <a:p>
-            <a:pPr lvl="1"/>
-            <a:r>
-              <a:rPr lang="ko-KR" altLang="en-US" dirty="0"/>
-              <a:t>취약점</a:t>
+              <a:t>포함된 페이지가 전송되면</a:t>
+            </a:r>
+            <a:endParaRPr lang="en-US" altLang="ko-KR" dirty="0"/>
+          </a:p>
+          <a:p>
+            <a:pPr lvl="3"/>
+            <a:r>
+              <a:rPr lang="ko-KR" altLang="en-US" dirty="0"/>
+              <a:t>부적절한 코드가 실행되는 것</a:t>
             </a:r>
             <a:endParaRPr lang="en-US" altLang="ko-KR" dirty="0"/>
           </a:p>
@@ -4768,103 +4649,43 @@
             <a:pPr lvl="2"/>
             <a:r>
               <a:rPr lang="en-US" altLang="ko-KR" dirty="0"/>
-              <a:t>Null </a:t>
-            </a:r>
-            <a:r>
-              <a:rPr lang="ko-KR" altLang="en-US" dirty="0"/>
-              <a:t>포인터 역 참조</a:t>
+              <a:t>CSRF (Cross-Site Request Forgery)</a:t>
+            </a:r>
+          </a:p>
+          <a:p>
+            <a:pPr lvl="3"/>
+            <a:r>
+              <a:rPr lang="ko-KR" altLang="en-US" dirty="0"/>
+              <a:t>사용자가 공격자가 의도한 행위를 하게 함</a:t>
             </a:r>
             <a:endParaRPr lang="en-US" altLang="ko-KR" dirty="0"/>
           </a:p>
           <a:p>
             <a:pPr lvl="2"/>
             <a:r>
-              <a:rPr lang="ko-KR" altLang="en-US" dirty="0"/>
-              <a:t>정수를 문자로 변환</a:t>
-            </a:r>
-            <a:endParaRPr lang="en-US" altLang="ko-KR" dirty="0"/>
-          </a:p>
-          <a:p>
-            <a:pPr lvl="2"/>
-            <a:r>
-              <a:rPr lang="ko-KR" altLang="en-US" dirty="0"/>
-              <a:t>부적절한 자원 해제</a:t>
-            </a:r>
-            <a:endParaRPr lang="en-US" altLang="ko-KR" dirty="0"/>
-          </a:p>
-          <a:p>
-            <a:pPr lvl="2"/>
-            <a:r>
-              <a:rPr lang="ko-KR" altLang="en-US" dirty="0"/>
-              <a:t>초기화 되지 않은 변수 사용</a:t>
-            </a:r>
-            <a:endParaRPr lang="en-US" altLang="ko-KR" dirty="0"/>
-          </a:p>
-          <a:p>
-            <a:r>
-              <a:rPr lang="ko-KR" altLang="en-US" dirty="0"/>
-              <a:t>캡슐화</a:t>
-            </a:r>
-            <a:endParaRPr lang="en-US" altLang="ko-KR" dirty="0"/>
-          </a:p>
-          <a:p>
-            <a:pPr lvl="1"/>
-            <a:r>
-              <a:rPr lang="ko-KR" altLang="en-US" dirty="0"/>
-              <a:t>정의</a:t>
-            </a:r>
-            <a:r>
-              <a:rPr lang="en-US" altLang="ko-KR" dirty="0"/>
-              <a:t>: </a:t>
-            </a:r>
-            <a:r>
-              <a:rPr lang="ko-KR" altLang="en-US" dirty="0"/>
-              <a:t>은닉에 필요한 데이터를 확인하는 점검 항목</a:t>
-            </a:r>
-            <a:endParaRPr lang="en-US" altLang="ko-KR" dirty="0"/>
-          </a:p>
-          <a:p>
-            <a:pPr lvl="1"/>
-            <a:r>
-              <a:rPr lang="ko-KR" altLang="en-US" dirty="0"/>
-              <a:t>취약점</a:t>
-            </a:r>
-            <a:endParaRPr lang="en-US" altLang="ko-KR" dirty="0"/>
-          </a:p>
-          <a:p>
-            <a:pPr lvl="2"/>
-            <a:r>
-              <a:rPr lang="ko-KR" altLang="en-US" dirty="0"/>
-              <a:t>잘못된 세션에 의한 데이터 노출</a:t>
-            </a:r>
-            <a:endParaRPr lang="en-US" altLang="ko-KR" dirty="0"/>
-          </a:p>
-          <a:p>
-            <a:pPr lvl="2"/>
-            <a:r>
-              <a:rPr lang="ko-KR" altLang="en-US" dirty="0"/>
-              <a:t>제거되지 않은 디버그 코드</a:t>
-            </a:r>
-            <a:endParaRPr lang="en-US" altLang="ko-KR" dirty="0"/>
-          </a:p>
-          <a:p>
-            <a:pPr lvl="2"/>
-            <a:r>
-              <a:rPr lang="ko-KR" altLang="en-US" dirty="0"/>
-              <a:t>민감한 데이터를 가진 내부 클래스 사용</a:t>
-            </a:r>
-            <a:endParaRPr lang="en-US" altLang="ko-KR" dirty="0"/>
-          </a:p>
-          <a:p>
-            <a:pPr lvl="2"/>
-            <a:r>
-              <a:rPr lang="ko-KR" altLang="en-US" dirty="0"/>
-              <a:t>시스템 데이터 정보 노출</a:t>
-            </a:r>
-            <a:endParaRPr lang="en-US" altLang="ko-KR" dirty="0"/>
-          </a:p>
-          <a:p>
-            <a:endParaRPr lang="ko-KR" altLang="en-US" dirty="0"/>
+              <a:rPr lang="en-US" altLang="ko-KR" dirty="0"/>
+              <a:t>SQL </a:t>
+            </a:r>
+            <a:r>
+              <a:rPr lang="ko-KR" altLang="en-US" dirty="0"/>
+              <a:t>삽입</a:t>
+            </a:r>
+            <a:endParaRPr lang="en-US" altLang="ko-KR" dirty="0"/>
+          </a:p>
+          <a:p>
+            <a:pPr lvl="3"/>
+            <a:r>
+              <a:rPr lang="ko-KR" altLang="en-US" dirty="0"/>
+              <a:t>의도하지 않은 </a:t>
+            </a:r>
+            <a:r>
+              <a:rPr lang="en-US" altLang="ko-KR" dirty="0"/>
+              <a:t>SQL</a:t>
+            </a:r>
+            <a:r>
+              <a:rPr lang="ko-KR" altLang="en-US" dirty="0"/>
+              <a:t>문을 실행하게 함</a:t>
+            </a:r>
           </a:p>
         </p:txBody>
       </p:sp>
@@ -4873,7 +4694,7 @@
           <p:cNvPr id="3" name="제목 2">
             <a:extLst>
               <a:ext uri="{FF2B5EF4-FFF2-40B4-BE49-F238E27FC236}">
-                <a16:creationId xmlns:a16="http://schemas.microsoft.com/office/drawing/2014/main" id="{19CC1C66-6C06-4574-8A74-D2BB5C17C5D5}"/>
+                <a16:creationId xmlns:a16="http://schemas.microsoft.com/office/drawing/2014/main" id="{37FB5C62-A93E-4029-A045-C18C5D5E41BB}"/>
               </a:ext>
             </a:extLst>
           </p:cNvPr>
@@ -4891,15 +4712,7 @@
           <a:p>
             <a:r>
               <a:rPr lang="ko-KR" altLang="en-US" dirty="0"/>
-              <a:t>코드</a:t>
-            </a:r>
-            <a:r>
-              <a:rPr lang="en-US" altLang="ko-KR" dirty="0"/>
-              <a:t> </a:t>
-            </a:r>
-            <a:r>
-              <a:rPr lang="ko-KR" altLang="en-US" dirty="0"/>
-              <a:t>오류</a:t>
+              <a:t>입력 데이터 검증 및 표현</a:t>
             </a:r>
           </a:p>
         </p:txBody>
@@ -4909,7 +4722,7 @@
           <p:cNvPr id="4" name="내용 개체 틀 3">
             <a:extLst>
               <a:ext uri="{FF2B5EF4-FFF2-40B4-BE49-F238E27FC236}">
-                <a16:creationId xmlns:a16="http://schemas.microsoft.com/office/drawing/2014/main" id="{88896CD2-285B-468F-8879-41F85D87677B}"/>
+                <a16:creationId xmlns:a16="http://schemas.microsoft.com/office/drawing/2014/main" id="{0B9CC0F8-E4D2-45A7-8697-3B762AF2C1C0}"/>
               </a:ext>
             </a:extLst>
           </p:cNvPr>
@@ -4925,71 +4738,7 @@
           <a:bodyPr/>
           <a:lstStyle/>
           <a:p>
-            <a:r>
-              <a:rPr lang="en-US" altLang="ko-KR" dirty="0"/>
-              <a:t>API </a:t>
-            </a:r>
-            <a:r>
-              <a:rPr lang="ko-KR" altLang="en-US" dirty="0"/>
-              <a:t>오용</a:t>
-            </a:r>
-            <a:endParaRPr lang="en-US" altLang="ko-KR" dirty="0"/>
-          </a:p>
-          <a:p>
-            <a:pPr lvl="1"/>
-            <a:r>
-              <a:rPr lang="ko-KR" altLang="en-US" dirty="0"/>
-              <a:t>정의</a:t>
-            </a:r>
-            <a:r>
-              <a:rPr lang="en-US" altLang="ko-KR" dirty="0"/>
-              <a:t>: API </a:t>
-            </a:r>
-            <a:r>
-              <a:rPr lang="ko-KR" altLang="en-US" dirty="0"/>
-              <a:t>취약점을 점검하는 항목</a:t>
-            </a:r>
-            <a:endParaRPr lang="en-US" altLang="ko-KR" dirty="0"/>
-          </a:p>
-          <a:p>
-            <a:pPr lvl="1"/>
-            <a:r>
-              <a:rPr lang="ko-KR" altLang="en-US" dirty="0"/>
-              <a:t>취약점</a:t>
-            </a:r>
-            <a:endParaRPr lang="en-US" altLang="ko-KR" dirty="0"/>
-          </a:p>
-          <a:p>
-            <a:pPr lvl="2"/>
-            <a:r>
-              <a:rPr lang="en-US" altLang="ko-KR" dirty="0"/>
-              <a:t>DNS Lookup</a:t>
-            </a:r>
-            <a:r>
-              <a:rPr lang="ko-KR" altLang="en-US" dirty="0"/>
-              <a:t>에 의존하는 보안</a:t>
-            </a:r>
-            <a:endParaRPr lang="en-US" altLang="ko-KR" dirty="0"/>
-          </a:p>
-          <a:p>
-            <a:pPr lvl="2"/>
-            <a:r>
-              <a:rPr lang="ko-KR" altLang="en-US" dirty="0"/>
-              <a:t>위험한 함수 사용</a:t>
-            </a:r>
-            <a:endParaRPr lang="en-US" altLang="ko-KR" dirty="0"/>
-          </a:p>
-          <a:p>
-            <a:pPr lvl="2"/>
-            <a:r>
-              <a:rPr lang="en-US" altLang="ko-KR" dirty="0"/>
-              <a:t>Null </a:t>
-            </a:r>
-            <a:r>
-              <a:rPr lang="ko-KR" altLang="en-US" dirty="0" err="1"/>
-              <a:t>미검사</a:t>
-            </a:r>
-            <a:endParaRPr lang="ko-KR" altLang="en-US" dirty="0"/>
+            <a:endParaRPr lang="ko-KR" altLang="en-US"/>
           </a:p>
         </p:txBody>
       </p:sp>
@@ -4998,7 +4747,7 @@
           <p:cNvPr id="5" name="슬라이드 번호 개체 틀 4">
             <a:extLst>
               <a:ext uri="{FF2B5EF4-FFF2-40B4-BE49-F238E27FC236}">
-                <a16:creationId xmlns:a16="http://schemas.microsoft.com/office/drawing/2014/main" id="{9CB8038F-2104-4E0F-900A-07DC8E776312}"/>
+                <a16:creationId xmlns:a16="http://schemas.microsoft.com/office/drawing/2014/main" id="{6C9F8D86-7DA2-4E8A-BEE3-3660561B0E66}"/>
               </a:ext>
             </a:extLst>
           </p:cNvPr>
@@ -5027,7 +4776,7 @@
           <p:cNvPr id="6" name="바닥글 개체 틀 5">
             <a:extLst>
               <a:ext uri="{FF2B5EF4-FFF2-40B4-BE49-F238E27FC236}">
-                <a16:creationId xmlns:a16="http://schemas.microsoft.com/office/drawing/2014/main" id="{B34BC0AC-1A54-408C-99A5-5F27B491F6AB}"/>
+                <a16:creationId xmlns:a16="http://schemas.microsoft.com/office/drawing/2014/main" id="{0079B949-42D3-474B-9983-10A542F37D6E}"/>
               </a:ext>
             </a:extLst>
           </p:cNvPr>
@@ -5057,7 +4806,7 @@
           <p:cNvPr id="7" name="날짜 개체 틀 6">
             <a:extLst>
               <a:ext uri="{FF2B5EF4-FFF2-40B4-BE49-F238E27FC236}">
-                <a16:creationId xmlns:a16="http://schemas.microsoft.com/office/drawing/2014/main" id="{4C9EBDC7-C5FF-4A8F-A8B1-DAAF2FEABACF}"/>
+                <a16:creationId xmlns:a16="http://schemas.microsoft.com/office/drawing/2014/main" id="{B0EB1004-C7D9-4DE5-910A-9E0DDCC9C58A}"/>
               </a:ext>
             </a:extLst>
           </p:cNvPr>
@@ -5075,7 +4824,803 @@
           <a:p>
             <a:fld id="{B226B4E6-2447-4D67-A511-B13A2182F919}" type="datetime5">
               <a:rPr lang="ko-KR" altLang="en-US" smtClean="0"/>
-              <a:t>2021/8/10</a:t>
+              <a:t>2021/8/11</a:t>
+            </a:fld>
+            <a:endParaRPr lang="ko-KR" altLang="en-US" dirty="0"/>
+          </a:p>
+        </p:txBody>
+      </p:sp>
+    </p:spTree>
+    <p:extLst>
+      <p:ext uri="{BB962C8B-B14F-4D97-AF65-F5344CB8AC3E}">
+        <p14:creationId xmlns:p14="http://schemas.microsoft.com/office/powerpoint/2010/main" val="3769500993"/>
+      </p:ext>
+    </p:extLst>
+  </p:cSld>
+  <p:clrMapOvr>
+    <a:masterClrMapping/>
+  </p:clrMapOvr>
+</p:sld>
+</file>
+
+<file path=ppt/slides/slide15.xml><?xml version="1.0" encoding="utf-8"?>
+<p:sld xmlns:a="http://schemas.openxmlformats.org/drawingml/2006/main" xmlns:r="http://schemas.openxmlformats.org/officeDocument/2006/relationships" xmlns:p="http://schemas.openxmlformats.org/presentationml/2006/main">
+  <p:cSld>
+    <p:spTree>
+      <p:nvGrpSpPr>
+        <p:cNvPr id="1" name=""/>
+        <p:cNvGrpSpPr/>
+        <p:nvPr/>
+      </p:nvGrpSpPr>
+      <p:grpSpPr>
+        <a:xfrm>
+          <a:off x="0" y="0"/>
+          <a:ext cx="0" cy="0"/>
+          <a:chOff x="0" y="0"/>
+          <a:chExt cx="0" cy="0"/>
+        </a:xfrm>
+      </p:grpSpPr>
+      <p:sp>
+        <p:nvSpPr>
+          <p:cNvPr id="2" name="내용 개체 틀 1">
+            <a:extLst>
+              <a:ext uri="{FF2B5EF4-FFF2-40B4-BE49-F238E27FC236}">
+                <a16:creationId xmlns:a16="http://schemas.microsoft.com/office/drawing/2014/main" id="{8C30D814-FE72-42D4-A88C-6455F313A265}"/>
+              </a:ext>
+            </a:extLst>
+          </p:cNvPr>
+          <p:cNvSpPr>
+            <a:spLocks noGrp="1"/>
+          </p:cNvSpPr>
+          <p:nvPr>
+            <p:ph sz="half" idx="14"/>
+          </p:nvPr>
+        </p:nvSpPr>
+        <p:spPr/>
+        <p:txBody>
+          <a:bodyPr/>
+          <a:lstStyle/>
+          <a:p>
+            <a:r>
+              <a:rPr lang="ko-KR" altLang="en-US" dirty="0"/>
+              <a:t>암호 알고리즘</a:t>
+            </a:r>
+            <a:endParaRPr lang="en-US" altLang="ko-KR" dirty="0"/>
+          </a:p>
+          <a:p>
+            <a:pPr lvl="1"/>
+            <a:r>
+              <a:rPr lang="ko-KR" altLang="en-US" dirty="0"/>
+              <a:t>정의</a:t>
+            </a:r>
+            <a:r>
+              <a:rPr lang="en-US" altLang="ko-KR" dirty="0"/>
+              <a:t>: </a:t>
+            </a:r>
+            <a:r>
+              <a:rPr lang="ko-KR" altLang="en-US" dirty="0"/>
+              <a:t>정보를 암호화 하는 기법</a:t>
+            </a:r>
+            <a:endParaRPr lang="en-US" altLang="ko-KR" dirty="0"/>
+          </a:p>
+          <a:p>
+            <a:pPr lvl="1"/>
+            <a:r>
+              <a:rPr lang="ko-KR" altLang="en-US" dirty="0"/>
+              <a:t>방식</a:t>
+            </a:r>
+            <a:endParaRPr lang="en-US" altLang="ko-KR" dirty="0"/>
+          </a:p>
+          <a:p>
+            <a:pPr lvl="2"/>
+            <a:r>
+              <a:rPr lang="ko-KR" altLang="en-US" dirty="0"/>
+              <a:t>양방향 방식</a:t>
+            </a:r>
+            <a:endParaRPr lang="en-US" altLang="ko-KR" dirty="0"/>
+          </a:p>
+          <a:p>
+            <a:pPr lvl="3"/>
+            <a:r>
+              <a:rPr lang="ko-KR" altLang="en-US" dirty="0"/>
+              <a:t>정의</a:t>
+            </a:r>
+            <a:r>
+              <a:rPr lang="en-US" altLang="ko-KR" dirty="0"/>
+              <a:t>: </a:t>
+            </a:r>
+            <a:r>
+              <a:rPr lang="ko-KR" altLang="en-US" dirty="0"/>
+              <a:t>암호화</a:t>
+            </a:r>
+            <a:r>
+              <a:rPr lang="en-US" altLang="ko-KR" dirty="0"/>
+              <a:t>, </a:t>
+            </a:r>
+            <a:r>
+              <a:rPr lang="ko-KR" altLang="en-US" dirty="0"/>
+              <a:t>복호화 가능</a:t>
+            </a:r>
+            <a:endParaRPr lang="en-US" altLang="ko-KR" dirty="0"/>
+          </a:p>
+          <a:p>
+            <a:pPr lvl="3"/>
+            <a:r>
+              <a:rPr lang="ko-KR" altLang="en-US" dirty="0"/>
+              <a:t>대칭 키</a:t>
+            </a:r>
+            <a:r>
+              <a:rPr lang="en-US" altLang="ko-KR" dirty="0"/>
+              <a:t>: </a:t>
+            </a:r>
+            <a:r>
+              <a:rPr lang="ko-KR" altLang="en-US" dirty="0"/>
+              <a:t>암호화와 복호화에 같은 암호 키 사용</a:t>
+            </a:r>
+            <a:endParaRPr lang="en-US" altLang="ko-KR" dirty="0"/>
+          </a:p>
+          <a:p>
+            <a:pPr lvl="4"/>
+            <a:r>
+              <a:rPr lang="ko-KR" altLang="en-US" dirty="0"/>
+              <a:t>블록 암호화</a:t>
+            </a:r>
+            <a:r>
+              <a:rPr lang="en-US" altLang="ko-KR" dirty="0"/>
+              <a:t>, </a:t>
+            </a:r>
+            <a:r>
+              <a:rPr lang="ko-KR" altLang="en-US" dirty="0"/>
+              <a:t>스트림 암호화</a:t>
+            </a:r>
+            <a:r>
+              <a:rPr lang="en-US" altLang="ko-KR" dirty="0"/>
+              <a:t>…</a:t>
+            </a:r>
+          </a:p>
+          <a:p>
+            <a:pPr lvl="3"/>
+            <a:r>
+              <a:rPr lang="ko-KR" altLang="en-US" dirty="0"/>
+              <a:t>비대칭 키</a:t>
+            </a:r>
+            <a:r>
+              <a:rPr lang="en-US" altLang="ko-KR" dirty="0"/>
+              <a:t>: </a:t>
+            </a:r>
+            <a:r>
+              <a:rPr lang="ko-KR" altLang="en-US" dirty="0"/>
+              <a:t>암호화와 복호화에 다른 키 사용</a:t>
+            </a:r>
+            <a:endParaRPr lang="en-US" altLang="ko-KR" dirty="0"/>
+          </a:p>
+          <a:p>
+            <a:pPr lvl="4"/>
+            <a:r>
+              <a:rPr lang="ko-KR" altLang="en-US"/>
+              <a:t>공개키 암호 방식 이라고도 함</a:t>
+            </a:r>
+            <a:endParaRPr lang="en-US" altLang="ko-KR" dirty="0"/>
+          </a:p>
+          <a:p>
+            <a:pPr lvl="4"/>
+            <a:r>
+              <a:rPr lang="en-US" altLang="ko-KR" dirty="0"/>
+              <a:t>RSA, ECC, </a:t>
+            </a:r>
+            <a:r>
+              <a:rPr lang="ko-KR" altLang="en-US" dirty="0"/>
+              <a:t>디피</a:t>
+            </a:r>
+            <a:r>
+              <a:rPr lang="en-US" altLang="ko-KR" dirty="0"/>
+              <a:t>-</a:t>
+            </a:r>
+            <a:r>
+              <a:rPr lang="ko-KR" altLang="en-US" dirty="0"/>
+              <a:t>헬만</a:t>
+            </a:r>
+            <a:r>
+              <a:rPr lang="en-US" altLang="ko-KR" dirty="0"/>
+              <a:t>…</a:t>
+            </a:r>
+          </a:p>
+          <a:p>
+            <a:pPr lvl="4"/>
+            <a:r>
+              <a:rPr lang="en-US" altLang="ko-KR" dirty="0"/>
+              <a:t>RSA: </a:t>
+            </a:r>
+            <a:r>
+              <a:rPr lang="ko-KR" altLang="en-US" dirty="0"/>
+              <a:t>소인수분해 어려움에서 제안됨</a:t>
+            </a:r>
+            <a:endParaRPr lang="en-US" altLang="ko-KR" dirty="0"/>
+          </a:p>
+          <a:p>
+            <a:pPr lvl="2"/>
+            <a:r>
+              <a:rPr lang="ko-KR" altLang="en-US" dirty="0"/>
+              <a:t>일방향 방식</a:t>
+            </a:r>
+            <a:endParaRPr lang="en-US" altLang="ko-KR" dirty="0"/>
+          </a:p>
+          <a:p>
+            <a:pPr lvl="3"/>
+            <a:r>
+              <a:rPr lang="ko-KR" altLang="en-US" dirty="0"/>
+              <a:t>정의</a:t>
+            </a:r>
+            <a:r>
+              <a:rPr lang="en-US" altLang="ko-KR" dirty="0"/>
+              <a:t>: </a:t>
+            </a:r>
+            <a:r>
+              <a:rPr lang="ko-KR" altLang="en-US" dirty="0"/>
+              <a:t>암호화 가능</a:t>
+            </a:r>
+            <a:r>
+              <a:rPr lang="en-US" altLang="ko-KR" dirty="0"/>
+              <a:t>, </a:t>
+            </a:r>
+            <a:r>
+              <a:rPr lang="ko-KR" altLang="en-US" dirty="0"/>
+              <a:t>복호화 불가능</a:t>
+            </a:r>
+            <a:endParaRPr lang="en-US" altLang="ko-KR" dirty="0"/>
+          </a:p>
+          <a:p>
+            <a:pPr lvl="3"/>
+            <a:r>
+              <a:rPr lang="en-US" altLang="ko-KR" dirty="0"/>
+              <a:t>MAC, MDC…</a:t>
+            </a:r>
+            <a:endParaRPr lang="ko-KR" altLang="en-US" dirty="0"/>
+          </a:p>
+        </p:txBody>
+      </p:sp>
+      <p:sp>
+        <p:nvSpPr>
+          <p:cNvPr id="3" name="제목 2">
+            <a:extLst>
+              <a:ext uri="{FF2B5EF4-FFF2-40B4-BE49-F238E27FC236}">
+                <a16:creationId xmlns:a16="http://schemas.microsoft.com/office/drawing/2014/main" id="{507E47DE-17C9-4ACF-9C20-E1EDF7BC70A0}"/>
+              </a:ext>
+            </a:extLst>
+          </p:cNvPr>
+          <p:cNvSpPr>
+            <a:spLocks noGrp="1"/>
+          </p:cNvSpPr>
+          <p:nvPr>
+            <p:ph type="title"/>
+          </p:nvPr>
+        </p:nvSpPr>
+        <p:spPr/>
+        <p:txBody>
+          <a:bodyPr/>
+          <a:lstStyle/>
+          <a:p>
+            <a:r>
+              <a:rPr lang="ko-KR" altLang="en-US" dirty="0"/>
+              <a:t>암호 알고리즘</a:t>
+            </a:r>
+          </a:p>
+        </p:txBody>
+      </p:sp>
+      <p:sp>
+        <p:nvSpPr>
+          <p:cNvPr id="4" name="내용 개체 틀 3">
+            <a:extLst>
+              <a:ext uri="{FF2B5EF4-FFF2-40B4-BE49-F238E27FC236}">
+                <a16:creationId xmlns:a16="http://schemas.microsoft.com/office/drawing/2014/main" id="{1B47DFFE-0CE3-41C9-8E2D-8232F65F7CD8}"/>
+              </a:ext>
+            </a:extLst>
+          </p:cNvPr>
+          <p:cNvSpPr>
+            <a:spLocks noGrp="1"/>
+          </p:cNvSpPr>
+          <p:nvPr>
+            <p:ph sz="half" idx="2"/>
+          </p:nvPr>
+        </p:nvSpPr>
+        <p:spPr/>
+        <p:txBody>
+          <a:bodyPr/>
+          <a:lstStyle/>
+          <a:p>
+            <a:endParaRPr lang="ko-KR" altLang="en-US"/>
+          </a:p>
+        </p:txBody>
+      </p:sp>
+      <p:sp>
+        <p:nvSpPr>
+          <p:cNvPr id="5" name="슬라이드 번호 개체 틀 4">
+            <a:extLst>
+              <a:ext uri="{FF2B5EF4-FFF2-40B4-BE49-F238E27FC236}">
+                <a16:creationId xmlns:a16="http://schemas.microsoft.com/office/drawing/2014/main" id="{D128578A-4E24-4D37-9FCC-1277E917E103}"/>
+              </a:ext>
+            </a:extLst>
+          </p:cNvPr>
+          <p:cNvSpPr>
+            <a:spLocks noGrp="1"/>
+          </p:cNvSpPr>
+          <p:nvPr>
+            <p:ph type="sldNum" sz="quarter" idx="12"/>
+          </p:nvPr>
+        </p:nvSpPr>
+        <p:spPr/>
+        <p:txBody>
+          <a:bodyPr/>
+          <a:lstStyle/>
+          <a:p>
+            <a:fld id="{89BED30C-66D9-4104-96BC-081A506F0CF0}" type="slidenum">
+              <a:rPr lang="ko-KR" altLang="en-US" smtClean="0"/>
+              <a:t>15</a:t>
+            </a:fld>
+            <a:endParaRPr lang="ko-KR" altLang="en-US"/>
+          </a:p>
+        </p:txBody>
+      </p:sp>
+      <p:sp>
+        <p:nvSpPr>
+          <p:cNvPr id="6" name="바닥글 개체 틀 5">
+            <a:extLst>
+              <a:ext uri="{FF2B5EF4-FFF2-40B4-BE49-F238E27FC236}">
+                <a16:creationId xmlns:a16="http://schemas.microsoft.com/office/drawing/2014/main" id="{CF954676-A9FF-4F07-BFD7-2F3397B96202}"/>
+              </a:ext>
+            </a:extLst>
+          </p:cNvPr>
+          <p:cNvSpPr>
+            <a:spLocks noGrp="1"/>
+          </p:cNvSpPr>
+          <p:nvPr>
+            <p:ph type="ftr" sz="quarter" idx="3"/>
+          </p:nvPr>
+        </p:nvSpPr>
+        <p:spPr/>
+        <p:txBody>
+          <a:bodyPr/>
+          <a:lstStyle/>
+          <a:p>
+            <a:pPr algn="l"/>
+            <a:r>
+              <a:rPr lang="en-US" altLang="ko-KR"/>
+              <a:t>Nibble</a:t>
+            </a:r>
+            <a:endParaRPr lang="ko-KR" altLang="en-US" dirty="0"/>
+          </a:p>
+        </p:txBody>
+      </p:sp>
+      <p:sp>
+        <p:nvSpPr>
+          <p:cNvPr id="7" name="날짜 개체 틀 6">
+            <a:extLst>
+              <a:ext uri="{FF2B5EF4-FFF2-40B4-BE49-F238E27FC236}">
+                <a16:creationId xmlns:a16="http://schemas.microsoft.com/office/drawing/2014/main" id="{AF2BD91B-02F6-4208-9439-4C799B6564BB}"/>
+              </a:ext>
+            </a:extLst>
+          </p:cNvPr>
+          <p:cNvSpPr>
+            <a:spLocks noGrp="1"/>
+          </p:cNvSpPr>
+          <p:nvPr>
+            <p:ph type="dt" sz="half" idx="13"/>
+          </p:nvPr>
+        </p:nvSpPr>
+        <p:spPr/>
+        <p:txBody>
+          <a:bodyPr/>
+          <a:lstStyle/>
+          <a:p>
+            <a:fld id="{B226B4E6-2447-4D67-A511-B13A2182F919}" type="datetime5">
+              <a:rPr lang="ko-KR" altLang="en-US" smtClean="0"/>
+              <a:t>2021/8/11</a:t>
+            </a:fld>
+            <a:endParaRPr lang="ko-KR" altLang="en-US" dirty="0"/>
+          </a:p>
+        </p:txBody>
+      </p:sp>
+    </p:spTree>
+    <p:extLst>
+      <p:ext uri="{BB962C8B-B14F-4D97-AF65-F5344CB8AC3E}">
+        <p14:creationId xmlns:p14="http://schemas.microsoft.com/office/powerpoint/2010/main" val="2300388595"/>
+      </p:ext>
+    </p:extLst>
+  </p:cSld>
+  <p:clrMapOvr>
+    <a:masterClrMapping/>
+  </p:clrMapOvr>
+</p:sld>
+</file>
+
+<file path=ppt/slides/slide16.xml><?xml version="1.0" encoding="utf-8"?>
+<p:sld xmlns:a="http://schemas.openxmlformats.org/drawingml/2006/main" xmlns:r="http://schemas.openxmlformats.org/officeDocument/2006/relationships" xmlns:p="http://schemas.openxmlformats.org/presentationml/2006/main">
+  <p:cSld>
+    <p:spTree>
+      <p:nvGrpSpPr>
+        <p:cNvPr id="1" name=""/>
+        <p:cNvGrpSpPr/>
+        <p:nvPr/>
+      </p:nvGrpSpPr>
+      <p:grpSpPr>
+        <a:xfrm>
+          <a:off x="0" y="0"/>
+          <a:ext cx="0" cy="0"/>
+          <a:chOff x="0" y="0"/>
+          <a:chExt cx="0" cy="0"/>
+        </a:xfrm>
+      </p:grpSpPr>
+      <p:sp>
+        <p:nvSpPr>
+          <p:cNvPr id="2" name="내용 개체 틀 1">
+            <a:extLst>
+              <a:ext uri="{FF2B5EF4-FFF2-40B4-BE49-F238E27FC236}">
+                <a16:creationId xmlns:a16="http://schemas.microsoft.com/office/drawing/2014/main" id="{DF185C62-A61D-48F3-AEDF-45261B8BA156}"/>
+              </a:ext>
+            </a:extLst>
+          </p:cNvPr>
+          <p:cNvSpPr>
+            <a:spLocks noGrp="1"/>
+          </p:cNvSpPr>
+          <p:nvPr>
+            <p:ph sz="half" idx="14"/>
+          </p:nvPr>
+        </p:nvSpPr>
+        <p:spPr/>
+        <p:txBody>
+          <a:bodyPr/>
+          <a:lstStyle/>
+          <a:p>
+            <a:r>
+              <a:rPr lang="ko-KR" altLang="en-US" dirty="0"/>
+              <a:t>코드</a:t>
+            </a:r>
+            <a:r>
+              <a:rPr lang="en-US" altLang="ko-KR" dirty="0"/>
+              <a:t> </a:t>
+            </a:r>
+            <a:r>
+              <a:rPr lang="ko-KR" altLang="en-US" dirty="0"/>
+              <a:t>오류</a:t>
+            </a:r>
+            <a:endParaRPr lang="en-US" altLang="ko-KR" dirty="0"/>
+          </a:p>
+          <a:p>
+            <a:pPr lvl="1"/>
+            <a:r>
+              <a:rPr lang="ko-KR" altLang="en-US" dirty="0"/>
+              <a:t>정의</a:t>
+            </a:r>
+            <a:r>
+              <a:rPr lang="en-US" altLang="ko-KR" dirty="0"/>
+              <a:t>: </a:t>
+            </a:r>
+            <a:r>
+              <a:rPr lang="ko-KR" altLang="en-US" dirty="0"/>
+              <a:t>코드 오류를 예방하기 위한 점검 항목</a:t>
+            </a:r>
+            <a:endParaRPr lang="en-US" altLang="ko-KR" dirty="0"/>
+          </a:p>
+          <a:p>
+            <a:pPr lvl="1"/>
+            <a:r>
+              <a:rPr lang="ko-KR" altLang="en-US" dirty="0"/>
+              <a:t>취약점</a:t>
+            </a:r>
+            <a:endParaRPr lang="en-US" altLang="ko-KR" dirty="0"/>
+          </a:p>
+          <a:p>
+            <a:pPr lvl="2"/>
+            <a:r>
+              <a:rPr lang="en-US" altLang="ko-KR" dirty="0"/>
+              <a:t>Null </a:t>
+            </a:r>
+            <a:r>
+              <a:rPr lang="ko-KR" altLang="en-US" dirty="0"/>
+              <a:t>포인터 역 참조</a:t>
+            </a:r>
+            <a:endParaRPr lang="en-US" altLang="ko-KR" dirty="0"/>
+          </a:p>
+          <a:p>
+            <a:pPr lvl="2"/>
+            <a:r>
+              <a:rPr lang="ko-KR" altLang="en-US" dirty="0"/>
+              <a:t>정수를 문자로 변환</a:t>
+            </a:r>
+            <a:endParaRPr lang="en-US" altLang="ko-KR" dirty="0"/>
+          </a:p>
+          <a:p>
+            <a:pPr lvl="2"/>
+            <a:r>
+              <a:rPr lang="ko-KR" altLang="en-US" dirty="0"/>
+              <a:t>부적절한 자원 해제</a:t>
+            </a:r>
+            <a:endParaRPr lang="en-US" altLang="ko-KR" dirty="0"/>
+          </a:p>
+          <a:p>
+            <a:pPr lvl="2"/>
+            <a:r>
+              <a:rPr lang="ko-KR" altLang="en-US" dirty="0"/>
+              <a:t>초기화 되지 않은 변수 사용</a:t>
+            </a:r>
+            <a:endParaRPr lang="en-US" altLang="ko-KR" dirty="0"/>
+          </a:p>
+          <a:p>
+            <a:r>
+              <a:rPr lang="ko-KR" altLang="en-US" dirty="0"/>
+              <a:t>캡슐화</a:t>
+            </a:r>
+            <a:endParaRPr lang="en-US" altLang="ko-KR" dirty="0"/>
+          </a:p>
+          <a:p>
+            <a:pPr lvl="1"/>
+            <a:r>
+              <a:rPr lang="ko-KR" altLang="en-US" dirty="0"/>
+              <a:t>정의</a:t>
+            </a:r>
+            <a:r>
+              <a:rPr lang="en-US" altLang="ko-KR" dirty="0"/>
+              <a:t>: </a:t>
+            </a:r>
+            <a:r>
+              <a:rPr lang="ko-KR" altLang="en-US" dirty="0"/>
+              <a:t>은닉에 필요한 데이터를 확인하는 점검 항목</a:t>
+            </a:r>
+            <a:endParaRPr lang="en-US" altLang="ko-KR" dirty="0"/>
+          </a:p>
+          <a:p>
+            <a:pPr lvl="1"/>
+            <a:r>
+              <a:rPr lang="ko-KR" altLang="en-US" dirty="0"/>
+              <a:t>취약점</a:t>
+            </a:r>
+            <a:endParaRPr lang="en-US" altLang="ko-KR" dirty="0"/>
+          </a:p>
+          <a:p>
+            <a:pPr lvl="2"/>
+            <a:r>
+              <a:rPr lang="ko-KR" altLang="en-US" dirty="0"/>
+              <a:t>잘못된 세션에 의한 데이터 노출</a:t>
+            </a:r>
+            <a:endParaRPr lang="en-US" altLang="ko-KR" dirty="0"/>
+          </a:p>
+          <a:p>
+            <a:pPr lvl="2"/>
+            <a:r>
+              <a:rPr lang="ko-KR" altLang="en-US" dirty="0"/>
+              <a:t>제거되지 않은 디버그 코드</a:t>
+            </a:r>
+            <a:endParaRPr lang="en-US" altLang="ko-KR" dirty="0"/>
+          </a:p>
+          <a:p>
+            <a:pPr lvl="2"/>
+            <a:r>
+              <a:rPr lang="ko-KR" altLang="en-US" dirty="0"/>
+              <a:t>민감한 데이터를 가진 내부 클래스 사용</a:t>
+            </a:r>
+            <a:endParaRPr lang="en-US" altLang="ko-KR" dirty="0"/>
+          </a:p>
+          <a:p>
+            <a:pPr lvl="2"/>
+            <a:r>
+              <a:rPr lang="ko-KR" altLang="en-US" dirty="0"/>
+              <a:t>시스템 데이터 정보 노출</a:t>
+            </a:r>
+            <a:endParaRPr lang="en-US" altLang="ko-KR" dirty="0"/>
+          </a:p>
+          <a:p>
+            <a:endParaRPr lang="ko-KR" altLang="en-US" dirty="0"/>
+          </a:p>
+        </p:txBody>
+      </p:sp>
+      <p:sp>
+        <p:nvSpPr>
+          <p:cNvPr id="3" name="제목 2">
+            <a:extLst>
+              <a:ext uri="{FF2B5EF4-FFF2-40B4-BE49-F238E27FC236}">
+                <a16:creationId xmlns:a16="http://schemas.microsoft.com/office/drawing/2014/main" id="{19CC1C66-6C06-4574-8A74-D2BB5C17C5D5}"/>
+              </a:ext>
+            </a:extLst>
+          </p:cNvPr>
+          <p:cNvSpPr>
+            <a:spLocks noGrp="1"/>
+          </p:cNvSpPr>
+          <p:nvPr>
+            <p:ph type="title"/>
+          </p:nvPr>
+        </p:nvSpPr>
+        <p:spPr/>
+        <p:txBody>
+          <a:bodyPr/>
+          <a:lstStyle/>
+          <a:p>
+            <a:r>
+              <a:rPr lang="ko-KR" altLang="en-US" dirty="0"/>
+              <a:t>코드</a:t>
+            </a:r>
+            <a:r>
+              <a:rPr lang="en-US" altLang="ko-KR" dirty="0"/>
+              <a:t> </a:t>
+            </a:r>
+            <a:r>
+              <a:rPr lang="ko-KR" altLang="en-US" dirty="0"/>
+              <a:t>오류</a:t>
+            </a:r>
+          </a:p>
+        </p:txBody>
+      </p:sp>
+      <p:sp>
+        <p:nvSpPr>
+          <p:cNvPr id="4" name="내용 개체 틀 3">
+            <a:extLst>
+              <a:ext uri="{FF2B5EF4-FFF2-40B4-BE49-F238E27FC236}">
+                <a16:creationId xmlns:a16="http://schemas.microsoft.com/office/drawing/2014/main" id="{88896CD2-285B-468F-8879-41F85D87677B}"/>
+              </a:ext>
+            </a:extLst>
+          </p:cNvPr>
+          <p:cNvSpPr>
+            <a:spLocks noGrp="1"/>
+          </p:cNvSpPr>
+          <p:nvPr>
+            <p:ph sz="half" idx="2"/>
+          </p:nvPr>
+        </p:nvSpPr>
+        <p:spPr/>
+        <p:txBody>
+          <a:bodyPr/>
+          <a:lstStyle/>
+          <a:p>
+            <a:r>
+              <a:rPr lang="en-US" altLang="ko-KR" dirty="0"/>
+              <a:t>API </a:t>
+            </a:r>
+            <a:r>
+              <a:rPr lang="ko-KR" altLang="en-US" dirty="0"/>
+              <a:t>오용</a:t>
+            </a:r>
+            <a:endParaRPr lang="en-US" altLang="ko-KR" dirty="0"/>
+          </a:p>
+          <a:p>
+            <a:pPr lvl="1"/>
+            <a:r>
+              <a:rPr lang="ko-KR" altLang="en-US" dirty="0"/>
+              <a:t>정의</a:t>
+            </a:r>
+            <a:r>
+              <a:rPr lang="en-US" altLang="ko-KR" dirty="0"/>
+              <a:t>: API </a:t>
+            </a:r>
+            <a:r>
+              <a:rPr lang="ko-KR" altLang="en-US" dirty="0"/>
+              <a:t>취약점을 점검하는 항목</a:t>
+            </a:r>
+            <a:endParaRPr lang="en-US" altLang="ko-KR" dirty="0"/>
+          </a:p>
+          <a:p>
+            <a:pPr lvl="1"/>
+            <a:r>
+              <a:rPr lang="ko-KR" altLang="en-US" dirty="0"/>
+              <a:t>취약점</a:t>
+            </a:r>
+            <a:endParaRPr lang="en-US" altLang="ko-KR" dirty="0"/>
+          </a:p>
+          <a:p>
+            <a:pPr lvl="2"/>
+            <a:r>
+              <a:rPr lang="en-US" altLang="ko-KR" dirty="0"/>
+              <a:t>DNS Lookup</a:t>
+            </a:r>
+            <a:r>
+              <a:rPr lang="ko-KR" altLang="en-US" dirty="0"/>
+              <a:t>에 의존하는 보안</a:t>
+            </a:r>
+            <a:endParaRPr lang="en-US" altLang="ko-KR" dirty="0"/>
+          </a:p>
+          <a:p>
+            <a:pPr lvl="2"/>
+            <a:r>
+              <a:rPr lang="ko-KR" altLang="en-US" dirty="0"/>
+              <a:t>위험한 함수 사용</a:t>
+            </a:r>
+            <a:endParaRPr lang="en-US" altLang="ko-KR" dirty="0"/>
+          </a:p>
+          <a:p>
+            <a:pPr lvl="2"/>
+            <a:r>
+              <a:rPr lang="en-US" altLang="ko-KR" dirty="0"/>
+              <a:t>Null </a:t>
+            </a:r>
+            <a:r>
+              <a:rPr lang="ko-KR" altLang="en-US" dirty="0" err="1"/>
+              <a:t>미검사</a:t>
+            </a:r>
+            <a:endParaRPr lang="ko-KR" altLang="en-US" dirty="0"/>
+          </a:p>
+        </p:txBody>
+      </p:sp>
+      <p:sp>
+        <p:nvSpPr>
+          <p:cNvPr id="5" name="슬라이드 번호 개체 틀 4">
+            <a:extLst>
+              <a:ext uri="{FF2B5EF4-FFF2-40B4-BE49-F238E27FC236}">
+                <a16:creationId xmlns:a16="http://schemas.microsoft.com/office/drawing/2014/main" id="{9CB8038F-2104-4E0F-900A-07DC8E776312}"/>
+              </a:ext>
+            </a:extLst>
+          </p:cNvPr>
+          <p:cNvSpPr>
+            <a:spLocks noGrp="1"/>
+          </p:cNvSpPr>
+          <p:nvPr>
+            <p:ph type="sldNum" sz="quarter" idx="12"/>
+          </p:nvPr>
+        </p:nvSpPr>
+        <p:spPr/>
+        <p:txBody>
+          <a:bodyPr/>
+          <a:lstStyle/>
+          <a:p>
+            <a:fld id="{89BED30C-66D9-4104-96BC-081A506F0CF0}" type="slidenum">
+              <a:rPr lang="ko-KR" altLang="en-US" smtClean="0"/>
+              <a:t>16</a:t>
+            </a:fld>
+            <a:endParaRPr lang="ko-KR" altLang="en-US"/>
+          </a:p>
+        </p:txBody>
+      </p:sp>
+      <p:sp>
+        <p:nvSpPr>
+          <p:cNvPr id="6" name="바닥글 개체 틀 5">
+            <a:extLst>
+              <a:ext uri="{FF2B5EF4-FFF2-40B4-BE49-F238E27FC236}">
+                <a16:creationId xmlns:a16="http://schemas.microsoft.com/office/drawing/2014/main" id="{B34BC0AC-1A54-408C-99A5-5F27B491F6AB}"/>
+              </a:ext>
+            </a:extLst>
+          </p:cNvPr>
+          <p:cNvSpPr>
+            <a:spLocks noGrp="1"/>
+          </p:cNvSpPr>
+          <p:nvPr>
+            <p:ph type="ftr" sz="quarter" idx="3"/>
+          </p:nvPr>
+        </p:nvSpPr>
+        <p:spPr/>
+        <p:txBody>
+          <a:bodyPr/>
+          <a:lstStyle/>
+          <a:p>
+            <a:pPr algn="l"/>
+            <a:r>
+              <a:rPr lang="en-US" altLang="ko-KR"/>
+              <a:t>Nibble</a:t>
+            </a:r>
+            <a:endParaRPr lang="ko-KR" altLang="en-US" dirty="0"/>
+          </a:p>
+        </p:txBody>
+      </p:sp>
+      <p:sp>
+        <p:nvSpPr>
+          <p:cNvPr id="7" name="날짜 개체 틀 6">
+            <a:extLst>
+              <a:ext uri="{FF2B5EF4-FFF2-40B4-BE49-F238E27FC236}">
+                <a16:creationId xmlns:a16="http://schemas.microsoft.com/office/drawing/2014/main" id="{4C9EBDC7-C5FF-4A8F-A8B1-DAAF2FEABACF}"/>
+              </a:ext>
+            </a:extLst>
+          </p:cNvPr>
+          <p:cNvSpPr>
+            <a:spLocks noGrp="1"/>
+          </p:cNvSpPr>
+          <p:nvPr>
+            <p:ph type="dt" sz="half" idx="13"/>
+          </p:nvPr>
+        </p:nvSpPr>
+        <p:spPr/>
+        <p:txBody>
+          <a:bodyPr/>
+          <a:lstStyle/>
+          <a:p>
+            <a:fld id="{B226B4E6-2447-4D67-A511-B13A2182F919}" type="datetime5">
+              <a:rPr lang="ko-KR" altLang="en-US" smtClean="0"/>
+              <a:t>2021/8/11</a:t>
             </a:fld>
             <a:endParaRPr lang="ko-KR" altLang="en-US" dirty="0"/>
           </a:p>
@@ -5187,15 +5732,21 @@
           <a:p>
             <a:r>
               <a:rPr lang="en-US" altLang="ko-KR" dirty="0"/>
-              <a:t>?</a:t>
-            </a:r>
+              <a:t>IT </a:t>
+            </a:r>
+            <a:r>
+              <a:rPr lang="ko-KR" altLang="en-US" dirty="0"/>
+              <a:t>프로젝트 정보시스템 구축 관리</a:t>
+            </a:r>
+            <a:endParaRPr lang="en-US" altLang="ko-KR" dirty="0"/>
           </a:p>
           <a:p>
             <a:pPr lvl="1"/>
             <a:r>
-              <a:rPr lang="en-US" altLang="ko-KR" dirty="0"/>
-              <a:t>?</a:t>
-            </a:r>
+              <a:rPr lang="ko-KR" altLang="en-US" dirty="0"/>
+              <a:t>네트워크 구축관리</a:t>
+            </a:r>
+            <a:endParaRPr lang="en-US" altLang="ko-KR" dirty="0"/>
           </a:p>
           <a:p>
             <a:r>
@@ -5367,7 +5918,7 @@
           <a:p>
             <a:fld id="{B226B4E6-2447-4D67-A511-B13A2182F919}" type="datetime5">
               <a:rPr lang="ko-KR" altLang="en-US" smtClean="0"/>
-              <a:t>2021/8/10</a:t>
+              <a:t>2021/8/11</a:t>
             </a:fld>
             <a:endParaRPr lang="ko-KR" altLang="en-US" dirty="0"/>
           </a:p>
@@ -5877,7 +6428,7 @@
           <a:p>
             <a:fld id="{B226B4E6-2447-4D67-A511-B13A2182F919}" type="datetime5">
               <a:rPr lang="ko-KR" altLang="en-US" smtClean="0"/>
-              <a:t>2021/8/10</a:t>
+              <a:t>2021/8/11</a:t>
             </a:fld>
             <a:endParaRPr lang="ko-KR" altLang="en-US" dirty="0"/>
           </a:p>
@@ -6188,7 +6739,7 @@
           <a:p>
             <a:fld id="{B226B4E6-2447-4D67-A511-B13A2182F919}" type="datetime5">
               <a:rPr lang="ko-KR" altLang="en-US" smtClean="0"/>
-              <a:t>2021/8/10</a:t>
+              <a:t>2021/8/11</a:t>
             </a:fld>
             <a:endParaRPr lang="ko-KR" altLang="en-US" dirty="0"/>
           </a:p>
@@ -6535,7 +7086,7 @@
           <a:p>
             <a:fld id="{B226B4E6-2447-4D67-A511-B13A2182F919}" type="datetime5">
               <a:rPr lang="ko-KR" altLang="en-US" smtClean="0"/>
-              <a:t>2021/8/10</a:t>
+              <a:t>2021/8/11</a:t>
             </a:fld>
             <a:endParaRPr lang="ko-KR" altLang="en-US" dirty="0"/>
           </a:p>
@@ -6897,7 +7448,7 @@
           <a:p>
             <a:fld id="{B226B4E6-2447-4D67-A511-B13A2182F919}" type="datetime5">
               <a:rPr lang="ko-KR" altLang="en-US" smtClean="0"/>
-              <a:t>2021/8/10</a:t>
+              <a:t>2021/8/11</a:t>
             </a:fld>
             <a:endParaRPr lang="ko-KR" altLang="en-US" dirty="0"/>
           </a:p>
@@ -7143,7 +7694,7 @@
           <a:p>
             <a:fld id="{B226B4E6-2447-4D67-A511-B13A2182F919}" type="datetime5">
               <a:rPr lang="ko-KR" altLang="en-US" smtClean="0"/>
-              <a:t>2021/8/10</a:t>
+              <a:t>2021/8/11</a:t>
             </a:fld>
             <a:endParaRPr lang="ko-KR" altLang="en-US" dirty="0"/>
           </a:p>
@@ -7540,7 +8091,7 @@
           <a:p>
             <a:fld id="{B226B4E6-2447-4D67-A511-B13A2182F919}" type="datetime5">
               <a:rPr lang="ko-KR" altLang="en-US" smtClean="0"/>
-              <a:t>2021/8/10</a:t>
+              <a:t>2021/8/11</a:t>
             </a:fld>
             <a:endParaRPr lang="ko-KR" altLang="en-US" dirty="0"/>
           </a:p>
@@ -7760,7 +8311,7 @@
           <a:p>
             <a:fld id="{B226B4E6-2447-4D67-A511-B13A2182F919}" type="datetime5">
               <a:rPr lang="ko-KR" altLang="en-US" smtClean="0"/>
-              <a:t>2021/8/10</a:t>
+              <a:t>2021/8/11</a:t>
             </a:fld>
             <a:endParaRPr lang="ko-KR" altLang="en-US" dirty="0"/>
           </a:p>

--- a/정보처리기사/5. 정보시스템 구축관리.pptx
+++ b/정보처리기사/5. 정보시스템 구축관리.pptx
@@ -5,10 +5,10 @@
     <p:sldMasterId id="2147483648" r:id="rId1"/>
   </p:sldMasterIdLst>
   <p:notesMasterIdLst>
-    <p:notesMasterId r:id="rId18"/>
+    <p:notesMasterId r:id="rId19"/>
   </p:notesMasterIdLst>
   <p:handoutMasterIdLst>
-    <p:handoutMasterId r:id="rId19"/>
+    <p:handoutMasterId r:id="rId20"/>
   </p:handoutMasterIdLst>
   <p:sldIdLst>
     <p:sldId id="259" r:id="rId2"/>
@@ -27,6 +27,7 @@
     <p:sldId id="269" r:id="rId15"/>
     <p:sldId id="270" r:id="rId16"/>
     <p:sldId id="271" r:id="rId17"/>
+    <p:sldId id="274" r:id="rId18"/>
   </p:sldIdLst>
   <p:sldSz cx="12192000" cy="6858000"/>
   <p:notesSz cx="9144000" cy="6858000"/>
@@ -172,6 +173,11 @@
             <p14:sldId id="271"/>
           </p14:sldIdLst>
         </p14:section>
+        <p14:section name="시스템 보안 구축 - 시스템 보안 설계" id="{CA408FE0-1190-4314-89CC-A6C74E1E3D87}">
+          <p14:sldIdLst>
+            <p14:sldId id="274"/>
+          </p14:sldIdLst>
+        </p14:section>
       </p14:sectionLst>
     </p:ext>
     <p:ext uri="{EFAFB233-063F-42B5-8137-9DF3F51BA10A}">
@@ -278,7 +284,7 @@
           <a:p>
             <a:fld id="{A4D0E862-B602-4F19-9CCB-DBEF680D281A}" type="datetimeFigureOut">
               <a:rPr lang="ko-KR" altLang="en-US" smtClean="0"/>
-              <a:t>2021-08-11</a:t>
+              <a:t>2021-08-13</a:t>
             </a:fld>
             <a:endParaRPr lang="ko-KR" altLang="en-US"/>
           </a:p>
@@ -455,7 +461,7 @@
           <a:p>
             <a:fld id="{44272663-55A4-40A7-950D-2D273278BFB3}" type="datetimeFigureOut">
               <a:rPr lang="ko-KR" altLang="en-US" smtClean="0"/>
-              <a:t>2021-08-11</a:t>
+              <a:t>2021-08-13</a:t>
             </a:fld>
             <a:endParaRPr lang="ko-KR" altLang="en-US"/>
           </a:p>
@@ -1562,7 +1568,7 @@
           <a:p>
             <a:fld id="{B226B4E6-2447-4D67-A511-B13A2182F919}" type="datetime5">
               <a:rPr lang="ko-KR" altLang="en-US" smtClean="0"/>
-              <a:t>2021/8/11</a:t>
+              <a:t>2021/8/13</a:t>
             </a:fld>
             <a:endParaRPr lang="ko-KR" altLang="en-US" dirty="0"/>
           </a:p>
@@ -1933,7 +1939,7 @@
           <a:p>
             <a:fld id="{B226B4E6-2447-4D67-A511-B13A2182F919}" type="datetime5">
               <a:rPr lang="ko-KR" altLang="en-US" smtClean="0"/>
-              <a:t>2021/8/11</a:t>
+              <a:t>2021/8/13</a:t>
             </a:fld>
             <a:endParaRPr lang="ko-KR" altLang="en-US" dirty="0"/>
           </a:p>
@@ -2227,7 +2233,7 @@
           <a:p>
             <a:fld id="{B226B4E6-2447-4D67-A511-B13A2182F919}" type="datetime5">
               <a:rPr lang="ko-KR" altLang="en-US" smtClean="0"/>
-              <a:t>2021/8/11</a:t>
+              <a:t>2021/8/13</a:t>
             </a:fld>
             <a:endParaRPr lang="ko-KR" altLang="en-US" dirty="0"/>
           </a:p>
@@ -2529,7 +2535,7 @@
           <a:p>
             <a:fld id="{B226B4E6-2447-4D67-A511-B13A2182F919}" type="datetime5">
               <a:rPr lang="ko-KR" altLang="en-US" smtClean="0"/>
-              <a:t>2021/8/11</a:t>
+              <a:t>2021/8/13</a:t>
             </a:fld>
             <a:endParaRPr lang="ko-KR" altLang="en-US" dirty="0"/>
           </a:p>
@@ -3511,7 +3517,7 @@
           <a:p>
             <a:fld id="{B226B4E6-2447-4D67-A511-B13A2182F919}" type="datetime5">
               <a:rPr lang="ko-KR" altLang="en-US" smtClean="0"/>
-              <a:t>2021/8/11</a:t>
+              <a:t>2021/8/13</a:t>
             </a:fld>
             <a:endParaRPr lang="ko-KR" altLang="en-US" dirty="0"/>
           </a:p>
@@ -3800,7 +3806,7 @@
           <a:p>
             <a:fld id="{B226B4E6-2447-4D67-A511-B13A2182F919}" type="datetime5">
               <a:rPr lang="ko-KR" altLang="en-US" smtClean="0"/>
-              <a:t>2021/8/11</a:t>
+              <a:t>2021/8/13</a:t>
             </a:fld>
             <a:endParaRPr lang="ko-KR" altLang="en-US" dirty="0"/>
           </a:p>
@@ -4048,7 +4054,7 @@
           <a:p>
             <a:fld id="{B226B4E6-2447-4D67-A511-B13A2182F919}" type="datetime5">
               <a:rPr lang="ko-KR" altLang="en-US" smtClean="0"/>
-              <a:t>2021/8/11</a:t>
+              <a:t>2021/8/13</a:t>
             </a:fld>
             <a:endParaRPr lang="ko-KR" altLang="en-US" dirty="0"/>
           </a:p>
@@ -4527,7 +4533,7 @@
           <a:p>
             <a:fld id="{B226B4E6-2447-4D67-A511-B13A2182F919}" type="datetime5">
               <a:rPr lang="ko-KR" altLang="en-US" smtClean="0"/>
-              <a:t>2021/8/11</a:t>
+              <a:t>2021/8/13</a:t>
             </a:fld>
             <a:endParaRPr lang="ko-KR" altLang="en-US" dirty="0"/>
           </a:p>
@@ -4824,7 +4830,7 @@
           <a:p>
             <a:fld id="{B226B4E6-2447-4D67-A511-B13A2182F919}" type="datetime5">
               <a:rPr lang="ko-KR" altLang="en-US" smtClean="0"/>
-              <a:t>2021/8/11</a:t>
+              <a:t>2021/8/13</a:t>
             </a:fld>
             <a:endParaRPr lang="ko-KR" altLang="en-US" dirty="0"/>
           </a:p>
@@ -5214,7 +5220,7 @@
           <a:p>
             <a:fld id="{B226B4E6-2447-4D67-A511-B13A2182F919}" type="datetime5">
               <a:rPr lang="ko-KR" altLang="en-US" smtClean="0"/>
-              <a:t>2021/8/11</a:t>
+              <a:t>2021/8/13</a:t>
             </a:fld>
             <a:endParaRPr lang="ko-KR" altLang="en-US" dirty="0"/>
           </a:p>
@@ -5620,7 +5626,7 @@
           <a:p>
             <a:fld id="{B226B4E6-2447-4D67-A511-B13A2182F919}" type="datetime5">
               <a:rPr lang="ko-KR" altLang="en-US" smtClean="0"/>
-              <a:t>2021/8/11</a:t>
+              <a:t>2021/8/13</a:t>
             </a:fld>
             <a:endParaRPr lang="ko-KR" altLang="en-US" dirty="0"/>
           </a:p>
@@ -5630,6 +5636,393 @@
     <p:extLst>
       <p:ext uri="{BB962C8B-B14F-4D97-AF65-F5344CB8AC3E}">
         <p14:creationId xmlns:p14="http://schemas.microsoft.com/office/powerpoint/2010/main" val="2065534271"/>
+      </p:ext>
+    </p:extLst>
+  </p:cSld>
+  <p:clrMapOvr>
+    <a:masterClrMapping/>
+  </p:clrMapOvr>
+</p:sld>
+</file>
+
+<file path=ppt/slides/slide17.xml><?xml version="1.0" encoding="utf-8"?>
+<p:sld xmlns:a="http://schemas.openxmlformats.org/drawingml/2006/main" xmlns:r="http://schemas.openxmlformats.org/officeDocument/2006/relationships" xmlns:p="http://schemas.openxmlformats.org/presentationml/2006/main">
+  <p:cSld>
+    <p:spTree>
+      <p:nvGrpSpPr>
+        <p:cNvPr id="1" name=""/>
+        <p:cNvGrpSpPr/>
+        <p:nvPr/>
+      </p:nvGrpSpPr>
+      <p:grpSpPr>
+        <a:xfrm>
+          <a:off x="0" y="0"/>
+          <a:ext cx="0" cy="0"/>
+          <a:chOff x="0" y="0"/>
+          <a:chExt cx="0" cy="0"/>
+        </a:xfrm>
+      </p:grpSpPr>
+      <p:sp>
+        <p:nvSpPr>
+          <p:cNvPr id="2" name="내용 개체 틀 1">
+            <a:extLst>
+              <a:ext uri="{FF2B5EF4-FFF2-40B4-BE49-F238E27FC236}">
+                <a16:creationId xmlns:a16="http://schemas.microsoft.com/office/drawing/2014/main" id="{28BF8CDE-84CD-49FE-B459-7B6A87C1F8A1}"/>
+              </a:ext>
+            </a:extLst>
+          </p:cNvPr>
+          <p:cNvSpPr>
+            <a:spLocks noGrp="1"/>
+          </p:cNvSpPr>
+          <p:nvPr>
+            <p:ph sz="half" idx="14"/>
+          </p:nvPr>
+        </p:nvSpPr>
+        <p:spPr/>
+        <p:txBody>
+          <a:bodyPr/>
+          <a:lstStyle/>
+          <a:p>
+            <a:r>
+              <a:rPr lang="en-US" altLang="ko-KR" dirty="0"/>
+              <a:t>DoS </a:t>
+            </a:r>
+            <a:r>
+              <a:rPr lang="ko-KR" altLang="en-US" dirty="0"/>
+              <a:t>공격 </a:t>
+            </a:r>
+            <a:r>
+              <a:rPr lang="en-US" altLang="ko-KR" dirty="0"/>
+              <a:t>(Denial Of Service)</a:t>
+            </a:r>
+          </a:p>
+          <a:p>
+            <a:pPr lvl="1"/>
+            <a:r>
+              <a:rPr lang="ko-KR" altLang="en-US" dirty="0"/>
+              <a:t>시스템을 공격해 시스템의 자원을 부족하게 한다</a:t>
+            </a:r>
+            <a:endParaRPr lang="en-US" altLang="ko-KR" dirty="0"/>
+          </a:p>
+          <a:p>
+            <a:pPr lvl="2"/>
+            <a:r>
+              <a:rPr lang="en-US" altLang="ko-KR" dirty="0"/>
+              <a:t>SYN Flooding</a:t>
+            </a:r>
+          </a:p>
+          <a:p>
+            <a:pPr lvl="3"/>
+            <a:r>
+              <a:rPr lang="en-US" altLang="ko-KR" dirty="0"/>
+              <a:t>TCP</a:t>
+            </a:r>
+            <a:r>
+              <a:rPr lang="ko-KR" altLang="en-US" dirty="0"/>
+              <a:t> 악용</a:t>
+            </a:r>
+            <a:r>
+              <a:rPr lang="en-US" altLang="ko-KR" dirty="0"/>
+              <a:t>, SYN</a:t>
+            </a:r>
+            <a:r>
+              <a:rPr lang="ko-KR" altLang="en-US" dirty="0"/>
+              <a:t>만 계속 보낸다</a:t>
+            </a:r>
+            <a:endParaRPr lang="en-US" altLang="ko-KR" dirty="0"/>
+          </a:p>
+          <a:p>
+            <a:pPr lvl="2"/>
+            <a:r>
+              <a:rPr lang="en-US" altLang="ko-KR" dirty="0"/>
+              <a:t>UDP Flooding</a:t>
+            </a:r>
+          </a:p>
+          <a:p>
+            <a:pPr lvl="3"/>
+            <a:r>
+              <a:rPr lang="en-US" altLang="ko-KR" dirty="0"/>
+              <a:t>UDP</a:t>
+            </a:r>
+            <a:r>
+              <a:rPr lang="ko-KR" altLang="en-US" dirty="0"/>
+              <a:t>만 계속 보낸다</a:t>
+            </a:r>
+            <a:endParaRPr lang="en-US" altLang="ko-KR" dirty="0"/>
+          </a:p>
+          <a:p>
+            <a:pPr lvl="2"/>
+            <a:r>
+              <a:rPr lang="en-US" altLang="ko-KR" dirty="0"/>
+              <a:t>Smurf</a:t>
+            </a:r>
+          </a:p>
+          <a:p>
+            <a:pPr lvl="3"/>
+            <a:r>
+              <a:rPr lang="ko-KR" altLang="en-US" dirty="0"/>
+              <a:t>모든 애들 에게 나 보러 오라고 하고</a:t>
+            </a:r>
+            <a:endParaRPr lang="en-US" altLang="ko-KR" dirty="0"/>
+          </a:p>
+          <a:p>
+            <a:pPr lvl="3"/>
+            <a:r>
+              <a:rPr lang="ko-KR" altLang="en-US" dirty="0"/>
+              <a:t>공격 대상 주소 적음</a:t>
+            </a:r>
+            <a:endParaRPr lang="en-US" altLang="ko-KR" dirty="0"/>
+          </a:p>
+          <a:p>
+            <a:pPr lvl="2"/>
+            <a:r>
+              <a:rPr lang="en-US" altLang="ko-KR" dirty="0"/>
+              <a:t>Ping Of Death</a:t>
+            </a:r>
+          </a:p>
+          <a:p>
+            <a:pPr lvl="3"/>
+            <a:r>
+              <a:rPr lang="en-US" altLang="ko-KR" dirty="0"/>
+              <a:t>Ping</a:t>
+            </a:r>
+            <a:r>
+              <a:rPr lang="ko-KR" altLang="en-US" dirty="0"/>
+              <a:t>을 크게 만들어 보내면 처리하면서 과부화 됨</a:t>
+            </a:r>
+            <a:endParaRPr lang="en-US" altLang="ko-KR" dirty="0"/>
+          </a:p>
+          <a:p>
+            <a:pPr lvl="2"/>
+            <a:r>
+              <a:rPr lang="en-US" altLang="ko-KR" dirty="0"/>
+              <a:t>Land Attack</a:t>
+            </a:r>
+          </a:p>
+          <a:p>
+            <a:pPr lvl="3"/>
+            <a:r>
+              <a:rPr lang="ko-KR" altLang="en-US" dirty="0"/>
+              <a:t>출발지와 도착지의 주소가 공격대상인 패킷 전달</a:t>
+            </a:r>
+            <a:endParaRPr lang="en-US" altLang="ko-KR" dirty="0"/>
+          </a:p>
+          <a:p>
+            <a:pPr lvl="3"/>
+            <a:r>
+              <a:rPr lang="ko-KR" altLang="en-US" dirty="0"/>
+              <a:t>공격대상이 스스로 보내고</a:t>
+            </a:r>
+            <a:r>
+              <a:rPr lang="en-US" altLang="ko-KR" dirty="0"/>
+              <a:t>, </a:t>
+            </a:r>
+            <a:r>
+              <a:rPr lang="ko-KR" altLang="en-US" dirty="0"/>
+              <a:t>자기가 받기를 반복</a:t>
+            </a:r>
+            <a:endParaRPr lang="en-US" altLang="ko-KR" dirty="0"/>
+          </a:p>
+          <a:p>
+            <a:pPr lvl="2"/>
+            <a:r>
+              <a:rPr lang="en-US" altLang="ko-KR" dirty="0"/>
+              <a:t>Tear Drop</a:t>
+            </a:r>
+          </a:p>
+          <a:p>
+            <a:pPr lvl="2"/>
+            <a:r>
+              <a:rPr lang="en-US" altLang="ko-KR" dirty="0"/>
+              <a:t>Bonk</a:t>
+            </a:r>
+            <a:r>
+              <a:rPr lang="ko-KR" altLang="en-US" dirty="0"/>
+              <a:t> </a:t>
+            </a:r>
+            <a:r>
+              <a:rPr lang="en-US" altLang="ko-KR" dirty="0"/>
+              <a:t>/</a:t>
+            </a:r>
+            <a:r>
+              <a:rPr lang="ko-KR" altLang="en-US" dirty="0"/>
+              <a:t> </a:t>
+            </a:r>
+            <a:r>
+              <a:rPr lang="en-US" altLang="ko-KR" dirty="0"/>
+              <a:t>Boink !</a:t>
+            </a:r>
+          </a:p>
+        </p:txBody>
+      </p:sp>
+      <p:sp>
+        <p:nvSpPr>
+          <p:cNvPr id="3" name="제목 2">
+            <a:extLst>
+              <a:ext uri="{FF2B5EF4-FFF2-40B4-BE49-F238E27FC236}">
+                <a16:creationId xmlns:a16="http://schemas.microsoft.com/office/drawing/2014/main" id="{58F36D3B-A955-4FE9-B934-18B612BFA11B}"/>
+              </a:ext>
+            </a:extLst>
+          </p:cNvPr>
+          <p:cNvSpPr>
+            <a:spLocks noGrp="1"/>
+          </p:cNvSpPr>
+          <p:nvPr>
+            <p:ph type="title"/>
+          </p:nvPr>
+        </p:nvSpPr>
+        <p:spPr/>
+        <p:txBody>
+          <a:bodyPr/>
+          <a:lstStyle/>
+          <a:p>
+            <a:r>
+              <a:rPr lang="ko-KR" altLang="en-US" dirty="0"/>
+              <a:t>서비스 공격 유형</a:t>
+            </a:r>
+          </a:p>
+        </p:txBody>
+      </p:sp>
+      <p:sp>
+        <p:nvSpPr>
+          <p:cNvPr id="4" name="내용 개체 틀 3">
+            <a:extLst>
+              <a:ext uri="{FF2B5EF4-FFF2-40B4-BE49-F238E27FC236}">
+                <a16:creationId xmlns:a16="http://schemas.microsoft.com/office/drawing/2014/main" id="{70A54932-81AA-4F17-8C7C-941F7B542E7C}"/>
+              </a:ext>
+            </a:extLst>
+          </p:cNvPr>
+          <p:cNvSpPr>
+            <a:spLocks noGrp="1"/>
+          </p:cNvSpPr>
+          <p:nvPr>
+            <p:ph sz="half" idx="2"/>
+          </p:nvPr>
+        </p:nvSpPr>
+        <p:spPr/>
+        <p:txBody>
+          <a:bodyPr/>
+          <a:lstStyle/>
+          <a:p>
+            <a:r>
+              <a:rPr lang="en-US" altLang="ko-KR" dirty="0"/>
+              <a:t>DDoS </a:t>
+            </a:r>
+            <a:r>
+              <a:rPr lang="ko-KR" altLang="en-US" dirty="0"/>
+              <a:t>공격 </a:t>
+            </a:r>
+            <a:r>
+              <a:rPr lang="en-US" altLang="ko-KR" dirty="0"/>
+              <a:t>(Distributed Dos)</a:t>
+            </a:r>
+          </a:p>
+          <a:p>
+            <a:pPr lvl="1"/>
+            <a:r>
+              <a:rPr lang="ko-KR" altLang="en-US" dirty="0"/>
+              <a:t>공격자를 분산 배치하여 </a:t>
+            </a:r>
+            <a:r>
+              <a:rPr lang="ko-KR" altLang="en-US"/>
+              <a:t>동시에 공격</a:t>
+            </a:r>
+            <a:endParaRPr lang="en-US" altLang="ko-KR" dirty="0"/>
+          </a:p>
+        </p:txBody>
+      </p:sp>
+      <p:sp>
+        <p:nvSpPr>
+          <p:cNvPr id="5" name="슬라이드 번호 개체 틀 4">
+            <a:extLst>
+              <a:ext uri="{FF2B5EF4-FFF2-40B4-BE49-F238E27FC236}">
+                <a16:creationId xmlns:a16="http://schemas.microsoft.com/office/drawing/2014/main" id="{A40442C9-0604-44E4-B22A-CE9CDAD609B8}"/>
+              </a:ext>
+            </a:extLst>
+          </p:cNvPr>
+          <p:cNvSpPr>
+            <a:spLocks noGrp="1"/>
+          </p:cNvSpPr>
+          <p:nvPr>
+            <p:ph type="sldNum" sz="quarter" idx="12"/>
+          </p:nvPr>
+        </p:nvSpPr>
+        <p:spPr/>
+        <p:txBody>
+          <a:bodyPr/>
+          <a:lstStyle/>
+          <a:p>
+            <a:fld id="{89BED30C-66D9-4104-96BC-081A506F0CF0}" type="slidenum">
+              <a:rPr lang="ko-KR" altLang="en-US" smtClean="0"/>
+              <a:t>17</a:t>
+            </a:fld>
+            <a:endParaRPr lang="ko-KR" altLang="en-US"/>
+          </a:p>
+        </p:txBody>
+      </p:sp>
+      <p:sp>
+        <p:nvSpPr>
+          <p:cNvPr id="6" name="바닥글 개체 틀 5">
+            <a:extLst>
+              <a:ext uri="{FF2B5EF4-FFF2-40B4-BE49-F238E27FC236}">
+                <a16:creationId xmlns:a16="http://schemas.microsoft.com/office/drawing/2014/main" id="{53847A18-F200-4C4C-9D6D-C3DC581D3112}"/>
+              </a:ext>
+            </a:extLst>
+          </p:cNvPr>
+          <p:cNvSpPr>
+            <a:spLocks noGrp="1"/>
+          </p:cNvSpPr>
+          <p:nvPr>
+            <p:ph type="ftr" sz="quarter" idx="3"/>
+          </p:nvPr>
+        </p:nvSpPr>
+        <p:spPr/>
+        <p:txBody>
+          <a:bodyPr/>
+          <a:lstStyle/>
+          <a:p>
+            <a:pPr algn="l"/>
+            <a:r>
+              <a:rPr lang="en-US" altLang="ko-KR"/>
+              <a:t>Nibble</a:t>
+            </a:r>
+            <a:endParaRPr lang="ko-KR" altLang="en-US" dirty="0"/>
+          </a:p>
+        </p:txBody>
+      </p:sp>
+      <p:sp>
+        <p:nvSpPr>
+          <p:cNvPr id="7" name="날짜 개체 틀 6">
+            <a:extLst>
+              <a:ext uri="{FF2B5EF4-FFF2-40B4-BE49-F238E27FC236}">
+                <a16:creationId xmlns:a16="http://schemas.microsoft.com/office/drawing/2014/main" id="{61A7C9ED-18C8-4AD8-812A-C0C9202EE01D}"/>
+              </a:ext>
+            </a:extLst>
+          </p:cNvPr>
+          <p:cNvSpPr>
+            <a:spLocks noGrp="1"/>
+          </p:cNvSpPr>
+          <p:nvPr>
+            <p:ph type="dt" sz="half" idx="13"/>
+          </p:nvPr>
+        </p:nvSpPr>
+        <p:spPr/>
+        <p:txBody>
+          <a:bodyPr/>
+          <a:lstStyle/>
+          <a:p>
+            <a:fld id="{B226B4E6-2447-4D67-A511-B13A2182F919}" type="datetime5">
+              <a:rPr lang="ko-KR" altLang="en-US" smtClean="0"/>
+              <a:t>2021/8/13</a:t>
+            </a:fld>
+            <a:endParaRPr lang="ko-KR" altLang="en-US" dirty="0"/>
+          </a:p>
+        </p:txBody>
+      </p:sp>
+    </p:spTree>
+    <p:extLst>
+      <p:ext uri="{BB962C8B-B14F-4D97-AF65-F5344CB8AC3E}">
+        <p14:creationId xmlns:p14="http://schemas.microsoft.com/office/powerpoint/2010/main" val="2833845433"/>
       </p:ext>
     </p:extLst>
   </p:cSld>
@@ -5779,6 +6172,20 @@
               <a:rPr lang="ko-KR" altLang="en-US" dirty="0"/>
               <a:t>개발 보안 구현</a:t>
             </a:r>
+            <a:endParaRPr lang="en-US" altLang="ko-KR" dirty="0"/>
+          </a:p>
+          <a:p>
+            <a:r>
+              <a:rPr lang="ko-KR" altLang="en-US" dirty="0"/>
+              <a:t>시스템 보안 구축</a:t>
+            </a:r>
+          </a:p>
+          <a:p>
+            <a:pPr lvl="1"/>
+            <a:r>
+              <a:rPr lang="ko-KR" altLang="en-US" dirty="0"/>
+              <a:t>시스템 보안 설계</a:t>
+            </a:r>
           </a:p>
         </p:txBody>
       </p:sp>
@@ -5918,7 +6325,7 @@
           <a:p>
             <a:fld id="{B226B4E6-2447-4D67-A511-B13A2182F919}" type="datetime5">
               <a:rPr lang="ko-KR" altLang="en-US" smtClean="0"/>
-              <a:t>2021/8/11</a:t>
+              <a:t>2021/8/13</a:t>
             </a:fld>
             <a:endParaRPr lang="ko-KR" altLang="en-US" dirty="0"/>
           </a:p>
@@ -6428,7 +6835,7 @@
           <a:p>
             <a:fld id="{B226B4E6-2447-4D67-A511-B13A2182F919}" type="datetime5">
               <a:rPr lang="ko-KR" altLang="en-US" smtClean="0"/>
-              <a:t>2021/8/11</a:t>
+              <a:t>2021/8/13</a:t>
             </a:fld>
             <a:endParaRPr lang="ko-KR" altLang="en-US" dirty="0"/>
           </a:p>
@@ -6739,7 +7146,7 @@
           <a:p>
             <a:fld id="{B226B4E6-2447-4D67-A511-B13A2182F919}" type="datetime5">
               <a:rPr lang="ko-KR" altLang="en-US" smtClean="0"/>
-              <a:t>2021/8/11</a:t>
+              <a:t>2021/8/13</a:t>
             </a:fld>
             <a:endParaRPr lang="ko-KR" altLang="en-US" dirty="0"/>
           </a:p>
@@ -7086,7 +7493,7 @@
           <a:p>
             <a:fld id="{B226B4E6-2447-4D67-A511-B13A2182F919}" type="datetime5">
               <a:rPr lang="ko-KR" altLang="en-US" smtClean="0"/>
-              <a:t>2021/8/11</a:t>
+              <a:t>2021/8/13</a:t>
             </a:fld>
             <a:endParaRPr lang="ko-KR" altLang="en-US" dirty="0"/>
           </a:p>
@@ -7448,7 +7855,7 @@
           <a:p>
             <a:fld id="{B226B4E6-2447-4D67-A511-B13A2182F919}" type="datetime5">
               <a:rPr lang="ko-KR" altLang="en-US" smtClean="0"/>
-              <a:t>2021/8/11</a:t>
+              <a:t>2021/8/13</a:t>
             </a:fld>
             <a:endParaRPr lang="ko-KR" altLang="en-US" dirty="0"/>
           </a:p>
@@ -7694,7 +8101,7 @@
           <a:p>
             <a:fld id="{B226B4E6-2447-4D67-A511-B13A2182F919}" type="datetime5">
               <a:rPr lang="ko-KR" altLang="en-US" smtClean="0"/>
-              <a:t>2021/8/11</a:t>
+              <a:t>2021/8/13</a:t>
             </a:fld>
             <a:endParaRPr lang="ko-KR" altLang="en-US" dirty="0"/>
           </a:p>
@@ -8091,7 +8498,7 @@
           <a:p>
             <a:fld id="{B226B4E6-2447-4D67-A511-B13A2182F919}" type="datetime5">
               <a:rPr lang="ko-KR" altLang="en-US" smtClean="0"/>
-              <a:t>2021/8/11</a:t>
+              <a:t>2021/8/13</a:t>
             </a:fld>
             <a:endParaRPr lang="ko-KR" altLang="en-US" dirty="0"/>
           </a:p>
@@ -8311,7 +8718,7 @@
           <a:p>
             <a:fld id="{B226B4E6-2447-4D67-A511-B13A2182F919}" type="datetime5">
               <a:rPr lang="ko-KR" altLang="en-US" smtClean="0"/>
-              <a:t>2021/8/11</a:t>
+              <a:t>2021/8/13</a:t>
             </a:fld>
             <a:endParaRPr lang="ko-KR" altLang="en-US" dirty="0"/>
           </a:p>
